--- a/项目设计/总体设计PPTv0.0.2.pptx
+++ b/项目设计/总体设计PPTv0.0.2.pptx
@@ -6,7 +6,7 @@
     <p:sldMasterId id="2147483736" r:id="rId2"/>
   </p:sldMasterIdLst>
   <p:notesMasterIdLst>
-    <p:notesMasterId r:id="rId18"/>
+    <p:notesMasterId r:id="rId24"/>
   </p:notesMasterIdLst>
   <p:sldIdLst>
     <p:sldId id="597" r:id="rId3"/>
@@ -18,12 +18,18 @@
     <p:sldId id="609" r:id="rId9"/>
     <p:sldId id="619" r:id="rId10"/>
     <p:sldId id="620" r:id="rId11"/>
-    <p:sldId id="612" r:id="rId12"/>
-    <p:sldId id="613" r:id="rId13"/>
-    <p:sldId id="623" r:id="rId14"/>
-    <p:sldId id="614" r:id="rId15"/>
-    <p:sldId id="615" r:id="rId16"/>
-    <p:sldId id="616" r:id="rId17"/>
+    <p:sldId id="626" r:id="rId12"/>
+    <p:sldId id="627" r:id="rId13"/>
+    <p:sldId id="624" r:id="rId14"/>
+    <p:sldId id="628" r:id="rId15"/>
+    <p:sldId id="612" r:id="rId16"/>
+    <p:sldId id="613" r:id="rId17"/>
+    <p:sldId id="623" r:id="rId18"/>
+    <p:sldId id="629" r:id="rId19"/>
+    <p:sldId id="630" r:id="rId20"/>
+    <p:sldId id="614" r:id="rId21"/>
+    <p:sldId id="615" r:id="rId22"/>
+    <p:sldId id="616" r:id="rId23"/>
   </p:sldIdLst>
   <p:sldSz cx="9144000" cy="5143500" type="screen16x9"/>
   <p:notesSz cx="6858000" cy="9144000"/>
@@ -2027,6 +2033,573 @@
     </pc:docChg>
   </pc:docChgLst>
   <pc:docChgLst>
+    <pc:chgData name="邹 雨哲" userId="e28be67ac78edb3b" providerId="LiveId" clId="{5049CDA5-3AC1-4EC3-ACFF-A565626B2C99}"/>
+    <pc:docChg chg="undo redo custSel addSld delSld modSld sldOrd">
+      <pc:chgData name="邹 雨哲" userId="e28be67ac78edb3b" providerId="LiveId" clId="{5049CDA5-3AC1-4EC3-ACFF-A565626B2C99}" dt="2022-11-20T16:23:36.726" v="725" actId="14100"/>
+      <pc:docMkLst>
+        <pc:docMk/>
+      </pc:docMkLst>
+      <pc:sldChg chg="addSp modSp mod">
+        <pc:chgData name="邹 雨哲" userId="e28be67ac78edb3b" providerId="LiveId" clId="{5049CDA5-3AC1-4EC3-ACFF-A565626B2C99}" dt="2022-11-20T15:37:30.908" v="57" actId="14100"/>
+        <pc:sldMkLst>
+          <pc:docMk/>
+          <pc:sldMk cId="1161295521" sldId="598"/>
+        </pc:sldMkLst>
+        <pc:spChg chg="add mod">
+          <ac:chgData name="邹 雨哲" userId="e28be67ac78edb3b" providerId="LiveId" clId="{5049CDA5-3AC1-4EC3-ACFF-A565626B2C99}" dt="2022-11-20T15:37:30.908" v="57" actId="14100"/>
+          <ac:spMkLst>
+            <pc:docMk/>
+            <pc:sldMk cId="1161295521" sldId="598"/>
+            <ac:spMk id="4" creationId="{2F3CF6BD-A63C-1114-3C7B-049E110C646D}"/>
+          </ac:spMkLst>
+        </pc:spChg>
+      </pc:sldChg>
+      <pc:sldChg chg="addSp delSp modSp mod">
+        <pc:chgData name="邹 雨哲" userId="e28be67ac78edb3b" providerId="LiveId" clId="{5049CDA5-3AC1-4EC3-ACFF-A565626B2C99}" dt="2022-11-20T15:48:18.375" v="237" actId="20577"/>
+        <pc:sldMkLst>
+          <pc:docMk/>
+          <pc:sldMk cId="1632244696" sldId="601"/>
+        </pc:sldMkLst>
+        <pc:spChg chg="add mod">
+          <ac:chgData name="邹 雨哲" userId="e28be67ac78edb3b" providerId="LiveId" clId="{5049CDA5-3AC1-4EC3-ACFF-A565626B2C99}" dt="2022-11-20T15:40:25.536" v="98" actId="1076"/>
+          <ac:spMkLst>
+            <pc:docMk/>
+            <pc:sldMk cId="1632244696" sldId="601"/>
+            <ac:spMk id="3" creationId="{58D4D6C5-74AA-F956-670B-F084992B148D}"/>
+          </ac:spMkLst>
+        </pc:spChg>
+        <pc:spChg chg="add mod">
+          <ac:chgData name="邹 雨哲" userId="e28be67ac78edb3b" providerId="LiveId" clId="{5049CDA5-3AC1-4EC3-ACFF-A565626B2C99}" dt="2022-11-20T15:45:42.492" v="179" actId="20577"/>
+          <ac:spMkLst>
+            <pc:docMk/>
+            <pc:sldMk cId="1632244696" sldId="601"/>
+            <ac:spMk id="4" creationId="{83596D1F-A255-D14B-201A-C52E87DE40BA}"/>
+          </ac:spMkLst>
+        </pc:spChg>
+        <pc:spChg chg="add mod">
+          <ac:chgData name="邹 雨哲" userId="e28be67ac78edb3b" providerId="LiveId" clId="{5049CDA5-3AC1-4EC3-ACFF-A565626B2C99}" dt="2022-11-20T15:47:04.847" v="206" actId="20577"/>
+          <ac:spMkLst>
+            <pc:docMk/>
+            <pc:sldMk cId="1632244696" sldId="601"/>
+            <ac:spMk id="5" creationId="{2BDD0E78-CFC2-0A30-0ADB-2E5B2397D3B0}"/>
+          </ac:spMkLst>
+        </pc:spChg>
+        <pc:spChg chg="add del mod">
+          <ac:chgData name="邹 雨哲" userId="e28be67ac78edb3b" providerId="LiveId" clId="{5049CDA5-3AC1-4EC3-ACFF-A565626B2C99}" dt="2022-11-20T15:48:09.207" v="224" actId="478"/>
+          <ac:spMkLst>
+            <pc:docMk/>
+            <pc:sldMk cId="1632244696" sldId="601"/>
+            <ac:spMk id="7" creationId="{24FCC33D-1BDB-A780-0A4C-6AC1C68BFC6C}"/>
+          </ac:spMkLst>
+        </pc:spChg>
+        <pc:spChg chg="add mod">
+          <ac:chgData name="邹 雨哲" userId="e28be67ac78edb3b" providerId="LiveId" clId="{5049CDA5-3AC1-4EC3-ACFF-A565626B2C99}" dt="2022-11-20T15:48:18.375" v="237" actId="20577"/>
+          <ac:spMkLst>
+            <pc:docMk/>
+            <pc:sldMk cId="1632244696" sldId="601"/>
+            <ac:spMk id="8" creationId="{816D323E-E192-2F65-7585-4FBE713F5993}"/>
+          </ac:spMkLst>
+        </pc:spChg>
+        <pc:spChg chg="del mod">
+          <ac:chgData name="邹 雨哲" userId="e28be67ac78edb3b" providerId="LiveId" clId="{5049CDA5-3AC1-4EC3-ACFF-A565626B2C99}" dt="2022-11-20T15:40:05.809" v="76"/>
+          <ac:spMkLst>
+            <pc:docMk/>
+            <pc:sldMk cId="1632244696" sldId="601"/>
+            <ac:spMk id="71" creationId="{00000000-0000-0000-0000-000000000000}"/>
+          </ac:spMkLst>
+        </pc:spChg>
+        <pc:spChg chg="mod">
+          <ac:chgData name="邹 雨哲" userId="e28be67ac78edb3b" providerId="LiveId" clId="{5049CDA5-3AC1-4EC3-ACFF-A565626B2C99}" dt="2022-11-20T15:40:29.549" v="99" actId="1076"/>
+          <ac:spMkLst>
+            <pc:docMk/>
+            <pc:sldMk cId="1632244696" sldId="601"/>
+            <ac:spMk id="85" creationId="{00000000-0000-0000-0000-000000000000}"/>
+          </ac:spMkLst>
+        </pc:spChg>
+        <pc:spChg chg="mod">
+          <ac:chgData name="邹 雨哲" userId="e28be67ac78edb3b" providerId="LiveId" clId="{5049CDA5-3AC1-4EC3-ACFF-A565626B2C99}" dt="2022-11-20T15:47:26.783" v="208" actId="1076"/>
+          <ac:spMkLst>
+            <pc:docMk/>
+            <pc:sldMk cId="1632244696" sldId="601"/>
+            <ac:spMk id="105" creationId="{00000000-0000-0000-0000-000000000000}"/>
+          </ac:spMkLst>
+        </pc:spChg>
+        <pc:spChg chg="del mod">
+          <ac:chgData name="邹 雨哲" userId="e28be67ac78edb3b" providerId="LiveId" clId="{5049CDA5-3AC1-4EC3-ACFF-A565626B2C99}" dt="2022-11-20T15:40:05.809" v="78"/>
+          <ac:spMkLst>
+            <pc:docMk/>
+            <pc:sldMk cId="1632244696" sldId="601"/>
+            <ac:spMk id="117" creationId="{00000000-0000-0000-0000-000000000000}"/>
+          </ac:spMkLst>
+        </pc:spChg>
+        <pc:spChg chg="del mod">
+          <ac:chgData name="邹 雨哲" userId="e28be67ac78edb3b" providerId="LiveId" clId="{5049CDA5-3AC1-4EC3-ACFF-A565626B2C99}" dt="2022-11-20T15:39:03.842" v="60" actId="478"/>
+          <ac:spMkLst>
+            <pc:docMk/>
+            <pc:sldMk cId="1632244696" sldId="601"/>
+            <ac:spMk id="119" creationId="{00000000-0000-0000-0000-000000000000}"/>
+          </ac:spMkLst>
+        </pc:spChg>
+        <pc:spChg chg="mod">
+          <ac:chgData name="邹 雨哲" userId="e28be67ac78edb3b" providerId="LiveId" clId="{5049CDA5-3AC1-4EC3-ACFF-A565626B2C99}" dt="2022-11-20T15:47:33.394" v="210" actId="1076"/>
+          <ac:spMkLst>
+            <pc:docMk/>
+            <pc:sldMk cId="1632244696" sldId="601"/>
+            <ac:spMk id="121" creationId="{00000000-0000-0000-0000-000000000000}"/>
+          </ac:spMkLst>
+        </pc:spChg>
+        <pc:spChg chg="mod">
+          <ac:chgData name="邹 雨哲" userId="e28be67ac78edb3b" providerId="LiveId" clId="{5049CDA5-3AC1-4EC3-ACFF-A565626B2C99}" dt="2022-11-20T15:47:29.998" v="209" actId="1076"/>
+          <ac:spMkLst>
+            <pc:docMk/>
+            <pc:sldMk cId="1632244696" sldId="601"/>
+            <ac:spMk id="123" creationId="{00000000-0000-0000-0000-000000000000}"/>
+          </ac:spMkLst>
+        </pc:spChg>
+        <pc:picChg chg="add mod">
+          <ac:chgData name="邹 雨哲" userId="e28be67ac78edb3b" providerId="LiveId" clId="{5049CDA5-3AC1-4EC3-ACFF-A565626B2C99}" dt="2022-11-20T15:38:28.200" v="58"/>
+          <ac:picMkLst>
+            <pc:docMk/>
+            <pc:sldMk cId="1632244696" sldId="601"/>
+            <ac:picMk id="2" creationId="{FA8BCA2E-9FDE-29B2-85BC-86535758AD56}"/>
+          </ac:picMkLst>
+        </pc:picChg>
+      </pc:sldChg>
+      <pc:sldChg chg="addSp modSp mod">
+        <pc:chgData name="邹 雨哲" userId="e28be67ac78edb3b" providerId="LiveId" clId="{5049CDA5-3AC1-4EC3-ACFF-A565626B2C99}" dt="2022-11-20T15:36:26.435" v="39" actId="1076"/>
+        <pc:sldMkLst>
+          <pc:docMk/>
+          <pc:sldMk cId="1252305112" sldId="608"/>
+        </pc:sldMkLst>
+        <pc:picChg chg="add mod">
+          <ac:chgData name="邹 雨哲" userId="e28be67ac78edb3b" providerId="LiveId" clId="{5049CDA5-3AC1-4EC3-ACFF-A565626B2C99}" dt="2022-11-20T15:36:26.435" v="39" actId="1076"/>
+          <ac:picMkLst>
+            <pc:docMk/>
+            <pc:sldMk cId="1252305112" sldId="608"/>
+            <ac:picMk id="3" creationId="{2D6782DF-77F0-CF66-4F80-5B8F28F454DD}"/>
+          </ac:picMkLst>
+        </pc:picChg>
+        <pc:picChg chg="add mod">
+          <ac:chgData name="邹 雨哲" userId="e28be67ac78edb3b" providerId="LiveId" clId="{5049CDA5-3AC1-4EC3-ACFF-A565626B2C99}" dt="2022-11-20T15:36:16.094" v="34" actId="1076"/>
+          <ac:picMkLst>
+            <pc:docMk/>
+            <pc:sldMk cId="1252305112" sldId="608"/>
+            <ac:picMk id="4" creationId="{0AC6EAAD-423B-9EAF-FD74-817745D28775}"/>
+          </ac:picMkLst>
+        </pc:picChg>
+        <pc:picChg chg="add mod">
+          <ac:chgData name="邹 雨哲" userId="e28be67ac78edb3b" providerId="LiveId" clId="{5049CDA5-3AC1-4EC3-ACFF-A565626B2C99}" dt="2022-11-20T15:36:08.319" v="32" actId="14100"/>
+          <ac:picMkLst>
+            <pc:docMk/>
+            <pc:sldMk cId="1252305112" sldId="608"/>
+            <ac:picMk id="5" creationId="{BDE73338-1741-E2D7-E403-E2C272E0573F}"/>
+          </ac:picMkLst>
+        </pc:picChg>
+      </pc:sldChg>
+      <pc:sldChg chg="modSp mod">
+        <pc:chgData name="邹 雨哲" userId="e28be67ac78edb3b" providerId="LiveId" clId="{5049CDA5-3AC1-4EC3-ACFF-A565626B2C99}" dt="2022-11-20T15:41:06.970" v="125" actId="20577"/>
+        <pc:sldMkLst>
+          <pc:docMk/>
+          <pc:sldMk cId="3942694568" sldId="609"/>
+        </pc:sldMkLst>
+        <pc:spChg chg="mod">
+          <ac:chgData name="邹 雨哲" userId="e28be67ac78edb3b" providerId="LiveId" clId="{5049CDA5-3AC1-4EC3-ACFF-A565626B2C99}" dt="2022-11-20T15:41:06.970" v="125" actId="20577"/>
+          <ac:spMkLst>
+            <pc:docMk/>
+            <pc:sldMk cId="3942694568" sldId="609"/>
+            <ac:spMk id="27" creationId="{00000000-0000-0000-0000-000000000000}"/>
+          </ac:spMkLst>
+        </pc:spChg>
+      </pc:sldChg>
+      <pc:sldChg chg="modSp mod">
+        <pc:chgData name="邹 雨哲" userId="e28be67ac78edb3b" providerId="LiveId" clId="{5049CDA5-3AC1-4EC3-ACFF-A565626B2C99}" dt="2022-11-20T16:15:00.031" v="691" actId="20577"/>
+        <pc:sldMkLst>
+          <pc:docMk/>
+          <pc:sldMk cId="486458219" sldId="613"/>
+        </pc:sldMkLst>
+        <pc:spChg chg="mod">
+          <ac:chgData name="邹 雨哲" userId="e28be67ac78edb3b" providerId="LiveId" clId="{5049CDA5-3AC1-4EC3-ACFF-A565626B2C99}" dt="2022-11-20T16:15:00.031" v="691" actId="20577"/>
+          <ac:spMkLst>
+            <pc:docMk/>
+            <pc:sldMk cId="486458219" sldId="613"/>
+            <ac:spMk id="27" creationId="{00000000-0000-0000-0000-000000000000}"/>
+          </ac:spMkLst>
+        </pc:spChg>
+      </pc:sldChg>
+      <pc:sldChg chg="addSp modSp mod">
+        <pc:chgData name="邹 雨哲" userId="e28be67ac78edb3b" providerId="LiveId" clId="{5049CDA5-3AC1-4EC3-ACFF-A565626B2C99}" dt="2022-11-20T16:23:36.726" v="725" actId="14100"/>
+        <pc:sldMkLst>
+          <pc:docMk/>
+          <pc:sldMk cId="605336132" sldId="615"/>
+        </pc:sldMkLst>
+        <pc:spChg chg="add mod">
+          <ac:chgData name="邹 雨哲" userId="e28be67ac78edb3b" providerId="LiveId" clId="{5049CDA5-3AC1-4EC3-ACFF-A565626B2C99}" dt="2022-11-20T16:23:20.616" v="723" actId="1076"/>
+          <ac:spMkLst>
+            <pc:docMk/>
+            <pc:sldMk cId="605336132" sldId="615"/>
+            <ac:spMk id="3" creationId="{60FF20B4-7B97-7234-AC3A-027056DDF720}"/>
+          </ac:spMkLst>
+        </pc:spChg>
+        <pc:spChg chg="mod">
+          <ac:chgData name="邹 雨哲" userId="e28be67ac78edb3b" providerId="LiveId" clId="{5049CDA5-3AC1-4EC3-ACFF-A565626B2C99}" dt="2022-11-20T15:48:59.193" v="283" actId="1076"/>
+          <ac:spMkLst>
+            <pc:docMk/>
+            <pc:sldMk cId="605336132" sldId="615"/>
+            <ac:spMk id="27" creationId="{00000000-0000-0000-0000-000000000000}"/>
+          </ac:spMkLst>
+        </pc:spChg>
+        <pc:picChg chg="mod">
+          <ac:chgData name="邹 雨哲" userId="e28be67ac78edb3b" providerId="LiveId" clId="{5049CDA5-3AC1-4EC3-ACFF-A565626B2C99}" dt="2022-11-20T16:23:36.726" v="725" actId="14100"/>
+          <ac:picMkLst>
+            <pc:docMk/>
+            <pc:sldMk cId="605336132" sldId="615"/>
+            <ac:picMk id="5" creationId="{96F36265-0A11-482C-AF2C-873BCA46D327}"/>
+          </ac:picMkLst>
+        </pc:picChg>
+        <pc:picChg chg="add mod">
+          <ac:chgData name="邹 雨哲" userId="e28be67ac78edb3b" providerId="LiveId" clId="{5049CDA5-3AC1-4EC3-ACFF-A565626B2C99}" dt="2022-11-20T16:23:27.957" v="724" actId="1076"/>
+          <ac:picMkLst>
+            <pc:docMk/>
+            <pc:sldMk cId="605336132" sldId="615"/>
+            <ac:picMk id="6" creationId="{DAE81FC7-B11C-861F-7B75-9018507571D5}"/>
+          </ac:picMkLst>
+        </pc:picChg>
+      </pc:sldChg>
+      <pc:sldChg chg="addSp modSp mod">
+        <pc:chgData name="邹 雨哲" userId="e28be67ac78edb3b" providerId="LiveId" clId="{5049CDA5-3AC1-4EC3-ACFF-A565626B2C99}" dt="2022-11-20T15:34:37.045" v="15" actId="1076"/>
+        <pc:sldMkLst>
+          <pc:docMk/>
+          <pc:sldMk cId="160184752" sldId="617"/>
+        </pc:sldMkLst>
+        <pc:picChg chg="add mod">
+          <ac:chgData name="邹 雨哲" userId="e28be67ac78edb3b" providerId="LiveId" clId="{5049CDA5-3AC1-4EC3-ACFF-A565626B2C99}" dt="2022-11-20T15:33:45.101" v="5" actId="1076"/>
+          <ac:picMkLst>
+            <pc:docMk/>
+            <pc:sldMk cId="160184752" sldId="617"/>
+            <ac:picMk id="3" creationId="{0130193B-C55D-DE90-6B87-712AFC568541}"/>
+          </ac:picMkLst>
+        </pc:picChg>
+        <pc:picChg chg="add mod">
+          <ac:chgData name="邹 雨哲" userId="e28be67ac78edb3b" providerId="LiveId" clId="{5049CDA5-3AC1-4EC3-ACFF-A565626B2C99}" dt="2022-11-20T15:34:15.089" v="9" actId="1076"/>
+          <ac:picMkLst>
+            <pc:docMk/>
+            <pc:sldMk cId="160184752" sldId="617"/>
+            <ac:picMk id="4" creationId="{DCD98F2A-C2B6-CD44-1E99-56754E3E34F7}"/>
+          </ac:picMkLst>
+        </pc:picChg>
+        <pc:picChg chg="add mod">
+          <ac:chgData name="邹 雨哲" userId="e28be67ac78edb3b" providerId="LiveId" clId="{5049CDA5-3AC1-4EC3-ACFF-A565626B2C99}" dt="2022-11-20T15:34:37.045" v="15" actId="1076"/>
+          <ac:picMkLst>
+            <pc:docMk/>
+            <pc:sldMk cId="160184752" sldId="617"/>
+            <ac:picMk id="5" creationId="{E08C713E-D9C0-0AE7-97D0-0C21EE428672}"/>
+          </ac:picMkLst>
+        </pc:picChg>
+      </pc:sldChg>
+      <pc:sldChg chg="modSp mod">
+        <pc:chgData name="邹 雨哲" userId="e28be67ac78edb3b" providerId="LiveId" clId="{5049CDA5-3AC1-4EC3-ACFF-A565626B2C99}" dt="2022-11-20T15:41:04.064" v="123" actId="20577"/>
+        <pc:sldMkLst>
+          <pc:docMk/>
+          <pc:sldMk cId="4036591385" sldId="618"/>
+        </pc:sldMkLst>
+        <pc:spChg chg="mod">
+          <ac:chgData name="邹 雨哲" userId="e28be67ac78edb3b" providerId="LiveId" clId="{5049CDA5-3AC1-4EC3-ACFF-A565626B2C99}" dt="2022-11-20T15:41:04.064" v="123" actId="20577"/>
+          <ac:spMkLst>
+            <pc:docMk/>
+            <pc:sldMk cId="4036591385" sldId="618"/>
+            <ac:spMk id="27" creationId="{00000000-0000-0000-0000-000000000000}"/>
+          </ac:spMkLst>
+        </pc:spChg>
+      </pc:sldChg>
+      <pc:sldChg chg="modSp mod">
+        <pc:chgData name="邹 雨哲" userId="e28be67ac78edb3b" providerId="LiveId" clId="{5049CDA5-3AC1-4EC3-ACFF-A565626B2C99}" dt="2022-11-20T15:42:01.489" v="149" actId="20577"/>
+        <pc:sldMkLst>
+          <pc:docMk/>
+          <pc:sldMk cId="3500002636" sldId="619"/>
+        </pc:sldMkLst>
+        <pc:spChg chg="mod">
+          <ac:chgData name="邹 雨哲" userId="e28be67ac78edb3b" providerId="LiveId" clId="{5049CDA5-3AC1-4EC3-ACFF-A565626B2C99}" dt="2022-11-20T15:42:01.489" v="149" actId="20577"/>
+          <ac:spMkLst>
+            <pc:docMk/>
+            <pc:sldMk cId="3500002636" sldId="619"/>
+            <ac:spMk id="27" creationId="{00000000-0000-0000-0000-000000000000}"/>
+          </ac:spMkLst>
+        </pc:spChg>
+      </pc:sldChg>
+      <pc:sldChg chg="addSp delSp modSp mod">
+        <pc:chgData name="邹 雨哲" userId="e28be67ac78edb3b" providerId="LiveId" clId="{5049CDA5-3AC1-4EC3-ACFF-A565626B2C99}" dt="2022-11-20T15:42:04.338" v="153" actId="20577"/>
+        <pc:sldMkLst>
+          <pc:docMk/>
+          <pc:sldMk cId="3766475686" sldId="620"/>
+        </pc:sldMkLst>
+        <pc:spChg chg="add del mod">
+          <ac:chgData name="邹 雨哲" userId="e28be67ac78edb3b" providerId="LiveId" clId="{5049CDA5-3AC1-4EC3-ACFF-A565626B2C99}" dt="2022-11-20T15:41:50.829" v="142" actId="6549"/>
+          <ac:spMkLst>
+            <pc:docMk/>
+            <pc:sldMk cId="3766475686" sldId="620"/>
+            <ac:spMk id="3" creationId="{18F6D77B-42BF-2EE9-2763-46D44A36A1E9}"/>
+          </ac:spMkLst>
+        </pc:spChg>
+        <pc:spChg chg="mod">
+          <ac:chgData name="邹 雨哲" userId="e28be67ac78edb3b" providerId="LiveId" clId="{5049CDA5-3AC1-4EC3-ACFF-A565626B2C99}" dt="2022-11-20T15:42:04.338" v="153" actId="20577"/>
+          <ac:spMkLst>
+            <pc:docMk/>
+            <pc:sldMk cId="3766475686" sldId="620"/>
+            <ac:spMk id="27" creationId="{00000000-0000-0000-0000-000000000000}"/>
+          </ac:spMkLst>
+        </pc:spChg>
+        <pc:picChg chg="add del">
+          <ac:chgData name="邹 雨哲" userId="e28be67ac78edb3b" providerId="LiveId" clId="{5049CDA5-3AC1-4EC3-ACFF-A565626B2C99}" dt="2022-11-20T15:41:50.439" v="140" actId="478"/>
+          <ac:picMkLst>
+            <pc:docMk/>
+            <pc:sldMk cId="3766475686" sldId="620"/>
+            <ac:picMk id="7" creationId="{B212197A-F78D-FAB1-FEB2-D00406E5F67B}"/>
+          </ac:picMkLst>
+        </pc:picChg>
+      </pc:sldChg>
+      <pc:sldChg chg="addSp delSp modSp add mod">
+        <pc:chgData name="邹 雨哲" userId="e28be67ac78edb3b" providerId="LiveId" clId="{5049CDA5-3AC1-4EC3-ACFF-A565626B2C99}" dt="2022-11-20T16:10:42.194" v="658" actId="15"/>
+        <pc:sldMkLst>
+          <pc:docMk/>
+          <pc:sldMk cId="4006490586" sldId="624"/>
+        </pc:sldMkLst>
+        <pc:spChg chg="del mod">
+          <ac:chgData name="邹 雨哲" userId="e28be67ac78edb3b" providerId="LiveId" clId="{5049CDA5-3AC1-4EC3-ACFF-A565626B2C99}" dt="2022-11-20T15:46:55.759" v="191" actId="478"/>
+          <ac:spMkLst>
+            <pc:docMk/>
+            <pc:sldMk cId="4006490586" sldId="624"/>
+            <ac:spMk id="3" creationId="{18F6D77B-42BF-2EE9-2763-46D44A36A1E9}"/>
+          </ac:spMkLst>
+        </pc:spChg>
+        <pc:spChg chg="add mod">
+          <ac:chgData name="邹 雨哲" userId="e28be67ac78edb3b" providerId="LiveId" clId="{5049CDA5-3AC1-4EC3-ACFF-A565626B2C99}" dt="2022-11-20T16:09:56.650" v="649"/>
+          <ac:spMkLst>
+            <pc:docMk/>
+            <pc:sldMk cId="4006490586" sldId="624"/>
+            <ac:spMk id="5" creationId="{E5B96ED3-0C5C-98A6-486A-E9DAD85D5694}"/>
+          </ac:spMkLst>
+        </pc:spChg>
+        <pc:spChg chg="add mod">
+          <ac:chgData name="邹 雨哲" userId="e28be67ac78edb3b" providerId="LiveId" clId="{5049CDA5-3AC1-4EC3-ACFF-A565626B2C99}" dt="2022-11-20T16:10:42.194" v="658" actId="15"/>
+          <ac:spMkLst>
+            <pc:docMk/>
+            <pc:sldMk cId="4006490586" sldId="624"/>
+            <ac:spMk id="8" creationId="{CEF10381-B314-4D63-BA68-2C5259582A23}"/>
+          </ac:spMkLst>
+        </pc:spChg>
+        <pc:spChg chg="add del">
+          <ac:chgData name="邹 雨哲" userId="e28be67ac78edb3b" providerId="LiveId" clId="{5049CDA5-3AC1-4EC3-ACFF-A565626B2C99}" dt="2022-11-20T15:52:31.188" v="423"/>
+          <ac:spMkLst>
+            <pc:docMk/>
+            <pc:sldMk cId="4006490586" sldId="624"/>
+            <ac:spMk id="9" creationId="{2153793D-E68F-DFD4-765A-F02E616DEC77}"/>
+          </ac:spMkLst>
+        </pc:spChg>
+        <pc:spChg chg="add del">
+          <ac:chgData name="邹 雨哲" userId="e28be67ac78edb3b" providerId="LiveId" clId="{5049CDA5-3AC1-4EC3-ACFF-A565626B2C99}" dt="2022-11-20T15:52:38.491" v="427"/>
+          <ac:spMkLst>
+            <pc:docMk/>
+            <pc:sldMk cId="4006490586" sldId="624"/>
+            <ac:spMk id="10" creationId="{46EB97FC-3C0B-E4B6-BEC7-048914F4380C}"/>
+          </ac:spMkLst>
+        </pc:spChg>
+        <pc:spChg chg="mod">
+          <ac:chgData name="邹 雨哲" userId="e28be67ac78edb3b" providerId="LiveId" clId="{5049CDA5-3AC1-4EC3-ACFF-A565626B2C99}" dt="2022-11-20T15:46:51.625" v="188" actId="20577"/>
+          <ac:spMkLst>
+            <pc:docMk/>
+            <pc:sldMk cId="4006490586" sldId="624"/>
+            <ac:spMk id="27" creationId="{00000000-0000-0000-0000-000000000000}"/>
+          </ac:spMkLst>
+        </pc:spChg>
+        <pc:picChg chg="del">
+          <ac:chgData name="邹 雨哲" userId="e28be67ac78edb3b" providerId="LiveId" clId="{5049CDA5-3AC1-4EC3-ACFF-A565626B2C99}" dt="2022-11-20T15:46:53.498" v="189" actId="478"/>
+          <ac:picMkLst>
+            <pc:docMk/>
+            <pc:sldMk cId="4006490586" sldId="624"/>
+            <ac:picMk id="7" creationId="{B212197A-F78D-FAB1-FEB2-D00406E5F67B}"/>
+          </ac:picMkLst>
+        </pc:picChg>
+      </pc:sldChg>
+      <pc:sldChg chg="add del">
+        <pc:chgData name="邹 雨哲" userId="e28be67ac78edb3b" providerId="LiveId" clId="{5049CDA5-3AC1-4EC3-ACFF-A565626B2C99}" dt="2022-11-20T15:54:01.979" v="461" actId="47"/>
+        <pc:sldMkLst>
+          <pc:docMk/>
+          <pc:sldMk cId="2444553868" sldId="625"/>
+        </pc:sldMkLst>
+      </pc:sldChg>
+      <pc:sldChg chg="delSp modSp add del mod">
+        <pc:chgData name="邹 雨哲" userId="e28be67ac78edb3b" providerId="LiveId" clId="{5049CDA5-3AC1-4EC3-ACFF-A565626B2C99}" dt="2022-11-20T15:48:43.567" v="257" actId="47"/>
+        <pc:sldMkLst>
+          <pc:docMk/>
+          <pc:sldMk cId="1504378361" sldId="626"/>
+        </pc:sldMkLst>
+        <pc:spChg chg="mod">
+          <ac:chgData name="邹 雨哲" userId="e28be67ac78edb3b" providerId="LiveId" clId="{5049CDA5-3AC1-4EC3-ACFF-A565626B2C99}" dt="2022-11-20T15:48:32.636" v="254" actId="20577"/>
+          <ac:spMkLst>
+            <pc:docMk/>
+            <pc:sldMk cId="1504378361" sldId="626"/>
+            <ac:spMk id="27" creationId="{00000000-0000-0000-0000-000000000000}"/>
+          </ac:spMkLst>
+        </pc:spChg>
+        <pc:picChg chg="del">
+          <ac:chgData name="邹 雨哲" userId="e28be67ac78edb3b" providerId="LiveId" clId="{5049CDA5-3AC1-4EC3-ACFF-A565626B2C99}" dt="2022-11-20T15:48:34.439" v="255" actId="478"/>
+          <ac:picMkLst>
+            <pc:docMk/>
+            <pc:sldMk cId="1504378361" sldId="626"/>
+            <ac:picMk id="5" creationId="{96F36265-0A11-482C-AF2C-873BCA46D327}"/>
+          </ac:picMkLst>
+        </pc:picChg>
+      </pc:sldChg>
+      <pc:sldChg chg="addSp delSp modSp add mod ord">
+        <pc:chgData name="邹 雨哲" userId="e28be67ac78edb3b" providerId="LiveId" clId="{5049CDA5-3AC1-4EC3-ACFF-A565626B2C99}" dt="2022-11-20T15:56:13.689" v="585" actId="20577"/>
+        <pc:sldMkLst>
+          <pc:docMk/>
+          <pc:sldMk cId="3207675719" sldId="626"/>
+        </pc:sldMkLst>
+        <pc:spChg chg="add del mod">
+          <ac:chgData name="邹 雨哲" userId="e28be67ac78edb3b" providerId="LiveId" clId="{5049CDA5-3AC1-4EC3-ACFF-A565626B2C99}" dt="2022-11-20T15:55:07.353" v="474" actId="478"/>
+          <ac:spMkLst>
+            <pc:docMk/>
+            <pc:sldMk cId="3207675719" sldId="626"/>
+            <ac:spMk id="3" creationId="{E5186AD4-95D6-4069-AE32-B0C896E0C35C}"/>
+          </ac:spMkLst>
+        </pc:spChg>
+        <pc:spChg chg="add del mod">
+          <ac:chgData name="邹 雨哲" userId="e28be67ac78edb3b" providerId="LiveId" clId="{5049CDA5-3AC1-4EC3-ACFF-A565626B2C99}" dt="2022-11-20T15:55:05.263" v="472" actId="478"/>
+          <ac:spMkLst>
+            <pc:docMk/>
+            <pc:sldMk cId="3207675719" sldId="626"/>
+            <ac:spMk id="4" creationId="{A2A4762B-76BD-A2F6-CEED-D6369EF3CD81}"/>
+          </ac:spMkLst>
+        </pc:spChg>
+        <pc:spChg chg="mod">
+          <ac:chgData name="邹 雨哲" userId="e28be67ac78edb3b" providerId="LiveId" clId="{5049CDA5-3AC1-4EC3-ACFF-A565626B2C99}" dt="2022-11-20T15:55:45.908" v="536" actId="20577"/>
+          <ac:spMkLst>
+            <pc:docMk/>
+            <pc:sldMk cId="3207675719" sldId="626"/>
+            <ac:spMk id="5" creationId="{E5B96ED3-0C5C-98A6-486A-E9DAD85D5694}"/>
+          </ac:spMkLst>
+        </pc:spChg>
+        <pc:spChg chg="add del mod">
+          <ac:chgData name="邹 雨哲" userId="e28be67ac78edb3b" providerId="LiveId" clId="{5049CDA5-3AC1-4EC3-ACFF-A565626B2C99}" dt="2022-11-20T15:54:58.673" v="465"/>
+          <ac:spMkLst>
+            <pc:docMk/>
+            <pc:sldMk cId="3207675719" sldId="626"/>
+            <ac:spMk id="6" creationId="{8659954E-DA54-E37D-49FE-38A28797A41B}"/>
+          </ac:spMkLst>
+        </pc:spChg>
+        <pc:spChg chg="mod">
+          <ac:chgData name="邹 雨哲" userId="e28be67ac78edb3b" providerId="LiveId" clId="{5049CDA5-3AC1-4EC3-ACFF-A565626B2C99}" dt="2022-11-20T15:56:13.689" v="585" actId="20577"/>
+          <ac:spMkLst>
+            <pc:docMk/>
+            <pc:sldMk cId="3207675719" sldId="626"/>
+            <ac:spMk id="8" creationId="{CEF10381-B314-4D63-BA68-2C5259582A23}"/>
+          </ac:spMkLst>
+        </pc:spChg>
+      </pc:sldChg>
+      <pc:sldChg chg="modSp add mod ord">
+        <pc:chgData name="邹 雨哲" userId="e28be67ac78edb3b" providerId="LiveId" clId="{5049CDA5-3AC1-4EC3-ACFF-A565626B2C99}" dt="2022-11-20T16:10:08.364" v="650"/>
+        <pc:sldMkLst>
+          <pc:docMk/>
+          <pc:sldMk cId="2034937378" sldId="627"/>
+        </pc:sldMkLst>
+        <pc:spChg chg="mod">
+          <ac:chgData name="邹 雨哲" userId="e28be67ac78edb3b" providerId="LiveId" clId="{5049CDA5-3AC1-4EC3-ACFF-A565626B2C99}" dt="2022-11-20T16:10:08.364" v="650"/>
+          <ac:spMkLst>
+            <pc:docMk/>
+            <pc:sldMk cId="2034937378" sldId="627"/>
+            <ac:spMk id="8" creationId="{CEF10381-B314-4D63-BA68-2C5259582A23}"/>
+          </ac:spMkLst>
+        </pc:spChg>
+      </pc:sldChg>
+      <pc:sldChg chg="modSp add mod">
+        <pc:chgData name="邹 雨哲" userId="e28be67ac78edb3b" providerId="LiveId" clId="{5049CDA5-3AC1-4EC3-ACFF-A565626B2C99}" dt="2022-11-20T16:14:36.008" v="687"/>
+        <pc:sldMkLst>
+          <pc:docMk/>
+          <pc:sldMk cId="3633370728" sldId="628"/>
+        </pc:sldMkLst>
+        <pc:spChg chg="mod">
+          <ac:chgData name="邹 雨哲" userId="e28be67ac78edb3b" providerId="LiveId" clId="{5049CDA5-3AC1-4EC3-ACFF-A565626B2C99}" dt="2022-11-20T16:14:36.008" v="687"/>
+          <ac:spMkLst>
+            <pc:docMk/>
+            <pc:sldMk cId="3633370728" sldId="628"/>
+            <ac:spMk id="5" creationId="{E5B96ED3-0C5C-98A6-486A-E9DAD85D5694}"/>
+          </ac:spMkLst>
+        </pc:spChg>
+        <pc:spChg chg="mod">
+          <ac:chgData name="邹 雨哲" userId="e28be67ac78edb3b" providerId="LiveId" clId="{5049CDA5-3AC1-4EC3-ACFF-A565626B2C99}" dt="2022-11-20T16:12:04.965" v="684" actId="20577"/>
+          <ac:spMkLst>
+            <pc:docMk/>
+            <pc:sldMk cId="3633370728" sldId="628"/>
+            <ac:spMk id="8" creationId="{CEF10381-B314-4D63-BA68-2C5259582A23}"/>
+          </ac:spMkLst>
+        </pc:spChg>
+      </pc:sldChg>
+      <pc:sldChg chg="addSp delSp modSp add mod">
+        <pc:chgData name="邹 雨哲" userId="e28be67ac78edb3b" providerId="LiveId" clId="{5049CDA5-3AC1-4EC3-ACFF-A565626B2C99}" dt="2022-11-20T16:16:40.079" v="709" actId="1076"/>
+        <pc:sldMkLst>
+          <pc:docMk/>
+          <pc:sldMk cId="153946233" sldId="629"/>
+        </pc:sldMkLst>
+        <pc:picChg chg="del">
+          <ac:chgData name="邹 雨哲" userId="e28be67ac78edb3b" providerId="LiveId" clId="{5049CDA5-3AC1-4EC3-ACFF-A565626B2C99}" dt="2022-11-20T16:15:10.700" v="694" actId="478"/>
+          <ac:picMkLst>
+            <pc:docMk/>
+            <pc:sldMk cId="153946233" sldId="629"/>
+            <ac:picMk id="4" creationId="{D80A06C0-D3A1-4B6C-B6BF-D807A478FE17}"/>
+          </ac:picMkLst>
+        </pc:picChg>
+        <pc:picChg chg="add del mod">
+          <ac:chgData name="邹 雨哲" userId="e28be67ac78edb3b" providerId="LiveId" clId="{5049CDA5-3AC1-4EC3-ACFF-A565626B2C99}" dt="2022-11-20T16:16:10.597" v="702" actId="478"/>
+          <ac:picMkLst>
+            <pc:docMk/>
+            <pc:sldMk cId="153946233" sldId="629"/>
+            <ac:picMk id="5" creationId="{45FBFA4A-2E5B-A5DB-BD99-CF2F268B9563}"/>
+          </ac:picMkLst>
+        </pc:picChg>
+        <pc:picChg chg="add del mod">
+          <ac:chgData name="邹 雨哲" userId="e28be67ac78edb3b" providerId="LiveId" clId="{5049CDA5-3AC1-4EC3-ACFF-A565626B2C99}" dt="2022-11-20T16:16:34.656" v="706" actId="478"/>
+          <ac:picMkLst>
+            <pc:docMk/>
+            <pc:sldMk cId="153946233" sldId="629"/>
+            <ac:picMk id="7" creationId="{62673FD2-E65C-B199-B584-BC7B5827F1E8}"/>
+          </ac:picMkLst>
+        </pc:picChg>
+        <pc:picChg chg="add mod">
+          <ac:chgData name="邹 雨哲" userId="e28be67ac78edb3b" providerId="LiveId" clId="{5049CDA5-3AC1-4EC3-ACFF-A565626B2C99}" dt="2022-11-20T16:16:40.079" v="709" actId="1076"/>
+          <ac:picMkLst>
+            <pc:docMk/>
+            <pc:sldMk cId="153946233" sldId="629"/>
+            <ac:picMk id="9" creationId="{444C6131-B41D-888C-6A65-D5E30E6015D7}"/>
+          </ac:picMkLst>
+        </pc:picChg>
+      </pc:sldChg>
+      <pc:sldChg chg="addSp delSp modSp add mod">
+        <pc:chgData name="邹 雨哲" userId="e28be67ac78edb3b" providerId="LiveId" clId="{5049CDA5-3AC1-4EC3-ACFF-A565626B2C99}" dt="2022-11-20T16:17:02.946" v="715" actId="1076"/>
+        <pc:sldMkLst>
+          <pc:docMk/>
+          <pc:sldMk cId="3534596662" sldId="630"/>
+        </pc:sldMkLst>
+        <pc:picChg chg="del">
+          <ac:chgData name="邹 雨哲" userId="e28be67ac78edb3b" providerId="LiveId" clId="{5049CDA5-3AC1-4EC3-ACFF-A565626B2C99}" dt="2022-11-20T16:15:11.979" v="695" actId="478"/>
+          <ac:picMkLst>
+            <pc:docMk/>
+            <pc:sldMk cId="3534596662" sldId="630"/>
+            <ac:picMk id="4" creationId="{D80A06C0-D3A1-4B6C-B6BF-D807A478FE17}"/>
+          </ac:picMkLst>
+        </pc:picChg>
+        <pc:picChg chg="add mod">
+          <ac:chgData name="邹 雨哲" userId="e28be67ac78edb3b" providerId="LiveId" clId="{5049CDA5-3AC1-4EC3-ACFF-A565626B2C99}" dt="2022-11-20T16:17:02.946" v="715" actId="1076"/>
+          <ac:picMkLst>
+            <pc:docMk/>
+            <pc:sldMk cId="3534596662" sldId="630"/>
+            <ac:picMk id="5" creationId="{1E4FCE05-3099-74C3-FA08-257B1132C85B}"/>
+          </ac:picMkLst>
+        </pc:picChg>
+      </pc:sldChg>
+    </pc:docChg>
+  </pc:docChgLst>
+  <pc:docChgLst>
     <pc:chgData name="邹 雨哲" userId="e28be67ac78edb3b" providerId="LiveId" clId="{EAEA6658-CE1F-4319-B045-A7635BEECDCA}"/>
     <pc:docChg chg="undo custSel addSld modSld">
       <pc:chgData name="邹 雨哲" userId="e28be67ac78edb3b" providerId="LiveId" clId="{EAEA6658-CE1F-4319-B045-A7635BEECDCA}" dt="2022-11-04T17:05:28.695" v="86" actId="1076"/>
@@ -3077,7 +3650,7 @@
             <a:fld id="{8AADD754-F49E-4351-AAFE-19D83F43501C}" type="datetimeFigureOut">
               <a:rPr lang="en-US" smtClean="0"/>
               <a:pPr/>
-              <a:t>11/16/2022</a:t>
+              <a:t>11/20/2022</a:t>
             </a:fld>
             <a:endParaRPr lang="en-US" dirty="0"/>
           </a:p>
@@ -3509,7 +4082,7 @@
     </p:spTree>
     <p:extLst>
       <p:ext uri="{BB962C8B-B14F-4D97-AF65-F5344CB8AC3E}">
-        <p14:creationId xmlns:p14="http://schemas.microsoft.com/office/powerpoint/2010/main" val="1096081510"/>
+        <p14:creationId xmlns:p14="http://schemas.microsoft.com/office/powerpoint/2010/main" val="3468189606"/>
       </p:ext>
     </p:extLst>
   </p:cSld>
@@ -3593,7 +4166,7 @@
     </p:spTree>
     <p:extLst>
       <p:ext uri="{BB962C8B-B14F-4D97-AF65-F5344CB8AC3E}">
-        <p14:creationId xmlns:p14="http://schemas.microsoft.com/office/powerpoint/2010/main" val="3898036224"/>
+        <p14:creationId xmlns:p14="http://schemas.microsoft.com/office/powerpoint/2010/main" val="2937389579"/>
       </p:ext>
     </p:extLst>
   </p:cSld>
@@ -3669,6 +4242,510 @@
             <a:fld id="{45C73934-D492-4443-9427-018DE5D6DDA5}" type="slidenum">
               <a:rPr lang="en-US" smtClean="0"/>
               <a:t>14</a:t>
+            </a:fld>
+            <a:endParaRPr lang="en-US" dirty="0"/>
+          </a:p>
+        </p:txBody>
+      </p:sp>
+    </p:spTree>
+    <p:extLst>
+      <p:ext uri="{BB962C8B-B14F-4D97-AF65-F5344CB8AC3E}">
+        <p14:creationId xmlns:p14="http://schemas.microsoft.com/office/powerpoint/2010/main" val="4174221616"/>
+      </p:ext>
+    </p:extLst>
+  </p:cSld>
+  <p:clrMapOvr>
+    <a:masterClrMapping/>
+  </p:clrMapOvr>
+</p:notes>
+</file>
+
+<file path=ppt/notesSlides/notesSlide13.xml><?xml version="1.0" encoding="utf-8"?>
+<p:notes xmlns:a="http://schemas.openxmlformats.org/drawingml/2006/main" xmlns:r="http://schemas.openxmlformats.org/officeDocument/2006/relationships" xmlns:p="http://schemas.openxmlformats.org/presentationml/2006/main">
+  <p:cSld>
+    <p:spTree>
+      <p:nvGrpSpPr>
+        <p:cNvPr id="1" name=""/>
+        <p:cNvGrpSpPr/>
+        <p:nvPr/>
+      </p:nvGrpSpPr>
+      <p:grpSpPr>
+        <a:xfrm>
+          <a:off x="0" y="0"/>
+          <a:ext cx="0" cy="0"/>
+          <a:chOff x="0" y="0"/>
+          <a:chExt cx="0" cy="0"/>
+        </a:xfrm>
+      </p:grpSpPr>
+      <p:sp>
+        <p:nvSpPr>
+          <p:cNvPr id="2" name="Slide Image Placeholder 1"/>
+          <p:cNvSpPr>
+            <a:spLocks noGrp="1" noRot="1" noChangeAspect="1"/>
+          </p:cNvSpPr>
+          <p:nvPr>
+            <p:ph type="sldImg"/>
+          </p:nvPr>
+        </p:nvSpPr>
+        <p:spPr/>
+      </p:sp>
+      <p:sp>
+        <p:nvSpPr>
+          <p:cNvPr id="3" name="Notes Placeholder 2"/>
+          <p:cNvSpPr>
+            <a:spLocks noGrp="1"/>
+          </p:cNvSpPr>
+          <p:nvPr>
+            <p:ph type="body" idx="1"/>
+          </p:nvPr>
+        </p:nvSpPr>
+        <p:spPr/>
+        <p:txBody>
+          <a:bodyPr/>
+          <a:lstStyle/>
+          <a:p>
+            <a:endParaRPr lang="en-US" dirty="0"/>
+          </a:p>
+        </p:txBody>
+      </p:sp>
+      <p:sp>
+        <p:nvSpPr>
+          <p:cNvPr id="4" name="Slide Number Placeholder 3"/>
+          <p:cNvSpPr>
+            <a:spLocks noGrp="1"/>
+          </p:cNvSpPr>
+          <p:nvPr>
+            <p:ph type="sldNum" sz="quarter" idx="10"/>
+          </p:nvPr>
+        </p:nvSpPr>
+        <p:spPr/>
+        <p:txBody>
+          <a:bodyPr/>
+          <a:lstStyle/>
+          <a:p>
+            <a:fld id="{45C73934-D492-4443-9427-018DE5D6DDA5}" type="slidenum">
+              <a:rPr lang="en-US" smtClean="0"/>
+              <a:t>15</a:t>
+            </a:fld>
+            <a:endParaRPr lang="en-US" dirty="0"/>
+          </a:p>
+        </p:txBody>
+      </p:sp>
+    </p:spTree>
+    <p:extLst>
+      <p:ext uri="{BB962C8B-B14F-4D97-AF65-F5344CB8AC3E}">
+        <p14:creationId xmlns:p14="http://schemas.microsoft.com/office/powerpoint/2010/main" val="674333352"/>
+      </p:ext>
+    </p:extLst>
+  </p:cSld>
+  <p:clrMapOvr>
+    <a:masterClrMapping/>
+  </p:clrMapOvr>
+</p:notes>
+</file>
+
+<file path=ppt/notesSlides/notesSlide14.xml><?xml version="1.0" encoding="utf-8"?>
+<p:notes xmlns:a="http://schemas.openxmlformats.org/drawingml/2006/main" xmlns:r="http://schemas.openxmlformats.org/officeDocument/2006/relationships" xmlns:p="http://schemas.openxmlformats.org/presentationml/2006/main">
+  <p:cSld>
+    <p:spTree>
+      <p:nvGrpSpPr>
+        <p:cNvPr id="1" name=""/>
+        <p:cNvGrpSpPr/>
+        <p:nvPr/>
+      </p:nvGrpSpPr>
+      <p:grpSpPr>
+        <a:xfrm>
+          <a:off x="0" y="0"/>
+          <a:ext cx="0" cy="0"/>
+          <a:chOff x="0" y="0"/>
+          <a:chExt cx="0" cy="0"/>
+        </a:xfrm>
+      </p:grpSpPr>
+      <p:sp>
+        <p:nvSpPr>
+          <p:cNvPr id="2" name="Slide Image Placeholder 1"/>
+          <p:cNvSpPr>
+            <a:spLocks noGrp="1" noRot="1" noChangeAspect="1"/>
+          </p:cNvSpPr>
+          <p:nvPr>
+            <p:ph type="sldImg"/>
+          </p:nvPr>
+        </p:nvSpPr>
+        <p:spPr/>
+      </p:sp>
+      <p:sp>
+        <p:nvSpPr>
+          <p:cNvPr id="3" name="Notes Placeholder 2"/>
+          <p:cNvSpPr>
+            <a:spLocks noGrp="1"/>
+          </p:cNvSpPr>
+          <p:nvPr>
+            <p:ph type="body" idx="1"/>
+          </p:nvPr>
+        </p:nvSpPr>
+        <p:spPr/>
+        <p:txBody>
+          <a:bodyPr/>
+          <a:lstStyle/>
+          <a:p>
+            <a:endParaRPr lang="en-US" dirty="0"/>
+          </a:p>
+        </p:txBody>
+      </p:sp>
+      <p:sp>
+        <p:nvSpPr>
+          <p:cNvPr id="4" name="Slide Number Placeholder 3"/>
+          <p:cNvSpPr>
+            <a:spLocks noGrp="1"/>
+          </p:cNvSpPr>
+          <p:nvPr>
+            <p:ph type="sldNum" sz="quarter" idx="10"/>
+          </p:nvPr>
+        </p:nvSpPr>
+        <p:spPr/>
+        <p:txBody>
+          <a:bodyPr/>
+          <a:lstStyle/>
+          <a:p>
+            <a:fld id="{45C73934-D492-4443-9427-018DE5D6DDA5}" type="slidenum">
+              <a:rPr lang="en-US" smtClean="0"/>
+              <a:t>16</a:t>
+            </a:fld>
+            <a:endParaRPr lang="en-US" dirty="0"/>
+          </a:p>
+        </p:txBody>
+      </p:sp>
+    </p:spTree>
+    <p:extLst>
+      <p:ext uri="{BB962C8B-B14F-4D97-AF65-F5344CB8AC3E}">
+        <p14:creationId xmlns:p14="http://schemas.microsoft.com/office/powerpoint/2010/main" val="1096081510"/>
+      </p:ext>
+    </p:extLst>
+  </p:cSld>
+  <p:clrMapOvr>
+    <a:masterClrMapping/>
+  </p:clrMapOvr>
+</p:notes>
+</file>
+
+<file path=ppt/notesSlides/notesSlide15.xml><?xml version="1.0" encoding="utf-8"?>
+<p:notes xmlns:a="http://schemas.openxmlformats.org/drawingml/2006/main" xmlns:r="http://schemas.openxmlformats.org/officeDocument/2006/relationships" xmlns:p="http://schemas.openxmlformats.org/presentationml/2006/main">
+  <p:cSld>
+    <p:spTree>
+      <p:nvGrpSpPr>
+        <p:cNvPr id="1" name=""/>
+        <p:cNvGrpSpPr/>
+        <p:nvPr/>
+      </p:nvGrpSpPr>
+      <p:grpSpPr>
+        <a:xfrm>
+          <a:off x="0" y="0"/>
+          <a:ext cx="0" cy="0"/>
+          <a:chOff x="0" y="0"/>
+          <a:chExt cx="0" cy="0"/>
+        </a:xfrm>
+      </p:grpSpPr>
+      <p:sp>
+        <p:nvSpPr>
+          <p:cNvPr id="2" name="Slide Image Placeholder 1"/>
+          <p:cNvSpPr>
+            <a:spLocks noGrp="1" noRot="1" noChangeAspect="1"/>
+          </p:cNvSpPr>
+          <p:nvPr>
+            <p:ph type="sldImg"/>
+          </p:nvPr>
+        </p:nvSpPr>
+        <p:spPr/>
+      </p:sp>
+      <p:sp>
+        <p:nvSpPr>
+          <p:cNvPr id="3" name="Notes Placeholder 2"/>
+          <p:cNvSpPr>
+            <a:spLocks noGrp="1"/>
+          </p:cNvSpPr>
+          <p:nvPr>
+            <p:ph type="body" idx="1"/>
+          </p:nvPr>
+        </p:nvSpPr>
+        <p:spPr/>
+        <p:txBody>
+          <a:bodyPr/>
+          <a:lstStyle/>
+          <a:p>
+            <a:endParaRPr lang="en-US" dirty="0"/>
+          </a:p>
+        </p:txBody>
+      </p:sp>
+      <p:sp>
+        <p:nvSpPr>
+          <p:cNvPr id="4" name="Slide Number Placeholder 3"/>
+          <p:cNvSpPr>
+            <a:spLocks noGrp="1"/>
+          </p:cNvSpPr>
+          <p:nvPr>
+            <p:ph type="sldNum" sz="quarter" idx="10"/>
+          </p:nvPr>
+        </p:nvSpPr>
+        <p:spPr/>
+        <p:txBody>
+          <a:bodyPr/>
+          <a:lstStyle/>
+          <a:p>
+            <a:fld id="{45C73934-D492-4443-9427-018DE5D6DDA5}" type="slidenum">
+              <a:rPr lang="en-US" smtClean="0"/>
+              <a:t>17</a:t>
+            </a:fld>
+            <a:endParaRPr lang="en-US" dirty="0"/>
+          </a:p>
+        </p:txBody>
+      </p:sp>
+    </p:spTree>
+    <p:extLst>
+      <p:ext uri="{BB962C8B-B14F-4D97-AF65-F5344CB8AC3E}">
+        <p14:creationId xmlns:p14="http://schemas.microsoft.com/office/powerpoint/2010/main" val="100190032"/>
+      </p:ext>
+    </p:extLst>
+  </p:cSld>
+  <p:clrMapOvr>
+    <a:masterClrMapping/>
+  </p:clrMapOvr>
+</p:notes>
+</file>
+
+<file path=ppt/notesSlides/notesSlide16.xml><?xml version="1.0" encoding="utf-8"?>
+<p:notes xmlns:a="http://schemas.openxmlformats.org/drawingml/2006/main" xmlns:r="http://schemas.openxmlformats.org/officeDocument/2006/relationships" xmlns:p="http://schemas.openxmlformats.org/presentationml/2006/main">
+  <p:cSld>
+    <p:spTree>
+      <p:nvGrpSpPr>
+        <p:cNvPr id="1" name=""/>
+        <p:cNvGrpSpPr/>
+        <p:nvPr/>
+      </p:nvGrpSpPr>
+      <p:grpSpPr>
+        <a:xfrm>
+          <a:off x="0" y="0"/>
+          <a:ext cx="0" cy="0"/>
+          <a:chOff x="0" y="0"/>
+          <a:chExt cx="0" cy="0"/>
+        </a:xfrm>
+      </p:grpSpPr>
+      <p:sp>
+        <p:nvSpPr>
+          <p:cNvPr id="2" name="Slide Image Placeholder 1"/>
+          <p:cNvSpPr>
+            <a:spLocks noGrp="1" noRot="1" noChangeAspect="1"/>
+          </p:cNvSpPr>
+          <p:nvPr>
+            <p:ph type="sldImg"/>
+          </p:nvPr>
+        </p:nvSpPr>
+        <p:spPr/>
+      </p:sp>
+      <p:sp>
+        <p:nvSpPr>
+          <p:cNvPr id="3" name="Notes Placeholder 2"/>
+          <p:cNvSpPr>
+            <a:spLocks noGrp="1"/>
+          </p:cNvSpPr>
+          <p:nvPr>
+            <p:ph type="body" idx="1"/>
+          </p:nvPr>
+        </p:nvSpPr>
+        <p:spPr/>
+        <p:txBody>
+          <a:bodyPr/>
+          <a:lstStyle/>
+          <a:p>
+            <a:endParaRPr lang="en-US" dirty="0"/>
+          </a:p>
+        </p:txBody>
+      </p:sp>
+      <p:sp>
+        <p:nvSpPr>
+          <p:cNvPr id="4" name="Slide Number Placeholder 3"/>
+          <p:cNvSpPr>
+            <a:spLocks noGrp="1"/>
+          </p:cNvSpPr>
+          <p:nvPr>
+            <p:ph type="sldNum" sz="quarter" idx="10"/>
+          </p:nvPr>
+        </p:nvSpPr>
+        <p:spPr/>
+        <p:txBody>
+          <a:bodyPr/>
+          <a:lstStyle/>
+          <a:p>
+            <a:fld id="{45C73934-D492-4443-9427-018DE5D6DDA5}" type="slidenum">
+              <a:rPr lang="en-US" smtClean="0"/>
+              <a:t>18</a:t>
+            </a:fld>
+            <a:endParaRPr lang="en-US" dirty="0"/>
+          </a:p>
+        </p:txBody>
+      </p:sp>
+    </p:spTree>
+    <p:extLst>
+      <p:ext uri="{BB962C8B-B14F-4D97-AF65-F5344CB8AC3E}">
+        <p14:creationId xmlns:p14="http://schemas.microsoft.com/office/powerpoint/2010/main" val="3023825242"/>
+      </p:ext>
+    </p:extLst>
+  </p:cSld>
+  <p:clrMapOvr>
+    <a:masterClrMapping/>
+  </p:clrMapOvr>
+</p:notes>
+</file>
+
+<file path=ppt/notesSlides/notesSlide17.xml><?xml version="1.0" encoding="utf-8"?>
+<p:notes xmlns:a="http://schemas.openxmlformats.org/drawingml/2006/main" xmlns:r="http://schemas.openxmlformats.org/officeDocument/2006/relationships" xmlns:p="http://schemas.openxmlformats.org/presentationml/2006/main">
+  <p:cSld>
+    <p:spTree>
+      <p:nvGrpSpPr>
+        <p:cNvPr id="1" name=""/>
+        <p:cNvGrpSpPr/>
+        <p:nvPr/>
+      </p:nvGrpSpPr>
+      <p:grpSpPr>
+        <a:xfrm>
+          <a:off x="0" y="0"/>
+          <a:ext cx="0" cy="0"/>
+          <a:chOff x="0" y="0"/>
+          <a:chExt cx="0" cy="0"/>
+        </a:xfrm>
+      </p:grpSpPr>
+      <p:sp>
+        <p:nvSpPr>
+          <p:cNvPr id="2" name="Slide Image Placeholder 1"/>
+          <p:cNvSpPr>
+            <a:spLocks noGrp="1" noRot="1" noChangeAspect="1"/>
+          </p:cNvSpPr>
+          <p:nvPr>
+            <p:ph type="sldImg"/>
+          </p:nvPr>
+        </p:nvSpPr>
+        <p:spPr/>
+      </p:sp>
+      <p:sp>
+        <p:nvSpPr>
+          <p:cNvPr id="3" name="Notes Placeholder 2"/>
+          <p:cNvSpPr>
+            <a:spLocks noGrp="1"/>
+          </p:cNvSpPr>
+          <p:nvPr>
+            <p:ph type="body" idx="1"/>
+          </p:nvPr>
+        </p:nvSpPr>
+        <p:spPr/>
+        <p:txBody>
+          <a:bodyPr/>
+          <a:lstStyle/>
+          <a:p>
+            <a:endParaRPr lang="en-US" dirty="0"/>
+          </a:p>
+        </p:txBody>
+      </p:sp>
+      <p:sp>
+        <p:nvSpPr>
+          <p:cNvPr id="4" name="Slide Number Placeholder 3"/>
+          <p:cNvSpPr>
+            <a:spLocks noGrp="1"/>
+          </p:cNvSpPr>
+          <p:nvPr>
+            <p:ph type="sldNum" sz="quarter" idx="10"/>
+          </p:nvPr>
+        </p:nvSpPr>
+        <p:spPr/>
+        <p:txBody>
+          <a:bodyPr/>
+          <a:lstStyle/>
+          <a:p>
+            <a:fld id="{45C73934-D492-4443-9427-018DE5D6DDA5}" type="slidenum">
+              <a:rPr lang="en-US" smtClean="0"/>
+              <a:t>19</a:t>
+            </a:fld>
+            <a:endParaRPr lang="en-US" dirty="0"/>
+          </a:p>
+        </p:txBody>
+      </p:sp>
+    </p:spTree>
+    <p:extLst>
+      <p:ext uri="{BB962C8B-B14F-4D97-AF65-F5344CB8AC3E}">
+        <p14:creationId xmlns:p14="http://schemas.microsoft.com/office/powerpoint/2010/main" val="3898036224"/>
+      </p:ext>
+    </p:extLst>
+  </p:cSld>
+  <p:clrMapOvr>
+    <a:masterClrMapping/>
+  </p:clrMapOvr>
+</p:notes>
+</file>
+
+<file path=ppt/notesSlides/notesSlide18.xml><?xml version="1.0" encoding="utf-8"?>
+<p:notes xmlns:a="http://schemas.openxmlformats.org/drawingml/2006/main" xmlns:r="http://schemas.openxmlformats.org/officeDocument/2006/relationships" xmlns:p="http://schemas.openxmlformats.org/presentationml/2006/main">
+  <p:cSld>
+    <p:spTree>
+      <p:nvGrpSpPr>
+        <p:cNvPr id="1" name=""/>
+        <p:cNvGrpSpPr/>
+        <p:nvPr/>
+      </p:nvGrpSpPr>
+      <p:grpSpPr>
+        <a:xfrm>
+          <a:off x="0" y="0"/>
+          <a:ext cx="0" cy="0"/>
+          <a:chOff x="0" y="0"/>
+          <a:chExt cx="0" cy="0"/>
+        </a:xfrm>
+      </p:grpSpPr>
+      <p:sp>
+        <p:nvSpPr>
+          <p:cNvPr id="2" name="Slide Image Placeholder 1"/>
+          <p:cNvSpPr>
+            <a:spLocks noGrp="1" noRot="1" noChangeAspect="1"/>
+          </p:cNvSpPr>
+          <p:nvPr>
+            <p:ph type="sldImg"/>
+          </p:nvPr>
+        </p:nvSpPr>
+        <p:spPr/>
+      </p:sp>
+      <p:sp>
+        <p:nvSpPr>
+          <p:cNvPr id="3" name="Notes Placeholder 2"/>
+          <p:cNvSpPr>
+            <a:spLocks noGrp="1"/>
+          </p:cNvSpPr>
+          <p:nvPr>
+            <p:ph type="body" idx="1"/>
+          </p:nvPr>
+        </p:nvSpPr>
+        <p:spPr/>
+        <p:txBody>
+          <a:bodyPr/>
+          <a:lstStyle/>
+          <a:p>
+            <a:endParaRPr lang="en-US" dirty="0"/>
+          </a:p>
+        </p:txBody>
+      </p:sp>
+      <p:sp>
+        <p:nvSpPr>
+          <p:cNvPr id="4" name="Slide Number Placeholder 3"/>
+          <p:cNvSpPr>
+            <a:spLocks noGrp="1"/>
+          </p:cNvSpPr>
+          <p:nvPr>
+            <p:ph type="sldNum" sz="quarter" idx="10"/>
+          </p:nvPr>
+        </p:nvSpPr>
+        <p:spPr/>
+        <p:txBody>
+          <a:bodyPr/>
+          <a:lstStyle/>
+          <a:p>
+            <a:fld id="{45C73934-D492-4443-9427-018DE5D6DDA5}" type="slidenum">
+              <a:rPr lang="en-US" smtClean="0"/>
+              <a:t>20</a:t>
             </a:fld>
             <a:endParaRPr lang="en-US" dirty="0"/>
           </a:p>
@@ -4265,7 +5342,7 @@
     </p:spTree>
     <p:extLst>
       <p:ext uri="{BB962C8B-B14F-4D97-AF65-F5344CB8AC3E}">
-        <p14:creationId xmlns:p14="http://schemas.microsoft.com/office/powerpoint/2010/main" val="4174221616"/>
+        <p14:creationId xmlns:p14="http://schemas.microsoft.com/office/powerpoint/2010/main" val="3477921674"/>
       </p:ext>
     </p:extLst>
   </p:cSld>
@@ -4349,7 +5426,7 @@
     </p:spTree>
     <p:extLst>
       <p:ext uri="{BB962C8B-B14F-4D97-AF65-F5344CB8AC3E}">
-        <p14:creationId xmlns:p14="http://schemas.microsoft.com/office/powerpoint/2010/main" val="674333352"/>
+        <p14:creationId xmlns:p14="http://schemas.microsoft.com/office/powerpoint/2010/main" val="472309103"/>
       </p:ext>
     </p:extLst>
   </p:cSld>
@@ -4918,7 +5995,7 @@
                 </a:solidFill>
               </a:rPr>
               <a:pPr/>
-              <a:t>2022/11/16</a:t>
+              <a:t>2022/11/20</a:t>
             </a:fld>
             <a:endParaRPr lang="zh-CN" altLang="en-US">
               <a:solidFill>
@@ -5832,7 +6909,7 @@
                 </a:spcAft>
                 <a:defRPr/>
               </a:pPr>
-              <a:t>2022/11/16</a:t>
+              <a:t>2022/11/20</a:t>
             </a:fld>
             <a:endParaRPr lang="zh-CN" altLang="en-US" dirty="0"/>
           </a:p>
@@ -7672,7 +8749,7 @@
                 <a:cs typeface="+mn-ea"/>
                 <a:sym typeface="+mn-lt"/>
               </a:rPr>
-              <a:t>6.</a:t>
+              <a:t>5.</a:t>
             </a:r>
             <a:r>
               <a:rPr lang="zh-CN" altLang="en-US" sz="2699" b="1" dirty="0">
@@ -7686,45 +8763,216 @@
                 <a:cs typeface="+mn-ea"/>
                 <a:sym typeface="+mn-lt"/>
               </a:rPr>
-              <a:t>配置管理说明</a:t>
+              <a:t>算法设计</a:t>
             </a:r>
           </a:p>
         </p:txBody>
       </p:sp>
-      <p:pic>
-        <p:nvPicPr>
-          <p:cNvPr id="6" name="图片 5">
+      <p:sp>
+        <p:nvSpPr>
+          <p:cNvPr id="5" name="文本框 4">
             <a:extLst>
               <a:ext uri="{FF2B5EF4-FFF2-40B4-BE49-F238E27FC236}">
-                <a16:creationId xmlns:a16="http://schemas.microsoft.com/office/drawing/2014/main" id="{725FF921-14B8-80F9-CFEE-4DECFA0D2091}"/>
+                <a16:creationId xmlns:a16="http://schemas.microsoft.com/office/drawing/2014/main" id="{E5B96ED3-0C5C-98A6-486A-E9DAD85D5694}"/>
               </a:ext>
             </a:extLst>
           </p:cNvPr>
-          <p:cNvPicPr>
-            <a:picLocks noChangeAspect="1"/>
-          </p:cNvPicPr>
+          <p:cNvSpPr txBox="1"/>
           <p:nvPr/>
-        </p:nvPicPr>
-        <p:blipFill>
-          <a:blip r:embed="rId3"/>
-          <a:stretch>
-            <a:fillRect/>
-          </a:stretch>
-        </p:blipFill>
+        </p:nvSpPr>
         <p:spPr>
           <a:xfrm>
-            <a:off x="2171700" y="1058980"/>
-            <a:ext cx="4800600" cy="4084520"/>
+            <a:off x="381000" y="1200150"/>
+            <a:ext cx="4833256" cy="923330"/>
           </a:xfrm>
           <a:prstGeom prst="rect">
             <a:avLst/>
           </a:prstGeom>
+          <a:noFill/>
         </p:spPr>
-      </p:pic>
+        <p:txBody>
+          <a:bodyPr wrap="square">
+            <a:spAutoFit/>
+          </a:bodyPr>
+          <a:lstStyle/>
+          <a:p>
+            <a:r>
+              <a:rPr lang="zh-CN" altLang="en-US" sz="1800" b="1" kern="100" dirty="0">
+                <a:effectLst/>
+                <a:ea typeface="宋体" panose="02010600030101010101" pitchFamily="2" charset="-122"/>
+                <a:cs typeface="Times New Roman" panose="02020603050405020304" pitchFamily="18" charset="0"/>
+              </a:rPr>
+              <a:t>“用户登录模块”</a:t>
+            </a:r>
+            <a:r>
+              <a:rPr lang="zh-CN" altLang="zh-CN" sz="1800" b="1" kern="100" dirty="0">
+                <a:effectLst/>
+                <a:ea typeface="宋体" panose="02010600030101010101" pitchFamily="2" charset="-122"/>
+                <a:cs typeface="Times New Roman" panose="02020603050405020304" pitchFamily="18" charset="0"/>
+              </a:rPr>
+              <a:t>算法描述</a:t>
+            </a:r>
+            <a:r>
+              <a:rPr lang="zh-CN" altLang="en-US" sz="1800" b="1" kern="100" dirty="0">
+                <a:effectLst/>
+                <a:ea typeface="宋体" panose="02010600030101010101" pitchFamily="2" charset="-122"/>
+                <a:cs typeface="Times New Roman" panose="02020603050405020304" pitchFamily="18" charset="0"/>
+              </a:rPr>
+              <a:t>：</a:t>
+            </a:r>
+            <a:endParaRPr lang="en-US" altLang="zh-CN" sz="1800" b="1" kern="100" dirty="0">
+              <a:effectLst/>
+              <a:ea typeface="宋体" panose="02010600030101010101" pitchFamily="2" charset="-122"/>
+              <a:cs typeface="Times New Roman" panose="02020603050405020304" pitchFamily="18" charset="0"/>
+            </a:endParaRPr>
+          </a:p>
+          <a:p>
+            <a:pPr algn="just"/>
+            <a:r>
+              <a:rPr lang="zh-CN" altLang="en-US" sz="1100" kern="100" dirty="0">
+                <a:effectLst/>
+                <a:latin typeface="等线" panose="02010600030101010101" pitchFamily="2" charset="-122"/>
+                <a:ea typeface="等线" panose="02010600030101010101" pitchFamily="2" charset="-122"/>
+                <a:cs typeface="Times New Roman" panose="02020603050405020304" pitchFamily="18" charset="0"/>
+              </a:rPr>
+              <a:t>当点击登录按钮，进行微信账号授权登录，跳转进入软件“用户测试”界面</a:t>
+            </a:r>
+            <a:r>
+              <a:rPr lang="en-US" altLang="zh-CN" sz="1800" kern="100" dirty="0">
+                <a:effectLst/>
+                <a:latin typeface="等线" panose="02010600030101010101" pitchFamily="2" charset="-122"/>
+                <a:ea typeface="等线" panose="02010600030101010101" pitchFamily="2" charset="-122"/>
+                <a:cs typeface="Times New Roman" panose="02020603050405020304" pitchFamily="18" charset="0"/>
+              </a:rPr>
+              <a:t> </a:t>
+            </a:r>
+            <a:endParaRPr lang="zh-CN" altLang="zh-CN" sz="1800" kern="100" dirty="0">
+              <a:effectLst/>
+              <a:latin typeface="等线" panose="02010600030101010101" pitchFamily="2" charset="-122"/>
+              <a:ea typeface="等线" panose="02010600030101010101" pitchFamily="2" charset="-122"/>
+              <a:cs typeface="Times New Roman" panose="02020603050405020304" pitchFamily="18" charset="0"/>
+            </a:endParaRPr>
+          </a:p>
+          <a:p>
+            <a:endParaRPr lang="zh-CN" altLang="en-US" dirty="0"/>
+          </a:p>
+        </p:txBody>
+      </p:sp>
+      <p:sp>
+        <p:nvSpPr>
+          <p:cNvPr id="8" name="文本框 7">
+            <a:extLst>
+              <a:ext uri="{FF2B5EF4-FFF2-40B4-BE49-F238E27FC236}">
+                <a16:creationId xmlns:a16="http://schemas.microsoft.com/office/drawing/2014/main" id="{CEF10381-B314-4D63-BA68-2C5259582A23}"/>
+              </a:ext>
+            </a:extLst>
+          </p:cNvPr>
+          <p:cNvSpPr txBox="1"/>
+          <p:nvPr/>
+        </p:nvSpPr>
+        <p:spPr>
+          <a:xfrm>
+            <a:off x="381000" y="2030720"/>
+            <a:ext cx="4833256" cy="1338828"/>
+          </a:xfrm>
+          <a:prstGeom prst="rect">
+            <a:avLst/>
+          </a:prstGeom>
+          <a:noFill/>
+        </p:spPr>
+        <p:txBody>
+          <a:bodyPr wrap="square">
+            <a:spAutoFit/>
+          </a:bodyPr>
+          <a:lstStyle/>
+          <a:p>
+            <a:r>
+              <a:rPr lang="zh-CN" altLang="en-US" b="1" kern="100" dirty="0">
+                <a:ea typeface="宋体" panose="02010600030101010101" pitchFamily="2" charset="-122"/>
+                <a:cs typeface="Times New Roman" panose="02020603050405020304" pitchFamily="18" charset="0"/>
+              </a:rPr>
+              <a:t>伪代码</a:t>
+            </a:r>
+            <a:r>
+              <a:rPr lang="zh-CN" altLang="zh-CN" sz="1800" b="1" kern="100" dirty="0">
+                <a:effectLst/>
+                <a:ea typeface="宋体" panose="02010600030101010101" pitchFamily="2" charset="-122"/>
+                <a:cs typeface="Times New Roman" panose="02020603050405020304" pitchFamily="18" charset="0"/>
+              </a:rPr>
+              <a:t>描述</a:t>
+            </a:r>
+            <a:r>
+              <a:rPr lang="zh-CN" altLang="en-US" sz="1800" b="1" kern="100" dirty="0">
+                <a:effectLst/>
+                <a:ea typeface="宋体" panose="02010600030101010101" pitchFamily="2" charset="-122"/>
+                <a:cs typeface="Times New Roman" panose="02020603050405020304" pitchFamily="18" charset="0"/>
+              </a:rPr>
+              <a:t>：</a:t>
+            </a:r>
+            <a:endParaRPr lang="en-US" altLang="zh-CN" sz="1800" b="1" kern="100" dirty="0">
+              <a:effectLst/>
+              <a:ea typeface="宋体" panose="02010600030101010101" pitchFamily="2" charset="-122"/>
+              <a:cs typeface="Times New Roman" panose="02020603050405020304" pitchFamily="18" charset="0"/>
+            </a:endParaRPr>
+          </a:p>
+          <a:p>
+            <a:endParaRPr lang="en-US" altLang="zh-CN" sz="900" dirty="0"/>
+          </a:p>
+          <a:p>
+            <a:r>
+              <a:rPr lang="en-US" altLang="zh-CN" sz="900" dirty="0"/>
+              <a:t>Var Btn1=</a:t>
+            </a:r>
+            <a:r>
+              <a:rPr lang="en-US" altLang="zh-CN" sz="900" dirty="0" err="1"/>
+              <a:t>document.getElementById</a:t>
+            </a:r>
+            <a:r>
+              <a:rPr lang="en-US" altLang="zh-CN" sz="900" dirty="0"/>
+              <a:t>(“</a:t>
+            </a:r>
+            <a:r>
+              <a:rPr lang="zh-CN" altLang="en-US" sz="900" dirty="0"/>
+              <a:t>微信授权登录”</a:t>
+            </a:r>
+            <a:r>
+              <a:rPr lang="en-US" altLang="zh-CN" sz="900" dirty="0"/>
+              <a:t>)</a:t>
+            </a:r>
+          </a:p>
+          <a:p>
+            <a:r>
+              <a:rPr lang="en-US" altLang="zh-CN" sz="900" dirty="0"/>
+              <a:t>     if Btn1.onclick</a:t>
+            </a:r>
+          </a:p>
+          <a:p>
+            <a:r>
+              <a:rPr lang="en-US" altLang="zh-CN" sz="900" dirty="0"/>
+              <a:t>Then turn to “</a:t>
+            </a:r>
+            <a:r>
+              <a:rPr lang="zh-CN" altLang="en-US" sz="900" dirty="0"/>
+              <a:t>用户测试界面</a:t>
+            </a:r>
+            <a:r>
+              <a:rPr lang="en-US" altLang="zh-CN" sz="900" dirty="0"/>
+              <a:t>”</a:t>
+            </a:r>
+            <a:endParaRPr lang="zh-CN" altLang="en-US" sz="900" dirty="0"/>
+          </a:p>
+          <a:p>
+            <a:endParaRPr lang="en-US" altLang="zh-CN" sz="900" dirty="0"/>
+          </a:p>
+          <a:p>
+            <a:endParaRPr lang="zh-CN" altLang="en-US" dirty="0"/>
+          </a:p>
+        </p:txBody>
+      </p:sp>
     </p:spTree>
     <p:extLst>
       <p:ext uri="{BB962C8B-B14F-4D97-AF65-F5344CB8AC3E}">
-        <p14:creationId xmlns:p14="http://schemas.microsoft.com/office/powerpoint/2010/main" val="1139717509"/>
+        <p14:creationId xmlns:p14="http://schemas.microsoft.com/office/powerpoint/2010/main" val="3207675719"/>
       </p:ext>
     </p:extLst>
   </p:cSld>
@@ -7883,7 +9131,7 @@
                 <a:cs typeface="+mn-ea"/>
                 <a:sym typeface="+mn-lt"/>
               </a:rPr>
-              <a:t>7.</a:t>
+              <a:t>5.</a:t>
             </a:r>
             <a:r>
               <a:rPr lang="zh-CN" altLang="en-US" sz="2699" b="1" dirty="0">
@@ -7897,45 +9145,402 @@
                 <a:cs typeface="+mn-ea"/>
                 <a:sym typeface="+mn-lt"/>
               </a:rPr>
-              <a:t>会议纪要</a:t>
+              <a:t>算法设计</a:t>
             </a:r>
           </a:p>
         </p:txBody>
       </p:sp>
-      <p:pic>
-        <p:nvPicPr>
-          <p:cNvPr id="10" name="图片 9">
+      <p:sp>
+        <p:nvSpPr>
+          <p:cNvPr id="5" name="文本框 4">
             <a:extLst>
               <a:ext uri="{FF2B5EF4-FFF2-40B4-BE49-F238E27FC236}">
-                <a16:creationId xmlns:a16="http://schemas.microsoft.com/office/drawing/2014/main" id="{4197AC31-4098-4417-A877-9857AC778678}"/>
+                <a16:creationId xmlns:a16="http://schemas.microsoft.com/office/drawing/2014/main" id="{E5B96ED3-0C5C-98A6-486A-E9DAD85D5694}"/>
               </a:ext>
             </a:extLst>
           </p:cNvPr>
-          <p:cNvPicPr>
-            <a:picLocks noChangeAspect="1"/>
-          </p:cNvPicPr>
+          <p:cNvSpPr txBox="1"/>
           <p:nvPr/>
-        </p:nvPicPr>
-        <p:blipFill>
-          <a:blip r:embed="rId3"/>
-          <a:stretch>
-            <a:fillRect/>
-          </a:stretch>
-        </p:blipFill>
+        </p:nvSpPr>
         <p:spPr>
           <a:xfrm>
-            <a:off x="1257300" y="1276350"/>
-            <a:ext cx="6629400" cy="3007355"/>
+            <a:off x="381000" y="1200150"/>
+            <a:ext cx="4833256" cy="1477328"/>
           </a:xfrm>
           <a:prstGeom prst="rect">
             <a:avLst/>
           </a:prstGeom>
+          <a:noFill/>
         </p:spPr>
-      </p:pic>
+        <p:txBody>
+          <a:bodyPr wrap="square">
+            <a:spAutoFit/>
+          </a:bodyPr>
+          <a:lstStyle/>
+          <a:p>
+            <a:r>
+              <a:rPr lang="zh-CN" altLang="en-US" sz="1800" b="1" kern="100" dirty="0">
+                <a:effectLst/>
+                <a:ea typeface="宋体" panose="02010600030101010101" pitchFamily="2" charset="-122"/>
+                <a:cs typeface="Times New Roman" panose="02020603050405020304" pitchFamily="18" charset="0"/>
+              </a:rPr>
+              <a:t>“用户测试模块”</a:t>
+            </a:r>
+            <a:r>
+              <a:rPr lang="zh-CN" altLang="zh-CN" sz="1800" b="1" kern="100" dirty="0">
+                <a:effectLst/>
+                <a:ea typeface="宋体" panose="02010600030101010101" pitchFamily="2" charset="-122"/>
+                <a:cs typeface="Times New Roman" panose="02020603050405020304" pitchFamily="18" charset="0"/>
+              </a:rPr>
+              <a:t>算法描述</a:t>
+            </a:r>
+            <a:r>
+              <a:rPr lang="zh-CN" altLang="en-US" sz="1800" b="1" kern="100" dirty="0">
+                <a:effectLst/>
+                <a:ea typeface="宋体" panose="02010600030101010101" pitchFamily="2" charset="-122"/>
+                <a:cs typeface="Times New Roman" panose="02020603050405020304" pitchFamily="18" charset="0"/>
+              </a:rPr>
+              <a:t>：</a:t>
+            </a:r>
+            <a:endParaRPr lang="en-US" altLang="zh-CN" sz="1800" b="1" kern="100" dirty="0">
+              <a:effectLst/>
+              <a:ea typeface="宋体" panose="02010600030101010101" pitchFamily="2" charset="-122"/>
+              <a:cs typeface="Times New Roman" panose="02020603050405020304" pitchFamily="18" charset="0"/>
+            </a:endParaRPr>
+          </a:p>
+          <a:p>
+            <a:pPr algn="just"/>
+            <a:r>
+              <a:rPr lang="zh-CN" altLang="zh-CN" sz="1100" kern="100" dirty="0">
+                <a:effectLst/>
+                <a:latin typeface="等线" panose="02010600030101010101" pitchFamily="2" charset="-122"/>
+                <a:ea typeface="等线" panose="02010600030101010101" pitchFamily="2" charset="-122"/>
+                <a:cs typeface="Times New Roman" panose="02020603050405020304" pitchFamily="18" charset="0"/>
+              </a:rPr>
+              <a:t>当点击开始以后，在</a:t>
+            </a:r>
+            <a:r>
+              <a:rPr lang="en-US" altLang="zh-CN" sz="1100" kern="100" dirty="0">
+                <a:effectLst/>
+                <a:latin typeface="等线" panose="02010600030101010101" pitchFamily="2" charset="-122"/>
+                <a:ea typeface="等线" panose="02010600030101010101" pitchFamily="2" charset="-122"/>
+                <a:cs typeface="Times New Roman" panose="02020603050405020304" pitchFamily="18" charset="0"/>
+              </a:rPr>
+              <a:t>10s</a:t>
+            </a:r>
+            <a:r>
+              <a:rPr lang="zh-CN" altLang="zh-CN" sz="1100" kern="100" dirty="0">
+                <a:effectLst/>
+                <a:latin typeface="等线" panose="02010600030101010101" pitchFamily="2" charset="-122"/>
+                <a:ea typeface="等线" panose="02010600030101010101" pitchFamily="2" charset="-122"/>
+                <a:cs typeface="Times New Roman" panose="02020603050405020304" pitchFamily="18" charset="0"/>
+              </a:rPr>
+              <a:t>中内页面会变色当变色一瞬间记录当时时间，在记录点击时的时间相减显示当次的反应时间，并计入进总时间，最后进行取平均值</a:t>
+            </a:r>
+          </a:p>
+          <a:p>
+            <a:pPr algn="just"/>
+            <a:r>
+              <a:rPr lang="en-US" altLang="zh-CN" sz="1800" kern="100" dirty="0">
+                <a:effectLst/>
+                <a:latin typeface="等线" panose="02010600030101010101" pitchFamily="2" charset="-122"/>
+                <a:ea typeface="等线" panose="02010600030101010101" pitchFamily="2" charset="-122"/>
+                <a:cs typeface="Times New Roman" panose="02020603050405020304" pitchFamily="18" charset="0"/>
+              </a:rPr>
+              <a:t> </a:t>
+            </a:r>
+            <a:endParaRPr lang="zh-CN" altLang="zh-CN" sz="1800" kern="100" dirty="0">
+              <a:effectLst/>
+              <a:latin typeface="等线" panose="02010600030101010101" pitchFamily="2" charset="-122"/>
+              <a:ea typeface="等线" panose="02010600030101010101" pitchFamily="2" charset="-122"/>
+              <a:cs typeface="Times New Roman" panose="02020603050405020304" pitchFamily="18" charset="0"/>
+            </a:endParaRPr>
+          </a:p>
+          <a:p>
+            <a:endParaRPr lang="zh-CN" altLang="en-US" dirty="0"/>
+          </a:p>
+        </p:txBody>
+      </p:sp>
+      <p:sp>
+        <p:nvSpPr>
+          <p:cNvPr id="8" name="文本框 7">
+            <a:extLst>
+              <a:ext uri="{FF2B5EF4-FFF2-40B4-BE49-F238E27FC236}">
+                <a16:creationId xmlns:a16="http://schemas.microsoft.com/office/drawing/2014/main" id="{CEF10381-B314-4D63-BA68-2C5259582A23}"/>
+              </a:ext>
+            </a:extLst>
+          </p:cNvPr>
+          <p:cNvSpPr txBox="1"/>
+          <p:nvPr/>
+        </p:nvSpPr>
+        <p:spPr>
+          <a:xfrm>
+            <a:off x="381000" y="2030720"/>
+            <a:ext cx="4833256" cy="3416320"/>
+          </a:xfrm>
+          <a:prstGeom prst="rect">
+            <a:avLst/>
+          </a:prstGeom>
+          <a:noFill/>
+        </p:spPr>
+        <p:txBody>
+          <a:bodyPr wrap="square">
+            <a:spAutoFit/>
+          </a:bodyPr>
+          <a:lstStyle/>
+          <a:p>
+            <a:r>
+              <a:rPr lang="zh-CN" altLang="en-US" b="1" kern="100" dirty="0">
+                <a:ea typeface="宋体" panose="02010600030101010101" pitchFamily="2" charset="-122"/>
+                <a:cs typeface="Times New Roman" panose="02020603050405020304" pitchFamily="18" charset="0"/>
+              </a:rPr>
+              <a:t>伪代码</a:t>
+            </a:r>
+            <a:r>
+              <a:rPr lang="zh-CN" altLang="zh-CN" sz="1800" b="1" kern="100" dirty="0">
+                <a:effectLst/>
+                <a:ea typeface="宋体" panose="02010600030101010101" pitchFamily="2" charset="-122"/>
+                <a:cs typeface="Times New Roman" panose="02020603050405020304" pitchFamily="18" charset="0"/>
+              </a:rPr>
+              <a:t>描述</a:t>
+            </a:r>
+            <a:r>
+              <a:rPr lang="zh-CN" altLang="en-US" sz="1800" b="1" kern="100" dirty="0">
+                <a:effectLst/>
+                <a:ea typeface="宋体" panose="02010600030101010101" pitchFamily="2" charset="-122"/>
+                <a:cs typeface="Times New Roman" panose="02020603050405020304" pitchFamily="18" charset="0"/>
+              </a:rPr>
+              <a:t>：</a:t>
+            </a:r>
+            <a:endParaRPr lang="en-US" altLang="zh-CN" sz="1800" b="1" kern="100" dirty="0">
+              <a:effectLst/>
+              <a:ea typeface="宋体" panose="02010600030101010101" pitchFamily="2" charset="-122"/>
+              <a:cs typeface="Times New Roman" panose="02020603050405020304" pitchFamily="18" charset="0"/>
+            </a:endParaRPr>
+          </a:p>
+          <a:p>
+            <a:endParaRPr lang="en-US" altLang="zh-CN" sz="900" dirty="0"/>
+          </a:p>
+          <a:p>
+            <a:r>
+              <a:rPr lang="en-US" altLang="zh-CN" sz="900" dirty="0"/>
+              <a:t>Var Btn1=</a:t>
+            </a:r>
+            <a:r>
+              <a:rPr lang="en-US" altLang="zh-CN" sz="900" dirty="0" err="1"/>
+              <a:t>document.getElementById</a:t>
+            </a:r>
+            <a:r>
+              <a:rPr lang="en-US" altLang="zh-CN" sz="900" dirty="0"/>
+              <a:t>(“</a:t>
+            </a:r>
+            <a:r>
+              <a:rPr lang="zh-CN" altLang="en-US" sz="900" dirty="0"/>
+              <a:t>开始测试”</a:t>
+            </a:r>
+            <a:r>
+              <a:rPr lang="en-US" altLang="zh-CN" sz="900" dirty="0"/>
+              <a:t>)</a:t>
+            </a:r>
+          </a:p>
+          <a:p>
+            <a:r>
+              <a:rPr lang="en-US" altLang="zh-CN" sz="900" dirty="0"/>
+              <a:t>Var time</a:t>
+            </a:r>
+          </a:p>
+          <a:p>
+            <a:r>
+              <a:rPr lang="en-US" altLang="zh-CN" sz="900" dirty="0"/>
+              <a:t>If Btn1.onclick</a:t>
+            </a:r>
+          </a:p>
+          <a:p>
+            <a:r>
+              <a:rPr lang="en-US" altLang="zh-CN" sz="900" dirty="0"/>
+              <a:t>   then for var 0 to 3</a:t>
+            </a:r>
+          </a:p>
+          <a:p>
+            <a:r>
+              <a:rPr lang="en-US" altLang="zh-CN" sz="900" dirty="0"/>
+              <a:t>     do </a:t>
+            </a:r>
+            <a:r>
+              <a:rPr lang="en-US" altLang="zh-CN" sz="900" dirty="0" err="1"/>
+              <a:t>dalay</a:t>
+            </a:r>
+            <a:r>
+              <a:rPr lang="en-US" altLang="zh-CN" sz="900" dirty="0"/>
+              <a:t>(var rand=</a:t>
+            </a:r>
+            <a:r>
+              <a:rPr lang="en-US" altLang="zh-CN" sz="900" dirty="0" err="1"/>
+              <a:t>Math.floor</a:t>
+            </a:r>
+            <a:r>
+              <a:rPr lang="en-US" altLang="zh-CN" sz="900" dirty="0"/>
+              <a:t>(</a:t>
+            </a:r>
+            <a:r>
+              <a:rPr lang="en-US" altLang="zh-CN" sz="900" dirty="0" err="1"/>
+              <a:t>Math.random</a:t>
+            </a:r>
+            <a:r>
+              <a:rPr lang="en-US" altLang="zh-CN" sz="900" dirty="0"/>
+              <a:t>()*10)+1)</a:t>
+            </a:r>
+          </a:p>
+          <a:p>
+            <a:r>
+              <a:rPr lang="en-US" altLang="zh-CN" sz="900" dirty="0"/>
+              <a:t>     Change</a:t>
+            </a:r>
+          </a:p>
+          <a:p>
+            <a:r>
+              <a:rPr lang="en-US" altLang="zh-CN" sz="900" dirty="0"/>
+              <a:t>let time1 = new Date()</a:t>
+            </a:r>
+          </a:p>
+          <a:p>
+            <a:r>
+              <a:rPr lang="en-US" altLang="zh-CN" sz="900" dirty="0"/>
+              <a:t>If Btn2.onclick </a:t>
+            </a:r>
+          </a:p>
+          <a:p>
+            <a:r>
+              <a:rPr lang="en-US" altLang="zh-CN" sz="900" dirty="0"/>
+              <a:t>  Then let time2=new Date()</a:t>
+            </a:r>
+          </a:p>
+          <a:p>
+            <a:r>
+              <a:rPr lang="en-US" altLang="zh-CN" sz="900" dirty="0"/>
+              <a:t>      console.log(</a:t>
+            </a:r>
+            <a:r>
+              <a:rPr lang="en-US" altLang="zh-CN" sz="900" dirty="0" err="1"/>
+              <a:t>parseInt</a:t>
+            </a:r>
+            <a:r>
+              <a:rPr lang="en-US" altLang="zh-CN" sz="900" dirty="0"/>
+              <a:t>(time2-time1));</a:t>
+            </a:r>
+          </a:p>
+          <a:p>
+            <a:r>
+              <a:rPr lang="en-US" altLang="zh-CN" sz="900" dirty="0"/>
+              <a:t>  time=time+time2-time1</a:t>
+            </a:r>
+          </a:p>
+          <a:p>
+            <a:r>
+              <a:rPr lang="en-US" altLang="zh-CN" sz="900" dirty="0" err="1"/>
+              <a:t>Avrtime</a:t>
+            </a:r>
+            <a:r>
+              <a:rPr lang="en-US" altLang="zh-CN" sz="900" dirty="0"/>
+              <a:t>=time/3</a:t>
+            </a:r>
+          </a:p>
+          <a:p>
+            <a:r>
+              <a:rPr lang="en-US" altLang="zh-CN" sz="900" dirty="0"/>
+              <a:t>Var Btn3=</a:t>
+            </a:r>
+            <a:r>
+              <a:rPr lang="en-US" altLang="zh-CN" sz="900" dirty="0" err="1"/>
+              <a:t>document.getElementById</a:t>
+            </a:r>
+            <a:r>
+              <a:rPr lang="en-US" altLang="zh-CN" sz="900" dirty="0"/>
+              <a:t>(“</a:t>
+            </a:r>
+            <a:r>
+              <a:rPr lang="zh-CN" altLang="en-US" sz="900" dirty="0"/>
+              <a:t>重新开始”</a:t>
+            </a:r>
+            <a:r>
+              <a:rPr lang="en-US" altLang="zh-CN" sz="900" dirty="0"/>
+              <a:t>)</a:t>
+            </a:r>
+          </a:p>
+          <a:p>
+            <a:r>
+              <a:rPr lang="en-US" altLang="zh-CN" sz="900" dirty="0"/>
+              <a:t>Var Btn4=</a:t>
+            </a:r>
+            <a:r>
+              <a:rPr lang="en-US" altLang="zh-CN" sz="900" dirty="0" err="1"/>
+              <a:t>document.getElementById</a:t>
+            </a:r>
+            <a:r>
+              <a:rPr lang="en-US" altLang="zh-CN" sz="900" dirty="0"/>
+              <a:t>(“</a:t>
+            </a:r>
+            <a:r>
+              <a:rPr lang="zh-CN" altLang="en-US" sz="900" dirty="0"/>
+              <a:t>保存成绩”</a:t>
+            </a:r>
+            <a:r>
+              <a:rPr lang="en-US" altLang="zh-CN" sz="900" dirty="0"/>
+              <a:t>)</a:t>
+            </a:r>
+          </a:p>
+          <a:p>
+            <a:r>
+              <a:rPr lang="en-US" altLang="zh-CN" sz="900" dirty="0"/>
+              <a:t>If</a:t>
+            </a:r>
+            <a:r>
+              <a:rPr lang="zh-CN" altLang="en-US" sz="900" dirty="0"/>
+              <a:t>（</a:t>
+            </a:r>
+            <a:r>
+              <a:rPr lang="en-US" altLang="zh-CN" sz="900" dirty="0"/>
+              <a:t>Btn4.onclick</a:t>
+            </a:r>
+            <a:r>
+              <a:rPr lang="zh-CN" altLang="en-US" sz="900" dirty="0"/>
+              <a:t>）</a:t>
+            </a:r>
+          </a:p>
+          <a:p>
+            <a:r>
+              <a:rPr lang="zh-CN" altLang="en-US" sz="900" dirty="0"/>
+              <a:t> </a:t>
+            </a:r>
+            <a:r>
+              <a:rPr lang="en-US" altLang="zh-CN" sz="900" dirty="0"/>
+              <a:t>Then  time[user]=time[user]+time</a:t>
+            </a:r>
+          </a:p>
+          <a:p>
+            <a:r>
+              <a:rPr lang="en-US" altLang="zh-CN" sz="900" dirty="0"/>
+              <a:t>Elseif(Btn4.onclick)</a:t>
+            </a:r>
+          </a:p>
+          <a:p>
+            <a:r>
+              <a:rPr lang="en-US" altLang="zh-CN" sz="900" dirty="0"/>
+              <a:t>  Then time=0</a:t>
+            </a:r>
+          </a:p>
+          <a:p>
+            <a:endParaRPr lang="en-US" altLang="zh-CN" sz="900" dirty="0"/>
+          </a:p>
+          <a:p>
+            <a:endParaRPr lang="zh-CN" altLang="en-US" dirty="0"/>
+          </a:p>
+        </p:txBody>
+      </p:sp>
     </p:spTree>
     <p:extLst>
       <p:ext uri="{BB962C8B-B14F-4D97-AF65-F5344CB8AC3E}">
-        <p14:creationId xmlns:p14="http://schemas.microsoft.com/office/powerpoint/2010/main" val="486458219"/>
+        <p14:creationId xmlns:p14="http://schemas.microsoft.com/office/powerpoint/2010/main" val="2034937378"/>
       </p:ext>
     </p:extLst>
   </p:cSld>
@@ -8094,7 +9699,7 @@
                 <a:cs typeface="+mn-ea"/>
                 <a:sym typeface="+mn-lt"/>
               </a:rPr>
-              <a:t>7.</a:t>
+              <a:t>5.</a:t>
             </a:r>
             <a:r>
               <a:rPr lang="zh-CN" altLang="en-US" sz="2699" b="1" dirty="0">
@@ -8108,45 +9713,281 @@
                 <a:cs typeface="+mn-ea"/>
                 <a:sym typeface="+mn-lt"/>
               </a:rPr>
-              <a:t>会议纪要</a:t>
+              <a:t>算法设计</a:t>
             </a:r>
           </a:p>
         </p:txBody>
       </p:sp>
-      <p:pic>
-        <p:nvPicPr>
-          <p:cNvPr id="4" name="图片 3">
+      <p:sp>
+        <p:nvSpPr>
+          <p:cNvPr id="5" name="文本框 4">
             <a:extLst>
               <a:ext uri="{FF2B5EF4-FFF2-40B4-BE49-F238E27FC236}">
-                <a16:creationId xmlns:a16="http://schemas.microsoft.com/office/drawing/2014/main" id="{D80A06C0-D3A1-4B6C-B6BF-D807A478FE17}"/>
+                <a16:creationId xmlns:a16="http://schemas.microsoft.com/office/drawing/2014/main" id="{E5B96ED3-0C5C-98A6-486A-E9DAD85D5694}"/>
               </a:ext>
             </a:extLst>
           </p:cNvPr>
-          <p:cNvPicPr>
-            <a:picLocks noChangeAspect="1"/>
-          </p:cNvPicPr>
+          <p:cNvSpPr txBox="1"/>
           <p:nvPr/>
-        </p:nvPicPr>
-        <p:blipFill>
-          <a:blip r:embed="rId3"/>
-          <a:stretch>
-            <a:fillRect/>
-          </a:stretch>
-        </p:blipFill>
+        </p:nvSpPr>
         <p:spPr>
           <a:xfrm>
-            <a:off x="1602025" y="1123950"/>
-            <a:ext cx="5939949" cy="3543854"/>
+            <a:off x="381000" y="1200150"/>
+            <a:ext cx="4833256" cy="1092607"/>
           </a:xfrm>
           <a:prstGeom prst="rect">
             <a:avLst/>
           </a:prstGeom>
+          <a:noFill/>
         </p:spPr>
-      </p:pic>
+        <p:txBody>
+          <a:bodyPr wrap="square">
+            <a:spAutoFit/>
+          </a:bodyPr>
+          <a:lstStyle/>
+          <a:p>
+            <a:r>
+              <a:rPr lang="zh-CN" altLang="en-US" sz="1800" b="1" kern="100" dirty="0">
+                <a:effectLst/>
+                <a:ea typeface="宋体" panose="02010600030101010101" pitchFamily="2" charset="-122"/>
+                <a:cs typeface="Times New Roman" panose="02020603050405020304" pitchFamily="18" charset="0"/>
+              </a:rPr>
+              <a:t>“数据统计模块”</a:t>
+            </a:r>
+            <a:r>
+              <a:rPr lang="zh-CN" altLang="zh-CN" sz="1800" b="1" kern="100" dirty="0">
+                <a:effectLst/>
+                <a:ea typeface="宋体" panose="02010600030101010101" pitchFamily="2" charset="-122"/>
+                <a:cs typeface="Times New Roman" panose="02020603050405020304" pitchFamily="18" charset="0"/>
+              </a:rPr>
+              <a:t>算法描述</a:t>
+            </a:r>
+            <a:r>
+              <a:rPr lang="zh-CN" altLang="en-US" sz="1800" b="1" kern="100" dirty="0">
+                <a:effectLst/>
+                <a:ea typeface="宋体" panose="02010600030101010101" pitchFamily="2" charset="-122"/>
+                <a:cs typeface="Times New Roman" panose="02020603050405020304" pitchFamily="18" charset="0"/>
+              </a:rPr>
+              <a:t>：</a:t>
+            </a:r>
+            <a:endParaRPr lang="en-US" altLang="zh-CN" sz="1800" b="1" kern="100" dirty="0">
+              <a:effectLst/>
+              <a:ea typeface="宋体" panose="02010600030101010101" pitchFamily="2" charset="-122"/>
+              <a:cs typeface="Times New Roman" panose="02020603050405020304" pitchFamily="18" charset="0"/>
+            </a:endParaRPr>
+          </a:p>
+          <a:p>
+            <a:pPr algn="just"/>
+            <a:r>
+              <a:rPr lang="zh-CN" altLang="en-US" sz="1100" kern="100" dirty="0">
+                <a:effectLst/>
+                <a:latin typeface="等线" panose="02010600030101010101" pitchFamily="2" charset="-122"/>
+                <a:ea typeface="等线" panose="02010600030101010101" pitchFamily="2" charset="-122"/>
+                <a:cs typeface="Times New Roman" panose="02020603050405020304" pitchFamily="18" charset="0"/>
+              </a:rPr>
+              <a:t>对全部用户数据进行降序排列后可视化呈现，并且突出显示当前用户在所有用户中的位次</a:t>
+            </a:r>
+            <a:r>
+              <a:rPr lang="en-US" altLang="zh-CN" sz="1800" kern="100" dirty="0">
+                <a:effectLst/>
+                <a:latin typeface="等线" panose="02010600030101010101" pitchFamily="2" charset="-122"/>
+                <a:ea typeface="等线" panose="02010600030101010101" pitchFamily="2" charset="-122"/>
+                <a:cs typeface="Times New Roman" panose="02020603050405020304" pitchFamily="18" charset="0"/>
+              </a:rPr>
+              <a:t> </a:t>
+            </a:r>
+            <a:endParaRPr lang="zh-CN" altLang="zh-CN" sz="1800" kern="100" dirty="0">
+              <a:effectLst/>
+              <a:latin typeface="等线" panose="02010600030101010101" pitchFamily="2" charset="-122"/>
+              <a:ea typeface="等线" panose="02010600030101010101" pitchFamily="2" charset="-122"/>
+              <a:cs typeface="Times New Roman" panose="02020603050405020304" pitchFamily="18" charset="0"/>
+            </a:endParaRPr>
+          </a:p>
+          <a:p>
+            <a:endParaRPr lang="zh-CN" altLang="en-US" dirty="0"/>
+          </a:p>
+        </p:txBody>
+      </p:sp>
+      <p:sp>
+        <p:nvSpPr>
+          <p:cNvPr id="8" name="文本框 7">
+            <a:extLst>
+              <a:ext uri="{FF2B5EF4-FFF2-40B4-BE49-F238E27FC236}">
+                <a16:creationId xmlns:a16="http://schemas.microsoft.com/office/drawing/2014/main" id="{CEF10381-B314-4D63-BA68-2C5259582A23}"/>
+              </a:ext>
+            </a:extLst>
+          </p:cNvPr>
+          <p:cNvSpPr txBox="1"/>
+          <p:nvPr/>
+        </p:nvSpPr>
+        <p:spPr>
+          <a:xfrm>
+            <a:off x="381000" y="2030720"/>
+            <a:ext cx="4833256" cy="2308324"/>
+          </a:xfrm>
+          <a:prstGeom prst="rect">
+            <a:avLst/>
+          </a:prstGeom>
+          <a:noFill/>
+        </p:spPr>
+        <p:txBody>
+          <a:bodyPr wrap="square">
+            <a:spAutoFit/>
+          </a:bodyPr>
+          <a:lstStyle/>
+          <a:p>
+            <a:r>
+              <a:rPr lang="zh-CN" altLang="en-US" b="1" kern="100" dirty="0">
+                <a:ea typeface="宋体" panose="02010600030101010101" pitchFamily="2" charset="-122"/>
+                <a:cs typeface="Times New Roman" panose="02020603050405020304" pitchFamily="18" charset="0"/>
+              </a:rPr>
+              <a:t>伪代码</a:t>
+            </a:r>
+            <a:r>
+              <a:rPr lang="zh-CN" altLang="zh-CN" sz="1800" b="1" kern="100" dirty="0">
+                <a:effectLst/>
+                <a:ea typeface="宋体" panose="02010600030101010101" pitchFamily="2" charset="-122"/>
+                <a:cs typeface="Times New Roman" panose="02020603050405020304" pitchFamily="18" charset="0"/>
+              </a:rPr>
+              <a:t>描述</a:t>
+            </a:r>
+            <a:r>
+              <a:rPr lang="zh-CN" altLang="en-US" sz="1800" b="1" kern="100" dirty="0">
+                <a:effectLst/>
+                <a:ea typeface="宋体" panose="02010600030101010101" pitchFamily="2" charset="-122"/>
+                <a:cs typeface="Times New Roman" panose="02020603050405020304" pitchFamily="18" charset="0"/>
+              </a:rPr>
+              <a:t>：</a:t>
+            </a:r>
+            <a:endParaRPr lang="en-US" altLang="zh-CN" sz="1800" b="1" kern="100" dirty="0">
+              <a:effectLst/>
+              <a:ea typeface="宋体" panose="02010600030101010101" pitchFamily="2" charset="-122"/>
+              <a:cs typeface="Times New Roman" panose="02020603050405020304" pitchFamily="18" charset="0"/>
+            </a:endParaRPr>
+          </a:p>
+          <a:p>
+            <a:endParaRPr lang="en-US" altLang="zh-CN" sz="900" dirty="0"/>
+          </a:p>
+          <a:p>
+            <a:r>
+              <a:rPr lang="en-US" altLang="zh-CN" sz="900" dirty="0"/>
+              <a:t>Function rank(float time){</a:t>
+            </a:r>
+          </a:p>
+          <a:p>
+            <a:pPr lvl="1"/>
+            <a:r>
+              <a:rPr lang="en-US" altLang="zh-CN" sz="900" dirty="0"/>
+              <a:t>Time[name]=(Time[name]*</a:t>
+            </a:r>
+            <a:r>
+              <a:rPr lang="en-US" altLang="zh-CN" sz="900" dirty="0" err="1"/>
+              <a:t>count+time</a:t>
+            </a:r>
+            <a:r>
+              <a:rPr lang="en-US" altLang="zh-CN" sz="900" dirty="0"/>
+              <a:t>)/(count+1)</a:t>
+            </a:r>
+          </a:p>
+          <a:p>
+            <a:pPr lvl="1"/>
+            <a:r>
+              <a:rPr lang="en-US" altLang="zh-CN" sz="900" dirty="0"/>
+              <a:t>Var </a:t>
+            </a:r>
+            <a:r>
+              <a:rPr lang="en-US" altLang="zh-CN" sz="900" dirty="0" err="1"/>
+              <a:t>i</a:t>
+            </a:r>
+            <a:r>
+              <a:rPr lang="en-US" altLang="zh-CN" sz="900" dirty="0"/>
+              <a:t>=0,all=0</a:t>
+            </a:r>
+          </a:p>
+          <a:p>
+            <a:pPr lvl="1"/>
+            <a:r>
+              <a:rPr lang="en-US" altLang="zh-CN" sz="900" dirty="0"/>
+              <a:t>Sql1=”select name from </a:t>
+            </a:r>
+            <a:r>
+              <a:rPr lang="en-US" altLang="zh-CN" sz="900" dirty="0" err="1"/>
+              <a:t>yh</a:t>
+            </a:r>
+            <a:r>
+              <a:rPr lang="en-US" altLang="zh-CN" sz="900" dirty="0"/>
+              <a:t> by Time desc ”</a:t>
+            </a:r>
+          </a:p>
+          <a:p>
+            <a:pPr lvl="1"/>
+            <a:r>
+              <a:rPr lang="en-US" altLang="zh-CN" sz="900" dirty="0"/>
+              <a:t>Sql2=”select name from </a:t>
+            </a:r>
+            <a:r>
+              <a:rPr lang="en-US" altLang="zh-CN" sz="900" dirty="0" err="1"/>
+              <a:t>yh</a:t>
+            </a:r>
+            <a:r>
+              <a:rPr lang="en-US" altLang="zh-CN" sz="900" dirty="0"/>
+              <a:t> where name=”’ </a:t>
+            </a:r>
+          </a:p>
+          <a:p>
+            <a:pPr lvl="1"/>
+            <a:r>
+              <a:rPr lang="en-US" altLang="zh-CN" sz="900" dirty="0"/>
+              <a:t>For var </a:t>
+            </a:r>
+            <a:r>
+              <a:rPr lang="en-US" altLang="zh-CN" sz="900" dirty="0" err="1"/>
+              <a:t>i</a:t>
+            </a:r>
+            <a:r>
+              <a:rPr lang="en-US" altLang="zh-CN" sz="900" dirty="0"/>
+              <a:t> to count(name)</a:t>
+            </a:r>
+          </a:p>
+          <a:p>
+            <a:pPr lvl="1"/>
+            <a:r>
+              <a:rPr lang="en-US" altLang="zh-CN" sz="900" dirty="0"/>
+              <a:t> If(sql1!=qsl2){</a:t>
+            </a:r>
+          </a:p>
+          <a:p>
+            <a:pPr lvl="1"/>
+            <a:r>
+              <a:rPr lang="en-US" altLang="zh-CN" sz="900" dirty="0"/>
+              <a:t> 	All=all+1</a:t>
+            </a:r>
+          </a:p>
+          <a:p>
+            <a:pPr lvl="1"/>
+            <a:r>
+              <a:rPr lang="en-US" altLang="zh-CN" sz="900" dirty="0"/>
+              <a:t>}</a:t>
+            </a:r>
+          </a:p>
+          <a:p>
+            <a:r>
+              <a:rPr lang="en-US" altLang="zh-CN" sz="900" dirty="0"/>
+              <a:t>}</a:t>
+            </a:r>
+          </a:p>
+          <a:p>
+            <a:endParaRPr lang="en-US" altLang="zh-CN" sz="900" dirty="0"/>
+          </a:p>
+          <a:p>
+            <a:endParaRPr lang="zh-CN" altLang="en-US" dirty="0"/>
+          </a:p>
+        </p:txBody>
+      </p:sp>
     </p:spTree>
     <p:extLst>
       <p:ext uri="{BB962C8B-B14F-4D97-AF65-F5344CB8AC3E}">
-        <p14:creationId xmlns:p14="http://schemas.microsoft.com/office/powerpoint/2010/main" val="4239225287"/>
+        <p14:creationId xmlns:p14="http://schemas.microsoft.com/office/powerpoint/2010/main" val="4006490586"/>
       </p:ext>
     </p:extLst>
   </p:cSld>
@@ -8305,7 +10146,7 @@
                 <a:cs typeface="+mn-ea"/>
                 <a:sym typeface="+mn-lt"/>
               </a:rPr>
-              <a:t>8.</a:t>
+              <a:t>5.</a:t>
             </a:r>
             <a:r>
               <a:rPr lang="zh-CN" altLang="en-US" sz="2699" b="1" dirty="0">
@@ -8319,17 +10160,17 @@
                 <a:cs typeface="+mn-ea"/>
                 <a:sym typeface="+mn-lt"/>
               </a:rPr>
-              <a:t>参考资料</a:t>
+              <a:t>算法设计</a:t>
             </a:r>
           </a:p>
         </p:txBody>
       </p:sp>
       <p:sp>
         <p:nvSpPr>
-          <p:cNvPr id="4" name="文本框 3">
+          <p:cNvPr id="5" name="文本框 4">
             <a:extLst>
               <a:ext uri="{FF2B5EF4-FFF2-40B4-BE49-F238E27FC236}">
-                <a16:creationId xmlns:a16="http://schemas.microsoft.com/office/drawing/2014/main" id="{35765E2E-25DC-ED25-2ADC-63362511A5B0}"/>
+                <a16:creationId xmlns:a16="http://schemas.microsoft.com/office/drawing/2014/main" id="{E5B96ED3-0C5C-98A6-486A-E9DAD85D5694}"/>
               </a:ext>
             </a:extLst>
           </p:cNvPr>
@@ -8338,8 +10179,8 @@
         </p:nvSpPr>
         <p:spPr>
           <a:xfrm>
-            <a:off x="533400" y="1352555"/>
-            <a:ext cx="4833256" cy="2053319"/>
+            <a:off x="381000" y="1200150"/>
+            <a:ext cx="4833256" cy="1261884"/>
           </a:xfrm>
           <a:prstGeom prst="rect">
             <a:avLst/>
@@ -8352,288 +10193,375 @@
           </a:bodyPr>
           <a:lstStyle/>
           <a:p>
-            <a:pPr algn="l" fontAlgn="auto">
-              <a:lnSpc>
-                <a:spcPct val="115000"/>
-              </a:lnSpc>
-              <a:spcBef>
-                <a:spcPts val="0"/>
-              </a:spcBef>
-              <a:spcAft>
-                <a:spcPts val="0"/>
-              </a:spcAft>
-              <a:buClrTx/>
-              <a:buSzTx/>
-              <a:buNone/>
-            </a:pPr>
-            <a:r>
-              <a:rPr lang="zh-CN" altLang="zh-CN" sz="1400" dirty="0">
-                <a:ea typeface="宋体" pitchFamily="2" charset="-122"/>
-                <a:cs typeface="Times New Roman" panose="02020603050405020304" charset="0"/>
-                <a:sym typeface="+mn-ea"/>
+            <a:r>
+              <a:rPr lang="zh-CN" altLang="en-US" sz="1800" b="1" kern="100" dirty="0">
+                <a:effectLst/>
+                <a:ea typeface="宋体" panose="02010600030101010101" pitchFamily="2" charset="-122"/>
+                <a:cs typeface="Times New Roman" panose="02020603050405020304" pitchFamily="18" charset="0"/>
               </a:rPr>
-              <a:t>[1] 软件项目管理（原书第8版）[M]北京：机械工业出版社</a:t>
-            </a:r>
-          </a:p>
-          <a:p>
-            <a:pPr algn="l" fontAlgn="auto">
-              <a:lnSpc>
-                <a:spcPct val="115000"/>
-              </a:lnSpc>
-              <a:spcBef>
-                <a:spcPts val="0"/>
-              </a:spcBef>
-              <a:spcAft>
-                <a:spcPts val="0"/>
-              </a:spcAft>
-              <a:buClrTx/>
-              <a:buSzTx/>
-              <a:buNone/>
-            </a:pPr>
-            <a:r>
-              <a:rPr lang="zh-CN" altLang="zh-CN" sz="1400" dirty="0">
-                <a:ea typeface="宋体" pitchFamily="2" charset="-122"/>
-                <a:cs typeface="Times New Roman" panose="02020603050405020304" charset="0"/>
-                <a:sym typeface="+mn-ea"/>
+              <a:t>“用户信息修改模块”</a:t>
+            </a:r>
+            <a:r>
+              <a:rPr lang="zh-CN" altLang="zh-CN" sz="1800" b="1" kern="100" dirty="0">
+                <a:effectLst/>
+                <a:ea typeface="宋体" panose="02010600030101010101" pitchFamily="2" charset="-122"/>
+                <a:cs typeface="Times New Roman" panose="02020603050405020304" pitchFamily="18" charset="0"/>
               </a:rPr>
-              <a:t>[2] 软件需求（第3版）[M]北京：清华大学出版社</a:t>
-            </a:r>
-          </a:p>
-          <a:p>
-            <a:pPr algn="l" fontAlgn="auto">
-              <a:lnSpc>
-                <a:spcPct val="115000"/>
-              </a:lnSpc>
-              <a:spcBef>
-                <a:spcPts val="0"/>
-              </a:spcBef>
-              <a:spcAft>
-                <a:spcPts val="0"/>
-              </a:spcAft>
-              <a:buClrTx/>
-              <a:buSzTx/>
-              <a:buNone/>
-            </a:pPr>
-            <a:r>
-              <a:rPr lang="zh-CN" altLang="zh-CN" sz="1400" dirty="0">
-                <a:ea typeface="宋体" pitchFamily="2" charset="-122"/>
-                <a:cs typeface="Times New Roman" panose="02020603050405020304" charset="0"/>
-                <a:sym typeface="+mn-ea"/>
+              <a:t>算法描述</a:t>
+            </a:r>
+            <a:r>
+              <a:rPr lang="zh-CN" altLang="en-US" sz="1800" b="1" kern="100" dirty="0">
+                <a:effectLst/>
+                <a:ea typeface="宋体" panose="02010600030101010101" pitchFamily="2" charset="-122"/>
+                <a:cs typeface="Times New Roman" panose="02020603050405020304" pitchFamily="18" charset="0"/>
               </a:rPr>
-              <a:t>[3] GB/T 8567-2006.国标《计算机软件文档编制规范》</a:t>
-            </a:r>
-          </a:p>
-          <a:p>
-            <a:pPr algn="l" fontAlgn="auto">
-              <a:lnSpc>
-                <a:spcPct val="115000"/>
-              </a:lnSpc>
-              <a:spcBef>
-                <a:spcPts val="0"/>
-              </a:spcBef>
-              <a:spcAft>
-                <a:spcPts val="0"/>
-              </a:spcAft>
-              <a:buClrTx/>
-              <a:buSzTx/>
-              <a:buNone/>
-            </a:pPr>
-            <a:r>
-              <a:rPr lang="zh-CN" altLang="zh-CN" sz="1400" dirty="0">
-                <a:ea typeface="宋体" pitchFamily="2" charset="-122"/>
-                <a:cs typeface="Times New Roman" panose="02020603050405020304" charset="0"/>
-                <a:sym typeface="+mn-ea"/>
+              <a:t>：</a:t>
+            </a:r>
+            <a:endParaRPr lang="en-US" altLang="zh-CN" sz="1800" b="1" kern="100" dirty="0">
+              <a:effectLst/>
+              <a:ea typeface="宋体" panose="02010600030101010101" pitchFamily="2" charset="-122"/>
+              <a:cs typeface="Times New Roman" panose="02020603050405020304" pitchFamily="18" charset="0"/>
+            </a:endParaRPr>
+          </a:p>
+          <a:p>
+            <a:pPr algn="just"/>
+            <a:r>
+              <a:rPr lang="zh-CN" altLang="en-US" sz="1100" kern="100" dirty="0">
+                <a:effectLst/>
+                <a:latin typeface="等线" panose="02010600030101010101" pitchFamily="2" charset="-122"/>
+                <a:ea typeface="等线" panose="02010600030101010101" pitchFamily="2" charset="-122"/>
+                <a:cs typeface="Times New Roman" panose="02020603050405020304" pitchFamily="18" charset="0"/>
               </a:rPr>
-              <a:t>[4]</a:t>
-            </a:r>
-            <a:r>
-              <a:rPr lang="zh-CN" altLang="en-US" sz="1400" dirty="0">
-                <a:ea typeface="宋体" pitchFamily="2" charset="-122"/>
-                <a:cs typeface="Times New Roman" panose="02020603050405020304" charset="0"/>
-                <a:sym typeface="+mn-ea"/>
+              <a:t>用户输入新的昵称后点击“保存修改”新昵称的修改将会提交至数据库</a:t>
+            </a:r>
+          </a:p>
+          <a:p>
+            <a:pPr algn="just"/>
+            <a:r>
+              <a:rPr lang="zh-CN" altLang="en-US" sz="1100" kern="100" dirty="0">
+                <a:effectLst/>
+                <a:latin typeface="等线" panose="02010600030101010101" pitchFamily="2" charset="-122"/>
+                <a:ea typeface="等线" panose="02010600030101010101" pitchFamily="2" charset="-122"/>
+                <a:cs typeface="Times New Roman" panose="02020603050405020304" pitchFamily="18" charset="0"/>
               </a:rPr>
-              <a:t>软件需求规格说明</a:t>
-            </a:r>
-            <a:r>
-              <a:rPr lang="en-US" altLang="zh-CN" sz="1400" dirty="0">
-                <a:ea typeface="宋体" pitchFamily="2" charset="-122"/>
-                <a:cs typeface="Times New Roman" panose="02020603050405020304" charset="0"/>
-                <a:sym typeface="+mn-ea"/>
+              <a:t>用户上传新头像后点击“保存修改”，新头像的修改会提交至数据库</a:t>
+            </a:r>
+          </a:p>
+          <a:p>
+            <a:pPr algn="just"/>
+            <a:r>
+              <a:rPr lang="en-US" altLang="zh-CN" sz="1800" kern="100" dirty="0">
+                <a:effectLst/>
+                <a:latin typeface="等线" panose="02010600030101010101" pitchFamily="2" charset="-122"/>
+                <a:ea typeface="等线" panose="02010600030101010101" pitchFamily="2" charset="-122"/>
+                <a:cs typeface="Times New Roman" panose="02020603050405020304" pitchFamily="18" charset="0"/>
               </a:rPr>
-              <a:t>v0.1.1</a:t>
-            </a:r>
-          </a:p>
-          <a:p>
-            <a:pPr algn="l" fontAlgn="auto">
-              <a:lnSpc>
-                <a:spcPct val="115000"/>
-              </a:lnSpc>
-              <a:spcBef>
-                <a:spcPts val="0"/>
-              </a:spcBef>
-              <a:spcAft>
-                <a:spcPts val="0"/>
-              </a:spcAft>
-              <a:buClrTx/>
-              <a:buSzTx/>
-              <a:buNone/>
-            </a:pPr>
-            <a:r>
-              <a:rPr lang="zh-CN" altLang="zh-CN" sz="1400" dirty="0">
-                <a:ea typeface="宋体" pitchFamily="2" charset="-122"/>
-                <a:cs typeface="Times New Roman" panose="02020603050405020304" charset="0"/>
-                <a:sym typeface="+mn-ea"/>
+              <a:t> </a:t>
+            </a:r>
+            <a:endParaRPr lang="zh-CN" altLang="zh-CN" sz="1800" kern="100" dirty="0">
+              <a:effectLst/>
+              <a:latin typeface="等线" panose="02010600030101010101" pitchFamily="2" charset="-122"/>
+              <a:ea typeface="等线" panose="02010600030101010101" pitchFamily="2" charset="-122"/>
+              <a:cs typeface="Times New Roman" panose="02020603050405020304" pitchFamily="18" charset="0"/>
+            </a:endParaRPr>
+          </a:p>
+          <a:p>
+            <a:endParaRPr lang="zh-CN" altLang="en-US" dirty="0"/>
+          </a:p>
+        </p:txBody>
+      </p:sp>
+      <p:sp>
+        <p:nvSpPr>
+          <p:cNvPr id="8" name="文本框 7">
+            <a:extLst>
+              <a:ext uri="{FF2B5EF4-FFF2-40B4-BE49-F238E27FC236}">
+                <a16:creationId xmlns:a16="http://schemas.microsoft.com/office/drawing/2014/main" id="{CEF10381-B314-4D63-BA68-2C5259582A23}"/>
+              </a:ext>
+            </a:extLst>
+          </p:cNvPr>
+          <p:cNvSpPr txBox="1"/>
+          <p:nvPr/>
+        </p:nvSpPr>
+        <p:spPr>
+          <a:xfrm>
+            <a:off x="381000" y="2030720"/>
+            <a:ext cx="4833256" cy="2862322"/>
+          </a:xfrm>
+          <a:prstGeom prst="rect">
+            <a:avLst/>
+          </a:prstGeom>
+          <a:noFill/>
+        </p:spPr>
+        <p:txBody>
+          <a:bodyPr wrap="square">
+            <a:spAutoFit/>
+          </a:bodyPr>
+          <a:lstStyle/>
+          <a:p>
+            <a:r>
+              <a:rPr lang="zh-CN" altLang="en-US" b="1" kern="100" dirty="0">
+                <a:ea typeface="宋体" panose="02010600030101010101" pitchFamily="2" charset="-122"/>
+                <a:cs typeface="Times New Roman" panose="02020603050405020304" pitchFamily="18" charset="0"/>
               </a:rPr>
-              <a:t>[</a:t>
-            </a:r>
-            <a:r>
-              <a:rPr lang="en-US" altLang="zh-CN" sz="1400" dirty="0">
-                <a:ea typeface="宋体" pitchFamily="2" charset="-122"/>
-                <a:cs typeface="Times New Roman" panose="02020603050405020304" charset="0"/>
-                <a:sym typeface="+mn-ea"/>
+              <a:t>伪代码</a:t>
+            </a:r>
+            <a:r>
+              <a:rPr lang="zh-CN" altLang="zh-CN" sz="1800" b="1" kern="100" dirty="0">
+                <a:effectLst/>
+                <a:ea typeface="宋体" panose="02010600030101010101" pitchFamily="2" charset="-122"/>
+                <a:cs typeface="Times New Roman" panose="02020603050405020304" pitchFamily="18" charset="0"/>
               </a:rPr>
-              <a:t>5</a:t>
-            </a:r>
-            <a:r>
-              <a:rPr lang="zh-CN" altLang="zh-CN" sz="1400" dirty="0">
-                <a:ea typeface="宋体" pitchFamily="2" charset="-122"/>
-                <a:cs typeface="Times New Roman" panose="02020603050405020304" charset="0"/>
-                <a:sym typeface="+mn-ea"/>
+              <a:t>描述</a:t>
+            </a:r>
+            <a:r>
+              <a:rPr lang="zh-CN" altLang="en-US" sz="1800" b="1" kern="100" dirty="0">
+                <a:effectLst/>
+                <a:ea typeface="宋体" panose="02010600030101010101" pitchFamily="2" charset="-122"/>
+                <a:cs typeface="Times New Roman" panose="02020603050405020304" pitchFamily="18" charset="0"/>
               </a:rPr>
-              <a:t>]</a:t>
-            </a:r>
-            <a:r>
-              <a:rPr lang="en-US" altLang="zh-CN" sz="1400" dirty="0">
-                <a:ea typeface="宋体" pitchFamily="2" charset="-122"/>
-                <a:cs typeface="Times New Roman" panose="02020603050405020304" charset="0"/>
-                <a:sym typeface="+mn-ea"/>
-              </a:rPr>
-              <a:t> SE2022-G06-</a:t>
-            </a:r>
-            <a:r>
-              <a:rPr lang="zh-CN" altLang="en-US" sz="1400" dirty="0">
-                <a:ea typeface="宋体" pitchFamily="2" charset="-122"/>
-                <a:cs typeface="Times New Roman" panose="02020603050405020304" charset="0"/>
-                <a:sym typeface="+mn-ea"/>
-              </a:rPr>
-              <a:t>设计说明</a:t>
-            </a:r>
-            <a:r>
-              <a:rPr lang="en-US" altLang="zh-CN" sz="1400" dirty="0">
-                <a:ea typeface="宋体" pitchFamily="2" charset="-122"/>
-                <a:cs typeface="Times New Roman" panose="02020603050405020304" charset="0"/>
-                <a:sym typeface="+mn-ea"/>
-              </a:rPr>
-              <a:t>v0.0.1</a:t>
-            </a:r>
-            <a:endParaRPr lang="zh-CN" altLang="zh-CN" sz="1400" dirty="0">
-              <a:ea typeface="宋体" pitchFamily="2" charset="-122"/>
-              <a:cs typeface="Times New Roman" panose="02020603050405020304" charset="0"/>
-              <a:sym typeface="+mn-ea"/>
-            </a:endParaRPr>
-          </a:p>
-          <a:p>
-            <a:pPr algn="l" fontAlgn="auto">
-              <a:lnSpc>
-                <a:spcPct val="115000"/>
-              </a:lnSpc>
-              <a:spcBef>
-                <a:spcPts val="0"/>
-              </a:spcBef>
-              <a:spcAft>
-                <a:spcPts val="0"/>
-              </a:spcAft>
-              <a:buClrTx/>
-              <a:buSzTx/>
-              <a:buNone/>
-            </a:pPr>
-            <a:r>
-              <a:rPr lang="zh-CN" altLang="zh-CN" sz="1400" dirty="0">
-                <a:ea typeface="宋体" pitchFamily="2" charset="-122"/>
-                <a:cs typeface="Times New Roman" panose="02020603050405020304" charset="0"/>
-                <a:sym typeface="+mn-ea"/>
-              </a:rPr>
-              <a:t>[</a:t>
-            </a:r>
-            <a:r>
-              <a:rPr lang="en-US" altLang="zh-CN" sz="1400" dirty="0">
-                <a:ea typeface="宋体" pitchFamily="2" charset="-122"/>
-                <a:cs typeface="Times New Roman" panose="02020603050405020304" charset="0"/>
-                <a:sym typeface="+mn-ea"/>
-              </a:rPr>
-              <a:t>6</a:t>
-            </a:r>
-            <a:r>
-              <a:rPr lang="zh-CN" altLang="zh-CN" sz="1400" dirty="0">
-                <a:ea typeface="宋体" pitchFamily="2" charset="-122"/>
-                <a:cs typeface="Times New Roman" panose="02020603050405020304" charset="0"/>
-                <a:sym typeface="+mn-ea"/>
-              </a:rPr>
-              <a:t>]</a:t>
-            </a:r>
-            <a:r>
-              <a:rPr lang="zh-CN" altLang="en-US" sz="1400" dirty="0">
-                <a:ea typeface="宋体" pitchFamily="2" charset="-122"/>
-                <a:cs typeface="Times New Roman" panose="02020603050405020304" charset="0"/>
-                <a:sym typeface="+mn-ea"/>
-              </a:rPr>
-              <a:t>会议纪要</a:t>
-            </a:r>
-            <a:r>
-              <a:rPr lang="en-US" altLang="zh-CN" sz="1400" dirty="0">
-                <a:ea typeface="宋体" pitchFamily="2" charset="-122"/>
-                <a:cs typeface="Times New Roman" panose="02020603050405020304" charset="0"/>
-                <a:sym typeface="+mn-ea"/>
-              </a:rPr>
-              <a:t>2022-11-13</a:t>
-            </a:r>
-          </a:p>
-          <a:p>
-            <a:pPr algn="l" fontAlgn="auto">
-              <a:lnSpc>
-                <a:spcPct val="115000"/>
-              </a:lnSpc>
-              <a:spcBef>
-                <a:spcPts val="0"/>
-              </a:spcBef>
-              <a:spcAft>
-                <a:spcPts val="0"/>
-              </a:spcAft>
-              <a:buClrTx/>
-              <a:buSzTx/>
-              <a:buNone/>
-            </a:pPr>
-            <a:r>
-              <a:rPr lang="en-US" altLang="zh-CN" sz="1400" dirty="0">
-                <a:ea typeface="宋体" pitchFamily="2" charset="-122"/>
-                <a:cs typeface="Times New Roman" panose="02020603050405020304" charset="0"/>
-                <a:sym typeface="+mn-ea"/>
-              </a:rPr>
-              <a:t>[7]</a:t>
-            </a:r>
-            <a:r>
-              <a:rPr lang="zh-CN" altLang="en-US" sz="1400" dirty="0">
-                <a:ea typeface="宋体" pitchFamily="2" charset="-122"/>
-                <a:cs typeface="Times New Roman" panose="02020603050405020304" charset="0"/>
-                <a:sym typeface="+mn-ea"/>
-              </a:rPr>
-              <a:t>参考网站连接</a:t>
-            </a:r>
-            <a:r>
-              <a:rPr lang="en-US" altLang="zh-CN" sz="1400" dirty="0">
-                <a:ea typeface="宋体" pitchFamily="2" charset="-122"/>
-                <a:cs typeface="Times New Roman" panose="02020603050405020304" charset="0"/>
-                <a:sym typeface="+mn-ea"/>
-              </a:rPr>
-              <a:t>https://blog.csdn.net/daqiang012/article/details/120306128</a:t>
-            </a:r>
+              <a:t>：</a:t>
+            </a:r>
+            <a:endParaRPr lang="en-US" altLang="zh-CN" sz="900" dirty="0"/>
+          </a:p>
+          <a:p>
+            <a:endParaRPr lang="en-US" altLang="zh-CN" sz="900" dirty="0"/>
+          </a:p>
+          <a:p>
+            <a:r>
+              <a:rPr lang="en-US" altLang="zh-CN" sz="900" dirty="0"/>
+              <a:t>Var Btn2=</a:t>
+            </a:r>
+            <a:r>
+              <a:rPr lang="en-US" altLang="zh-CN" sz="900" dirty="0" err="1"/>
+              <a:t>document.getElementById</a:t>
+            </a:r>
+            <a:r>
+              <a:rPr lang="en-US" altLang="zh-CN" sz="900" dirty="0"/>
+              <a:t>(“</a:t>
+            </a:r>
+            <a:r>
+              <a:rPr lang="zh-CN" altLang="zh-CN" sz="900" dirty="0"/>
+              <a:t>修改昵称</a:t>
+            </a:r>
+            <a:r>
+              <a:rPr lang="en-US" altLang="zh-CN" sz="900" dirty="0"/>
+              <a:t>”)</a:t>
+            </a:r>
+            <a:endParaRPr lang="zh-CN" altLang="zh-CN" sz="900" dirty="0"/>
+          </a:p>
+          <a:p>
+            <a:r>
+              <a:rPr lang="en-US" altLang="zh-CN" sz="900" dirty="0"/>
+              <a:t>Var Btn3=</a:t>
+            </a:r>
+            <a:r>
+              <a:rPr lang="en-US" altLang="zh-CN" sz="900" dirty="0" err="1"/>
+              <a:t>document.getElementById</a:t>
+            </a:r>
+            <a:r>
+              <a:rPr lang="en-US" altLang="zh-CN" sz="900" dirty="0"/>
+              <a:t>(“</a:t>
+            </a:r>
+            <a:r>
+              <a:rPr lang="zh-CN" altLang="zh-CN" sz="900" dirty="0"/>
+              <a:t>修改头像</a:t>
+            </a:r>
+            <a:r>
+              <a:rPr lang="en-US" altLang="zh-CN" sz="900" dirty="0"/>
+              <a:t>”)</a:t>
+            </a:r>
+            <a:endParaRPr lang="zh-CN" altLang="zh-CN" sz="900" dirty="0"/>
+          </a:p>
+          <a:p>
+            <a:r>
+              <a:rPr lang="en-US" altLang="zh-CN" sz="900" dirty="0"/>
+              <a:t> </a:t>
+            </a:r>
+            <a:endParaRPr lang="zh-CN" altLang="zh-CN" sz="900" dirty="0"/>
+          </a:p>
+          <a:p>
+            <a:r>
+              <a:rPr lang="en-US" altLang="zh-CN" sz="900" dirty="0"/>
+              <a:t>If(Btn2.onclick)</a:t>
+            </a:r>
+            <a:endParaRPr lang="zh-CN" altLang="zh-CN" sz="900" dirty="0"/>
+          </a:p>
+          <a:p>
+            <a:r>
+              <a:rPr lang="en-US" altLang="zh-CN" sz="900" dirty="0"/>
+              <a:t>Then  change to </a:t>
+            </a:r>
+            <a:r>
+              <a:rPr lang="en-US" altLang="zh-CN" sz="900" dirty="0" err="1"/>
+              <a:t>changename</a:t>
+            </a:r>
+            <a:endParaRPr lang="zh-CN" altLang="zh-CN" sz="900" dirty="0"/>
+          </a:p>
+          <a:p>
+            <a:r>
+              <a:rPr lang="en-US" altLang="zh-CN" sz="900" dirty="0"/>
+              <a:t>Text newname=Text1.gettxt</a:t>
+            </a:r>
+            <a:endParaRPr lang="zh-CN" altLang="zh-CN" sz="900" dirty="0"/>
+          </a:p>
+          <a:p>
+            <a:pPr indent="400050"/>
+            <a:r>
+              <a:rPr lang="en-US" altLang="zh-CN" sz="900" dirty="0"/>
+              <a:t>Var Btn1=</a:t>
+            </a:r>
+            <a:r>
+              <a:rPr lang="en-US" altLang="zh-CN" sz="900" dirty="0" err="1"/>
+              <a:t>document.getElementById</a:t>
+            </a:r>
+            <a:r>
+              <a:rPr lang="en-US" altLang="zh-CN" sz="900" dirty="0"/>
+              <a:t>(“</a:t>
+            </a:r>
+            <a:r>
+              <a:rPr lang="zh-CN" altLang="zh-CN" sz="900" dirty="0"/>
+              <a:t>保存修改</a:t>
+            </a:r>
+            <a:r>
+              <a:rPr lang="en-US" altLang="zh-CN" sz="900" dirty="0"/>
+              <a:t>”)</a:t>
+            </a:r>
+            <a:endParaRPr lang="zh-CN" altLang="zh-CN" sz="900" dirty="0"/>
+          </a:p>
+          <a:p>
+            <a:pPr indent="400050"/>
+            <a:r>
+              <a:rPr lang="en-US" altLang="zh-CN" sz="900" dirty="0"/>
+              <a:t>If(Btn1.onclick)</a:t>
+            </a:r>
+            <a:endParaRPr lang="zh-CN" altLang="zh-CN" sz="900" dirty="0"/>
+          </a:p>
+          <a:p>
+            <a:pPr indent="400050"/>
+            <a:r>
+              <a:rPr lang="en-US" altLang="zh-CN" sz="900" dirty="0"/>
+              <a:t>Then Username=newname</a:t>
+            </a:r>
+            <a:endParaRPr lang="zh-CN" altLang="zh-CN" sz="900" dirty="0"/>
+          </a:p>
+          <a:p>
+            <a:r>
+              <a:rPr lang="en-US" altLang="zh-CN" sz="900" dirty="0"/>
+              <a:t> </a:t>
+            </a:r>
+            <a:endParaRPr lang="zh-CN" altLang="zh-CN" sz="900" dirty="0"/>
+          </a:p>
+          <a:p>
+            <a:r>
+              <a:rPr lang="en-US" altLang="zh-CN" sz="900" dirty="0"/>
+              <a:t>If(Btn3.onclick)</a:t>
+            </a:r>
+            <a:endParaRPr lang="zh-CN" altLang="zh-CN" sz="900" dirty="0"/>
+          </a:p>
+          <a:p>
+            <a:r>
+              <a:rPr lang="en-US" altLang="zh-CN" sz="900" dirty="0"/>
+              <a:t>Then change to </a:t>
+            </a:r>
+            <a:r>
+              <a:rPr lang="en-US" altLang="zh-CN" sz="900" dirty="0" err="1"/>
+              <a:t>runtoimg</a:t>
+            </a:r>
+            <a:endParaRPr lang="zh-CN" altLang="zh-CN" sz="900" dirty="0"/>
+          </a:p>
+          <a:p>
+            <a:r>
+              <a:rPr lang="en-US" altLang="zh-CN" sz="900" dirty="0"/>
+              <a:t>Var Btn1=</a:t>
+            </a:r>
+            <a:r>
+              <a:rPr lang="en-US" altLang="zh-CN" sz="900" dirty="0" err="1"/>
+              <a:t>document.getElementById</a:t>
+            </a:r>
+            <a:r>
+              <a:rPr lang="en-US" altLang="zh-CN" sz="900" dirty="0"/>
+              <a:t>(“</a:t>
+            </a:r>
+            <a:r>
+              <a:rPr lang="zh-CN" altLang="zh-CN" sz="900" dirty="0"/>
+              <a:t>保存修改</a:t>
+            </a:r>
+            <a:r>
+              <a:rPr lang="en-US" altLang="zh-CN" sz="900" dirty="0"/>
+              <a:t>”)</a:t>
+            </a:r>
+            <a:endParaRPr lang="zh-CN" altLang="zh-CN" sz="900" dirty="0"/>
+          </a:p>
+          <a:p>
+            <a:r>
+              <a:rPr lang="en-US" altLang="zh-CN" sz="900" dirty="0"/>
+              <a:t>If(Btn1.onclick)</a:t>
+            </a:r>
+            <a:endParaRPr lang="zh-CN" altLang="zh-CN" sz="900" dirty="0"/>
+          </a:p>
+          <a:p>
+            <a:r>
+              <a:rPr lang="en-US" altLang="zh-CN" sz="900" dirty="0"/>
+              <a:t>Then var </a:t>
+            </a:r>
+            <a:r>
+              <a:rPr lang="en-US" altLang="zh-CN" sz="900" dirty="0" err="1"/>
+              <a:t>img</a:t>
+            </a:r>
+            <a:r>
+              <a:rPr lang="en-US" altLang="zh-CN" sz="900" dirty="0"/>
+              <a:t>=</a:t>
+            </a:r>
+            <a:r>
+              <a:rPr lang="en-US" altLang="zh-CN" sz="900" dirty="0" err="1"/>
+              <a:t>document.getElementById</a:t>
+            </a:r>
+            <a:r>
+              <a:rPr lang="en-US" altLang="zh-CN" sz="900" dirty="0"/>
+              <a:t>("</a:t>
+            </a:r>
+            <a:r>
+              <a:rPr lang="en-US" altLang="zh-CN" sz="900" dirty="0" err="1"/>
+              <a:t>img</a:t>
+            </a:r>
+            <a:r>
+              <a:rPr lang="en-US" altLang="zh-CN" sz="900" dirty="0"/>
+              <a:t>");</a:t>
+            </a:r>
+            <a:endParaRPr lang="zh-CN" altLang="zh-CN" sz="900" dirty="0"/>
+          </a:p>
+          <a:p>
+            <a:r>
+              <a:rPr lang="en-US" altLang="zh-CN" sz="900" dirty="0"/>
+              <a:t> console.log(</a:t>
+            </a:r>
+            <a:r>
+              <a:rPr lang="en-US" altLang="zh-CN" sz="900" dirty="0" err="1"/>
+              <a:t>img.getAttribute</a:t>
+            </a:r>
+            <a:r>
+              <a:rPr lang="en-US" altLang="zh-CN" sz="900" dirty="0"/>
+              <a:t>("</a:t>
+            </a:r>
+            <a:r>
+              <a:rPr lang="en-US" altLang="zh-CN" sz="900" dirty="0" err="1"/>
+              <a:t>src</a:t>
+            </a:r>
+            <a:r>
+              <a:rPr lang="en-US" altLang="zh-CN" sz="900" dirty="0"/>
+              <a:t>"));</a:t>
+            </a:r>
+            <a:endParaRPr lang="zh-CN" altLang="zh-CN" sz="900" dirty="0"/>
+          </a:p>
+          <a:p>
+            <a:endParaRPr lang="zh-CN" altLang="zh-CN" sz="900" dirty="0"/>
           </a:p>
         </p:txBody>
       </p:sp>
     </p:spTree>
     <p:extLst>
       <p:ext uri="{BB962C8B-B14F-4D97-AF65-F5344CB8AC3E}">
-        <p14:creationId xmlns:p14="http://schemas.microsoft.com/office/powerpoint/2010/main" val="1902494840"/>
+        <p14:creationId xmlns:p14="http://schemas.microsoft.com/office/powerpoint/2010/main" val="3633370728"/>
       </p:ext>
     </p:extLst>
   </p:cSld>
@@ -8736,7 +10664,7 @@
         </p:nvSpPr>
         <p:spPr>
           <a:xfrm>
-            <a:off x="37011" y="285750"/>
+            <a:off x="-466143" y="285750"/>
             <a:ext cx="3669552" cy="507703"/>
           </a:xfrm>
           <a:prstGeom prst="rect">
@@ -8792,7 +10720,7 @@
                 <a:cs typeface="+mn-ea"/>
                 <a:sym typeface="+mn-lt"/>
               </a:rPr>
-              <a:t>9.</a:t>
+              <a:t>6.</a:t>
             </a:r>
             <a:r>
               <a:rPr lang="zh-CN" altLang="en-US" sz="2699" b="1" dirty="0">
@@ -8806,17 +10734,17 @@
                 <a:cs typeface="+mn-ea"/>
                 <a:sym typeface="+mn-lt"/>
               </a:rPr>
-              <a:t>小组分工及评价</a:t>
+              <a:t>配置管理说明</a:t>
             </a:r>
           </a:p>
         </p:txBody>
       </p:sp>
       <p:pic>
         <p:nvPicPr>
-          <p:cNvPr id="5" name="图片 4">
+          <p:cNvPr id="6" name="图片 5">
             <a:extLst>
               <a:ext uri="{FF2B5EF4-FFF2-40B4-BE49-F238E27FC236}">
-                <a16:creationId xmlns:a16="http://schemas.microsoft.com/office/drawing/2014/main" id="{96F36265-0A11-482C-AF2C-873BCA46D327}"/>
+                <a16:creationId xmlns:a16="http://schemas.microsoft.com/office/drawing/2014/main" id="{725FF921-14B8-80F9-CFEE-4DECFA0D2091}"/>
               </a:ext>
             </a:extLst>
           </p:cNvPr>
@@ -8833,8 +10761,8 @@
         </p:blipFill>
         <p:spPr>
           <a:xfrm>
-            <a:off x="1678494" y="895350"/>
-            <a:ext cx="5787011" cy="4058204"/>
+            <a:off x="2171700" y="1058980"/>
+            <a:ext cx="4800600" cy="4084520"/>
           </a:xfrm>
           <a:prstGeom prst="rect">
             <a:avLst/>
@@ -8844,7 +10772,7 @@
     </p:spTree>
     <p:extLst>
       <p:ext uri="{BB962C8B-B14F-4D97-AF65-F5344CB8AC3E}">
-        <p14:creationId xmlns:p14="http://schemas.microsoft.com/office/powerpoint/2010/main" val="605336132"/>
+        <p14:creationId xmlns:p14="http://schemas.microsoft.com/office/powerpoint/2010/main" val="1139717509"/>
       </p:ext>
     </p:extLst>
   </p:cSld>
@@ -8885,89 +10813,10 @@
       </p:grpSpPr>
       <p:sp>
         <p:nvSpPr>
-          <p:cNvPr id="2" name="灯片编号占位符 1">
+          <p:cNvPr id="2" name="等腰三角形 1">
             <a:extLst>
               <a:ext uri="{FF2B5EF4-FFF2-40B4-BE49-F238E27FC236}">
-                <a16:creationId xmlns:a16="http://schemas.microsoft.com/office/drawing/2014/main" id="{64C4F8D2-752F-1FD6-6328-62BF4EBA7AB9}"/>
-              </a:ext>
-            </a:extLst>
-          </p:cNvPr>
-          <p:cNvSpPr>
-            <a:spLocks noGrp="1"/>
-          </p:cNvSpPr>
-          <p:nvPr>
-            <p:ph type="sldNum" sz="quarter" idx="12"/>
-          </p:nvPr>
-        </p:nvSpPr>
-        <p:spPr/>
-        <p:txBody>
-          <a:bodyPr/>
-          <a:lstStyle/>
-          <a:p>
-            <a:fld id="{0C913308-F349-4B6D-A68A-DD1791B4A57B}" type="slidenum">
-              <a:rPr lang="zh-CN" altLang="en-US" smtClean="0">
-                <a:solidFill>
-                  <a:prstClr val="black">
-                    <a:tint val="75000"/>
-                  </a:prstClr>
-                </a:solidFill>
-              </a:rPr>
-              <a:pPr/>
-              <a:t>15</a:t>
-            </a:fld>
-            <a:endParaRPr lang="zh-CN" altLang="en-US">
-              <a:solidFill>
-                <a:prstClr val="black">
-                  <a:tint val="75000"/>
-                </a:prstClr>
-              </a:solidFill>
-            </a:endParaRPr>
-          </a:p>
-        </p:txBody>
-      </p:sp>
-      <p:pic>
-        <p:nvPicPr>
-          <p:cNvPr id="3" name="图片占位符 2">
-            <a:extLst>
-              <a:ext uri="{FF2B5EF4-FFF2-40B4-BE49-F238E27FC236}">
-                <a16:creationId xmlns:a16="http://schemas.microsoft.com/office/drawing/2014/main" id="{77B157F5-49F1-D8EC-22F1-476BE049A184}"/>
-              </a:ext>
-            </a:extLst>
-          </p:cNvPr>
-          <p:cNvPicPr>
-            <a:picLocks noChangeAspect="1"/>
-          </p:cNvPicPr>
-          <p:nvPr/>
-        </p:nvPicPr>
-        <p:blipFill>
-          <a:blip r:embed="rId2">
-            <a:extLst>
-              <a:ext uri="{28A0092B-C50C-407E-A947-70E740481C1C}">
-                <a14:useLocalDpi xmlns:a14="http://schemas.microsoft.com/office/drawing/2010/main" val="0"/>
-              </a:ext>
-            </a:extLst>
-          </a:blip>
-          <a:srcRect t="3125" b="3125"/>
-          <a:stretch>
-            <a:fillRect/>
-          </a:stretch>
-        </p:blipFill>
-        <p:spPr>
-          <a:xfrm>
-            <a:off x="0" y="0"/>
-            <a:ext cx="9144000" cy="5143500"/>
-          </a:xfrm>
-          <a:prstGeom prst="rect">
-            <a:avLst/>
-          </a:prstGeom>
-        </p:spPr>
-      </p:pic>
-      <p:sp>
-        <p:nvSpPr>
-          <p:cNvPr id="5" name="圆角矩形 4">
-            <a:extLst>
-              <a:ext uri="{FF2B5EF4-FFF2-40B4-BE49-F238E27FC236}">
-                <a16:creationId xmlns:a16="http://schemas.microsoft.com/office/drawing/2014/main" id="{52671DF5-D36A-91CC-1CEF-663DBCD0AA9E}"/>
+                <a16:creationId xmlns:a16="http://schemas.microsoft.com/office/drawing/2014/main" id="{04D61701-643F-4104-2892-F80CDBEBE2DD}"/>
               </a:ext>
             </a:extLst>
           </p:cNvPr>
@@ -8975,19 +10824,21 @@
           <p:nvPr/>
         </p:nvSpPr>
         <p:spPr>
-          <a:xfrm>
-            <a:off x="4419600" y="3269258"/>
-            <a:ext cx="4572000" cy="563290"/>
+          <a:xfrm rot="5400000">
+            <a:off x="3892677" y="-3898770"/>
+            <a:ext cx="1358647" cy="9144002"/>
           </a:xfrm>
-          <a:prstGeom prst="roundRect">
+          <a:prstGeom prst="triangle">
             <a:avLst>
-              <a:gd name="adj" fmla="val 50000"/>
+              <a:gd name="adj" fmla="val 0"/>
             </a:avLst>
           </a:prstGeom>
-          <a:noFill/>
-          <a:ln w="6350">
+          <a:solidFill>
+            <a:srgbClr val="44546A"/>
+          </a:solidFill>
+          <a:ln>
             <a:solidFill>
-              <a:schemeClr val="bg1"/>
+              <a:srgbClr val="44546A"/>
             </a:solidFill>
           </a:ln>
         </p:spPr>
@@ -9012,594 +10863,1265 @@
           <a:lstStyle/>
           <a:p>
             <a:pPr algn="ctr"/>
-            <a:r>
-              <a:rPr lang="en-US" altLang="zh-CN" sz="825" spc="450" dirty="0">
-                <a:solidFill>
-                  <a:prstClr val="white"/>
-                </a:solidFill>
-                <a:cs typeface="+mn-ea"/>
-                <a:sym typeface="+mn-lt"/>
-              </a:rPr>
-              <a:t>G06</a:t>
-            </a:r>
-          </a:p>
-          <a:p>
-            <a:pPr algn="ctr"/>
-            <a:r>
-              <a:rPr lang="zh-CN" altLang="en-US" sz="825" spc="450" dirty="0">
-                <a:solidFill>
-                  <a:prstClr val="white"/>
-                </a:solidFill>
-                <a:cs typeface="+mn-ea"/>
-                <a:sym typeface="+mn-lt"/>
-              </a:rPr>
-              <a:t>组长：胡晨炘</a:t>
-            </a:r>
-            <a:r>
-              <a:rPr lang="en-US" altLang="zh-CN" sz="825" spc="450" dirty="0">
-                <a:solidFill>
-                  <a:prstClr val="white"/>
-                </a:solidFill>
-                <a:cs typeface="+mn-ea"/>
-                <a:sym typeface="+mn-lt"/>
-              </a:rPr>
-              <a:t>	</a:t>
-            </a:r>
-            <a:r>
-              <a:rPr lang="zh-CN" altLang="en-US" sz="825" spc="450" dirty="0">
-                <a:solidFill>
-                  <a:prstClr val="white"/>
-                </a:solidFill>
-                <a:cs typeface="+mn-ea"/>
-                <a:sym typeface="+mn-lt"/>
-              </a:rPr>
-              <a:t>组员：邹雨哲</a:t>
-            </a:r>
-            <a:r>
-              <a:rPr lang="en-US" altLang="zh-CN" sz="825" spc="450" dirty="0">
-                <a:solidFill>
-                  <a:prstClr val="white"/>
-                </a:solidFill>
-                <a:cs typeface="+mn-ea"/>
-                <a:sym typeface="+mn-lt"/>
-              </a:rPr>
-              <a:t>	</a:t>
-            </a:r>
-            <a:r>
-              <a:rPr lang="zh-CN" altLang="en-US" sz="825" spc="450" dirty="0">
-                <a:solidFill>
-                  <a:prstClr val="white"/>
-                </a:solidFill>
-                <a:cs typeface="+mn-ea"/>
-                <a:sym typeface="+mn-lt"/>
-              </a:rPr>
-              <a:t>姚杰昇</a:t>
-            </a:r>
+            <a:endParaRPr lang="zh-CN" altLang="en-US"/>
           </a:p>
         </p:txBody>
       </p:sp>
       <p:sp>
         <p:nvSpPr>
-          <p:cNvPr id="6" name="矩形 259">
-            <a:extLst>
-              <a:ext uri="{FF2B5EF4-FFF2-40B4-BE49-F238E27FC236}">
-                <a16:creationId xmlns:a16="http://schemas.microsoft.com/office/drawing/2014/main" id="{DFE1FF59-5792-49E7-FB45-6E06078C686E}"/>
-              </a:ext>
-            </a:extLst>
-          </p:cNvPr>
-          <p:cNvSpPr>
-            <a:spLocks noChangeArrowheads="1"/>
-          </p:cNvSpPr>
+          <p:cNvPr id="27" name="文本框 26"/>
+          <p:cNvSpPr txBox="1"/>
           <p:nvPr/>
         </p:nvSpPr>
-        <p:spPr bwMode="auto">
+        <p:spPr>
           <a:xfrm>
-            <a:off x="4954644" y="1496641"/>
-            <a:ext cx="3501911" cy="923330"/>
+            <a:off x="-466143" y="285750"/>
+            <a:ext cx="3669552" cy="507703"/>
           </a:xfrm>
           <a:prstGeom prst="rect">
             <a:avLst/>
           </a:prstGeom>
           <a:noFill/>
-          <a:ln>
-            <a:noFill/>
-          </a:ln>
-          <a:effectLst/>
-          <a:extLst>
-            <a:ext uri="{909E8E84-426E-40DD-AFC4-6F175D3DCCD1}">
-              <a14:hiddenFill xmlns:a14="http://schemas.microsoft.com/office/drawing/2010/main">
-                <a:solidFill>
-                  <a:srgbClr val="FFFFFF"/>
-                </a:solidFill>
-              </a14:hiddenFill>
-            </a:ext>
-            <a:ext uri="{91240B29-F687-4F45-9708-019B960494DF}">
-              <a14:hiddenLine xmlns:a14="http://schemas.microsoft.com/office/drawing/2010/main" w="9525">
-                <a:solidFill>
-                  <a:srgbClr val="000000"/>
-                </a:solidFill>
-                <a:miter lim="800000"/>
-                <a:headEnd/>
-                <a:tailEnd/>
-              </a14:hiddenLine>
-            </a:ext>
-          </a:extLst>
         </p:spPr>
         <p:txBody>
-          <a:bodyPr wrap="square" lIns="0" tIns="0" rIns="0" bIns="0">
+          <a:bodyPr wrap="square">
             <a:spAutoFit/>
           </a:bodyPr>
           <a:lstStyle>
-            <a:lvl1pPr>
-              <a:spcBef>
-                <a:spcPct val="20000"/>
-              </a:spcBef>
-              <a:buFont typeface="Arial" panose="020B0604020202020204" pitchFamily="34" charset="0"/>
-              <a:buChar char="•"/>
-              <a:defRPr sz="3200">
-                <a:solidFill>
-                  <a:schemeClr val="tx1"/>
-                </a:solidFill>
+            <a:defPPr>
+              <a:defRPr lang="zh-CN"/>
+            </a:defPPr>
+            <a:lvl1pPr algn="ctr">
+              <a:lnSpc>
+                <a:spcPct val="150000"/>
+              </a:lnSpc>
+              <a:defRPr sz="1400">
+                <a:gradFill>
+                  <a:gsLst>
+                    <a:gs pos="0">
+                      <a:srgbClr val="08AEEA"/>
+                    </a:gs>
+                    <a:gs pos="100000">
+                      <a:srgbClr val="2AF598"/>
+                    </a:gs>
+                  </a:gsLst>
+                  <a:lin ang="2700000" scaled="0"/>
+                </a:gradFill>
                 <a:latin typeface="微软雅黑" panose="020B0503020204020204" pitchFamily="34" charset="-122"/>
                 <a:ea typeface="微软雅黑" panose="020B0503020204020204" pitchFamily="34" charset="-122"/>
-                <a:sym typeface="Calibri" panose="020F0502020204030204" pitchFamily="34" charset="0"/>
               </a:defRPr>
             </a:lvl1pPr>
-            <a:lvl2pPr marL="742950" indent="-285750">
-              <a:spcBef>
-                <a:spcPct val="20000"/>
-              </a:spcBef>
-              <a:buFont typeface="Arial" panose="020B0604020202020204" pitchFamily="34" charset="0"/>
-              <a:buChar char="–"/>
-              <a:defRPr sz="2800">
+          </a:lstStyle>
+          <a:p>
+            <a:pPr>
+              <a:lnSpc>
+                <a:spcPct val="100000"/>
+              </a:lnSpc>
+              <a:defRPr/>
+            </a:pPr>
+            <a:r>
+              <a:rPr lang="en-US" altLang="zh-CN" sz="2699" b="1" dirty="0">
                 <a:solidFill>
-                  <a:schemeClr val="tx1"/>
+                  <a:schemeClr val="bg2">
+                    <a:lumMod val="50000"/>
+                  </a:schemeClr>
                 </a:solidFill>
-                <a:latin typeface="微软雅黑" panose="020B0503020204020204" pitchFamily="34" charset="-122"/>
-                <a:ea typeface="微软雅黑" panose="020B0503020204020204" pitchFamily="34" charset="-122"/>
-                <a:sym typeface="Calibri" panose="020F0502020204030204" pitchFamily="34" charset="0"/>
-              </a:defRPr>
-            </a:lvl2pPr>
-            <a:lvl3pPr marL="1143000" indent="-228600">
-              <a:spcBef>
-                <a:spcPct val="20000"/>
-              </a:spcBef>
-              <a:buFont typeface="Arial" panose="020B0604020202020204" pitchFamily="34" charset="0"/>
-              <a:buChar char="•"/>
-              <a:defRPr sz="2400">
-                <a:solidFill>
-                  <a:schemeClr val="tx1"/>
-                </a:solidFill>
-                <a:latin typeface="微软雅黑" panose="020B0503020204020204" pitchFamily="34" charset="-122"/>
-                <a:ea typeface="微软雅黑" panose="020B0503020204020204" pitchFamily="34" charset="-122"/>
-                <a:sym typeface="Calibri" panose="020F0502020204030204" pitchFamily="34" charset="0"/>
-              </a:defRPr>
-            </a:lvl3pPr>
-            <a:lvl4pPr marL="1600200" indent="-228600">
-              <a:spcBef>
-                <a:spcPct val="20000"/>
-              </a:spcBef>
-              <a:buFont typeface="Arial" panose="020B0604020202020204" pitchFamily="34" charset="0"/>
-              <a:buChar char="–"/>
-              <a:defRPr sz="2000">
-                <a:solidFill>
-                  <a:schemeClr val="tx1"/>
-                </a:solidFill>
-                <a:latin typeface="微软雅黑" panose="020B0503020204020204" pitchFamily="34" charset="-122"/>
-                <a:ea typeface="微软雅黑" panose="020B0503020204020204" pitchFamily="34" charset="-122"/>
-                <a:sym typeface="Calibri" panose="020F0502020204030204" pitchFamily="34" charset="0"/>
-              </a:defRPr>
-            </a:lvl4pPr>
-            <a:lvl5pPr marL="2057400" indent="-228600">
-              <a:spcBef>
-                <a:spcPct val="20000"/>
-              </a:spcBef>
-              <a:buFont typeface="Arial" panose="020B0604020202020204" pitchFamily="34" charset="0"/>
-              <a:buChar char="»"/>
-              <a:defRPr sz="2000">
-                <a:solidFill>
-                  <a:schemeClr val="tx1"/>
-                </a:solidFill>
-                <a:latin typeface="微软雅黑" panose="020B0503020204020204" pitchFamily="34" charset="-122"/>
-                <a:ea typeface="微软雅黑" panose="020B0503020204020204" pitchFamily="34" charset="-122"/>
-                <a:sym typeface="Calibri" panose="020F0502020204030204" pitchFamily="34" charset="0"/>
-              </a:defRPr>
-            </a:lvl5pPr>
-            <a:lvl6pPr marL="2514600" indent="-228600" eaLnBrk="0" fontAlgn="base" hangingPunct="0">
-              <a:spcBef>
-                <a:spcPct val="20000"/>
-              </a:spcBef>
-              <a:spcAft>
-                <a:spcPct val="0"/>
-              </a:spcAft>
-              <a:buFont typeface="Arial" panose="020B0604020202020204" pitchFamily="34" charset="0"/>
-              <a:buChar char="»"/>
-              <a:defRPr sz="2000">
-                <a:solidFill>
-                  <a:schemeClr val="tx1"/>
-                </a:solidFill>
-                <a:latin typeface="微软雅黑" panose="020B0503020204020204" pitchFamily="34" charset="-122"/>
-                <a:ea typeface="微软雅黑" panose="020B0503020204020204" pitchFamily="34" charset="-122"/>
-                <a:sym typeface="Calibri" panose="020F0502020204030204" pitchFamily="34" charset="0"/>
-              </a:defRPr>
-            </a:lvl6pPr>
-            <a:lvl7pPr marL="2971800" indent="-228600" eaLnBrk="0" fontAlgn="base" hangingPunct="0">
-              <a:spcBef>
-                <a:spcPct val="20000"/>
-              </a:spcBef>
-              <a:spcAft>
-                <a:spcPct val="0"/>
-              </a:spcAft>
-              <a:buFont typeface="Arial" panose="020B0604020202020204" pitchFamily="34" charset="0"/>
-              <a:buChar char="»"/>
-              <a:defRPr sz="2000">
-                <a:solidFill>
-                  <a:schemeClr val="tx1"/>
-                </a:solidFill>
-                <a:latin typeface="微软雅黑" panose="020B0503020204020204" pitchFamily="34" charset="-122"/>
-                <a:ea typeface="微软雅黑" panose="020B0503020204020204" pitchFamily="34" charset="-122"/>
-                <a:sym typeface="Calibri" panose="020F0502020204030204" pitchFamily="34" charset="0"/>
-              </a:defRPr>
-            </a:lvl7pPr>
-            <a:lvl8pPr marL="3429000" indent="-228600" eaLnBrk="0" fontAlgn="base" hangingPunct="0">
-              <a:spcBef>
-                <a:spcPct val="20000"/>
-              </a:spcBef>
-              <a:spcAft>
-                <a:spcPct val="0"/>
-              </a:spcAft>
-              <a:buFont typeface="Arial" panose="020B0604020202020204" pitchFamily="34" charset="0"/>
-              <a:buChar char="»"/>
-              <a:defRPr sz="2000">
-                <a:solidFill>
-                  <a:schemeClr val="tx1"/>
-                </a:solidFill>
-                <a:latin typeface="微软雅黑" panose="020B0503020204020204" pitchFamily="34" charset="-122"/>
-                <a:ea typeface="微软雅黑" panose="020B0503020204020204" pitchFamily="34" charset="-122"/>
-                <a:sym typeface="Calibri" panose="020F0502020204030204" pitchFamily="34" charset="0"/>
-              </a:defRPr>
-            </a:lvl8pPr>
-            <a:lvl9pPr marL="3886200" indent="-228600" eaLnBrk="0" fontAlgn="base" hangingPunct="0">
-              <a:spcBef>
-                <a:spcPct val="20000"/>
-              </a:spcBef>
-              <a:spcAft>
-                <a:spcPct val="0"/>
-              </a:spcAft>
-              <a:buFont typeface="Arial" panose="020B0604020202020204" pitchFamily="34" charset="0"/>
-              <a:buChar char="»"/>
-              <a:defRPr sz="2000">
-                <a:solidFill>
-                  <a:schemeClr val="tx1"/>
-                </a:solidFill>
-                <a:latin typeface="微软雅黑" panose="020B0503020204020204" pitchFamily="34" charset="-122"/>
-                <a:ea typeface="微软雅黑" panose="020B0503020204020204" pitchFamily="34" charset="-122"/>
-                <a:sym typeface="Calibri" panose="020F0502020204030204" pitchFamily="34" charset="0"/>
-              </a:defRPr>
-            </a:lvl9pPr>
-          </a:lstStyle>
-          <a:p>
-            <a:pPr algn="dist">
-              <a:buFont typeface="Arial" panose="020B0604020202020204" pitchFamily="34" charset="0"/>
-              <a:buNone/>
-            </a:pPr>
-            <a:r>
-              <a:rPr lang="en-US" altLang="zh-CN" sz="6000" b="1" cap="all" dirty="0">
-                <a:solidFill>
-                  <a:prstClr val="white"/>
-                </a:solidFill>
-                <a:latin typeface="Arial"/>
-                <a:ea typeface="Microsoft YaHei"/>
+                <a:latin typeface="+mn-lt"/>
+                <a:ea typeface="+mn-ea"/>
                 <a:cs typeface="+mn-ea"/>
                 <a:sym typeface="+mn-lt"/>
               </a:rPr>
-              <a:t>Thanks</a:t>
-            </a:r>
-            <a:endParaRPr lang="zh-CN" altLang="en-US" sz="6000" b="1" cap="all" dirty="0">
-              <a:solidFill>
-                <a:prstClr val="white"/>
-              </a:solidFill>
-              <a:latin typeface="Arial"/>
-              <a:ea typeface="Microsoft YaHei"/>
-              <a:cs typeface="+mn-ea"/>
-              <a:sym typeface="+mn-lt"/>
-            </a:endParaRPr>
+              <a:t>7.</a:t>
+            </a:r>
+            <a:r>
+              <a:rPr lang="zh-CN" altLang="en-US" sz="2699" b="1" dirty="0">
+                <a:solidFill>
+                  <a:schemeClr val="bg2">
+                    <a:lumMod val="50000"/>
+                  </a:schemeClr>
+                </a:solidFill>
+                <a:latin typeface="+mn-lt"/>
+                <a:ea typeface="+mn-ea"/>
+                <a:cs typeface="+mn-ea"/>
+                <a:sym typeface="+mn-lt"/>
+              </a:rPr>
+              <a:t>会议纪要</a:t>
+            </a:r>
           </a:p>
         </p:txBody>
       </p:sp>
+      <p:pic>
+        <p:nvPicPr>
+          <p:cNvPr id="10" name="图片 9">
+            <a:extLst>
+              <a:ext uri="{FF2B5EF4-FFF2-40B4-BE49-F238E27FC236}">
+                <a16:creationId xmlns:a16="http://schemas.microsoft.com/office/drawing/2014/main" id="{4197AC31-4098-4417-A877-9857AC778678}"/>
+              </a:ext>
+            </a:extLst>
+          </p:cNvPr>
+          <p:cNvPicPr>
+            <a:picLocks noChangeAspect="1"/>
+          </p:cNvPicPr>
+          <p:nvPr/>
+        </p:nvPicPr>
+        <p:blipFill>
+          <a:blip r:embed="rId3"/>
+          <a:stretch>
+            <a:fillRect/>
+          </a:stretch>
+        </p:blipFill>
+        <p:spPr>
+          <a:xfrm>
+            <a:off x="1257300" y="1276350"/>
+            <a:ext cx="6629400" cy="3007355"/>
+          </a:xfrm>
+          <a:prstGeom prst="rect">
+            <a:avLst/>
+          </a:prstGeom>
+        </p:spPr>
+      </p:pic>
     </p:spTree>
     <p:extLst>
       <p:ext uri="{BB962C8B-B14F-4D97-AF65-F5344CB8AC3E}">
-        <p14:creationId xmlns:p14="http://schemas.microsoft.com/office/powerpoint/2010/main" val="4231583448"/>
+        <p14:creationId xmlns:p14="http://schemas.microsoft.com/office/powerpoint/2010/main" val="486458219"/>
       </p:ext>
     </p:extLst>
   </p:cSld>
   <p:clrMapOvr>
     <a:masterClrMapping/>
   </p:clrMapOvr>
-  <p:timing>
-    <p:tnLst>
-      <p:par>
-        <p:cTn id="1" dur="indefinite" restart="never" nodeType="tmRoot">
-          <p:childTnLst>
-            <p:seq concurrent="1" nextAc="seek">
-              <p:cTn id="2" dur="indefinite" nodeType="mainSeq">
-                <p:childTnLst>
-                  <p:par>
-                    <p:cTn id="3" fill="hold">
-                      <p:stCondLst>
-                        <p:cond delay="indefinite"/>
-                        <p:cond evt="onBegin" delay="0">
-                          <p:tn val="2"/>
-                        </p:cond>
-                      </p:stCondLst>
-                      <p:childTnLst>
-                        <p:par>
-                          <p:cTn id="4" fill="hold">
-                            <p:stCondLst>
-                              <p:cond delay="0"/>
-                            </p:stCondLst>
-                            <p:childTnLst>
-                              <p:par>
-                                <p:cTn id="5" presetID="41" presetClass="entr" presetSubtype="0" fill="hold" grpId="0" nodeType="afterEffect">
-                                  <p:stCondLst>
-                                    <p:cond delay="0"/>
-                                  </p:stCondLst>
-                                  <p:iterate type="lt">
-                                    <p:tmPct val="10000"/>
-                                  </p:iterate>
-                                  <p:childTnLst>
-                                    <p:set>
-                                      <p:cBhvr>
-                                        <p:cTn id="6" dur="1" fill="hold">
-                                          <p:stCondLst>
-                                            <p:cond delay="0"/>
-                                          </p:stCondLst>
-                                        </p:cTn>
-                                        <p:tgtEl>
-                                          <p:spTgt spid="6"/>
-                                        </p:tgtEl>
-                                        <p:attrNameLst>
-                                          <p:attrName>style.visibility</p:attrName>
-                                        </p:attrNameLst>
-                                      </p:cBhvr>
-                                      <p:to>
-                                        <p:strVal val="visible"/>
-                                      </p:to>
-                                    </p:set>
-                                    <p:anim calcmode="lin" valueType="num">
-                                      <p:cBhvr>
-                                        <p:cTn id="7" dur="500" fill="hold"/>
-                                        <p:tgtEl>
-                                          <p:spTgt spid="6"/>
-                                        </p:tgtEl>
-                                        <p:attrNameLst>
-                                          <p:attrName>ppt_x</p:attrName>
-                                        </p:attrNameLst>
-                                      </p:cBhvr>
-                                      <p:tavLst>
-                                        <p:tav tm="0">
-                                          <p:val>
-                                            <p:strVal val="#ppt_x"/>
-                                          </p:val>
-                                        </p:tav>
-                                        <p:tav tm="50000">
-                                          <p:val>
-                                            <p:strVal val="#ppt_x+.1"/>
-                                          </p:val>
-                                        </p:tav>
-                                        <p:tav tm="100000">
-                                          <p:val>
-                                            <p:strVal val="#ppt_x"/>
-                                          </p:val>
-                                        </p:tav>
-                                      </p:tavLst>
-                                    </p:anim>
-                                    <p:anim calcmode="lin" valueType="num">
-                                      <p:cBhvr>
-                                        <p:cTn id="8" dur="500" fill="hold"/>
-                                        <p:tgtEl>
-                                          <p:spTgt spid="6"/>
-                                        </p:tgtEl>
-                                        <p:attrNameLst>
-                                          <p:attrName>ppt_y</p:attrName>
-                                        </p:attrNameLst>
-                                      </p:cBhvr>
-                                      <p:tavLst>
-                                        <p:tav tm="0">
-                                          <p:val>
-                                            <p:strVal val="#ppt_y"/>
-                                          </p:val>
-                                        </p:tav>
-                                        <p:tav tm="100000">
-                                          <p:val>
-                                            <p:strVal val="#ppt_y"/>
-                                          </p:val>
-                                        </p:tav>
-                                      </p:tavLst>
-                                    </p:anim>
-                                    <p:anim calcmode="lin" valueType="num">
-                                      <p:cBhvr>
-                                        <p:cTn id="9" dur="500" fill="hold"/>
-                                        <p:tgtEl>
-                                          <p:spTgt spid="6"/>
-                                        </p:tgtEl>
-                                        <p:attrNameLst>
-                                          <p:attrName>ppt_h</p:attrName>
-                                        </p:attrNameLst>
-                                      </p:cBhvr>
-                                      <p:tavLst>
-                                        <p:tav tm="0">
-                                          <p:val>
-                                            <p:strVal val="#ppt_h/10"/>
-                                          </p:val>
-                                        </p:tav>
-                                        <p:tav tm="50000">
-                                          <p:val>
-                                            <p:strVal val="#ppt_h+.01"/>
-                                          </p:val>
-                                        </p:tav>
-                                        <p:tav tm="100000">
-                                          <p:val>
-                                            <p:strVal val="#ppt_h"/>
-                                          </p:val>
-                                        </p:tav>
-                                      </p:tavLst>
-                                    </p:anim>
-                                    <p:anim calcmode="lin" valueType="num">
-                                      <p:cBhvr>
-                                        <p:cTn id="10" dur="500" fill="hold"/>
-                                        <p:tgtEl>
-                                          <p:spTgt spid="6"/>
-                                        </p:tgtEl>
-                                        <p:attrNameLst>
-                                          <p:attrName>ppt_w</p:attrName>
-                                        </p:attrNameLst>
-                                      </p:cBhvr>
-                                      <p:tavLst>
-                                        <p:tav tm="0">
-                                          <p:val>
-                                            <p:strVal val="#ppt_w/10"/>
-                                          </p:val>
-                                        </p:tav>
-                                        <p:tav tm="50000">
-                                          <p:val>
-                                            <p:strVal val="#ppt_w+.01"/>
-                                          </p:val>
-                                        </p:tav>
-                                        <p:tav tm="100000">
-                                          <p:val>
-                                            <p:strVal val="#ppt_w"/>
-                                          </p:val>
-                                        </p:tav>
-                                      </p:tavLst>
-                                    </p:anim>
-                                    <p:animEffect transition="in" filter="fade">
-                                      <p:cBhvr>
-                                        <p:cTn id="11" dur="500" tmFilter="0,0; .5, 1; 1, 1"/>
-                                        <p:tgtEl>
-                                          <p:spTgt spid="6"/>
-                                        </p:tgtEl>
-                                      </p:cBhvr>
-                                    </p:animEffect>
-                                  </p:childTnLst>
-                                </p:cTn>
-                              </p:par>
-                            </p:childTnLst>
-                          </p:cTn>
-                        </p:par>
-                        <p:par>
-                          <p:cTn id="12" fill="hold">
-                            <p:stCondLst>
-                              <p:cond delay="750"/>
-                            </p:stCondLst>
-                            <p:childTnLst>
-                              <p:par>
-                                <p:cTn id="13" presetID="26" presetClass="emph" presetSubtype="0" fill="hold" grpId="1" nodeType="afterEffect">
-                                  <p:stCondLst>
-                                    <p:cond delay="0"/>
-                                  </p:stCondLst>
-                                  <p:iterate type="lt">
-                                    <p:tmPct val="0"/>
-                                  </p:iterate>
-                                  <p:childTnLst>
-                                    <p:animEffect transition="out" filter="fade">
-                                      <p:cBhvr>
-                                        <p:cTn id="14" dur="500" tmFilter="0, 0; .2, .5; .8, .5; 1, 0"/>
-                                        <p:tgtEl>
-                                          <p:spTgt spid="6"/>
-                                        </p:tgtEl>
-                                      </p:cBhvr>
-                                    </p:animEffect>
-                                    <p:animScale>
-                                      <p:cBhvr>
-                                        <p:cTn id="15" dur="250" autoRev="1" fill="hold"/>
-                                        <p:tgtEl>
-                                          <p:spTgt spid="6"/>
-                                        </p:tgtEl>
-                                      </p:cBhvr>
-                                      <p:by x="105000" y="105000"/>
-                                    </p:animScale>
-                                  </p:childTnLst>
-                                </p:cTn>
-                              </p:par>
-                            </p:childTnLst>
-                          </p:cTn>
-                        </p:par>
-                        <p:par>
-                          <p:cTn id="16" fill="hold">
-                            <p:stCondLst>
-                              <p:cond delay="1250"/>
-                            </p:stCondLst>
-                            <p:childTnLst>
-                              <p:par>
-                                <p:cTn id="17" presetID="6" presetClass="entr" presetSubtype="16" fill="hold" grpId="0" nodeType="afterEffect">
-                                  <p:stCondLst>
-                                    <p:cond delay="0"/>
-                                  </p:stCondLst>
-                                  <p:childTnLst>
-                                    <p:set>
-                                      <p:cBhvr>
-                                        <p:cTn id="18" dur="1" fill="hold">
-                                          <p:stCondLst>
-                                            <p:cond delay="0"/>
-                                          </p:stCondLst>
-                                        </p:cTn>
-                                        <p:tgtEl>
-                                          <p:spTgt spid="5"/>
-                                        </p:tgtEl>
-                                        <p:attrNameLst>
-                                          <p:attrName>style.visibility</p:attrName>
-                                        </p:attrNameLst>
-                                      </p:cBhvr>
-                                      <p:to>
-                                        <p:strVal val="visible"/>
-                                      </p:to>
-                                    </p:set>
-                                    <p:animEffect transition="in" filter="circle(in)">
-                                      <p:cBhvr>
-                                        <p:cTn id="19" dur="2000"/>
-                                        <p:tgtEl>
-                                          <p:spTgt spid="5"/>
-                                        </p:tgtEl>
-                                      </p:cBhvr>
-                                    </p:animEffect>
-                                  </p:childTnLst>
-                                </p:cTn>
-                              </p:par>
-                            </p:childTnLst>
-                          </p:cTn>
-                        </p:par>
-                      </p:childTnLst>
-                    </p:cTn>
-                  </p:par>
-                </p:childTnLst>
-              </p:cTn>
-              <p:prevCondLst>
-                <p:cond evt="onPrev" delay="0">
-                  <p:tgtEl>
-                    <p:sldTgt/>
-                  </p:tgtEl>
-                </p:cond>
-              </p:prevCondLst>
-              <p:nextCondLst>
-                <p:cond evt="onNext" delay="0">
-                  <p:tgtEl>
-                    <p:sldTgt/>
-                  </p:tgtEl>
-                </p:cond>
-              </p:nextCondLst>
-            </p:seq>
-          </p:childTnLst>
-        </p:cTn>
-      </p:par>
-    </p:tnLst>
-    <p:bldLst>
-      <p:bldP spid="5" grpId="0" animBg="1"/>
-      <p:bldP spid="6" grpId="0"/>
-      <p:bldP spid="6" grpId="1"/>
-    </p:bldLst>
-  </p:timing>
+  <mc:AlternateContent xmlns:mc="http://schemas.openxmlformats.org/markup-compatibility/2006" xmlns:p14="http://schemas.microsoft.com/office/powerpoint/2010/main">
+    <mc:Choice Requires="p14">
+      <p:transition spd="slow" p14:dur="1600">
+        <p14:gallery dir="l"/>
+      </p:transition>
+    </mc:Choice>
+    <mc:Fallback xmlns="">
+      <p:transition spd="slow">
+        <p:fade/>
+      </p:transition>
+    </mc:Fallback>
+  </mc:AlternateContent>
+</p:sld>
+</file>
+
+<file path=ppt/slides/slide16.xml><?xml version="1.0" encoding="utf-8"?>
+<p:sld xmlns:a="http://schemas.openxmlformats.org/drawingml/2006/main" xmlns:r="http://schemas.openxmlformats.org/officeDocument/2006/relationships" xmlns:p="http://schemas.openxmlformats.org/presentationml/2006/main">
+  <p:cSld>
+    <p:spTree>
+      <p:nvGrpSpPr>
+        <p:cNvPr id="1" name=""/>
+        <p:cNvGrpSpPr/>
+        <p:nvPr/>
+      </p:nvGrpSpPr>
+      <p:grpSpPr>
+        <a:xfrm>
+          <a:off x="0" y="0"/>
+          <a:ext cx="0" cy="0"/>
+          <a:chOff x="0" y="0"/>
+          <a:chExt cx="0" cy="0"/>
+        </a:xfrm>
+      </p:grpSpPr>
+      <p:sp>
+        <p:nvSpPr>
+          <p:cNvPr id="2" name="等腰三角形 1">
+            <a:extLst>
+              <a:ext uri="{FF2B5EF4-FFF2-40B4-BE49-F238E27FC236}">
+                <a16:creationId xmlns:a16="http://schemas.microsoft.com/office/drawing/2014/main" id="{04D61701-643F-4104-2892-F80CDBEBE2DD}"/>
+              </a:ext>
+            </a:extLst>
+          </p:cNvPr>
+          <p:cNvSpPr/>
+          <p:nvPr/>
+        </p:nvSpPr>
+        <p:spPr>
+          <a:xfrm rot="5400000">
+            <a:off x="3892677" y="-3898770"/>
+            <a:ext cx="1358647" cy="9144002"/>
+          </a:xfrm>
+          <a:prstGeom prst="triangle">
+            <a:avLst>
+              <a:gd name="adj" fmla="val 0"/>
+            </a:avLst>
+          </a:prstGeom>
+          <a:solidFill>
+            <a:srgbClr val="44546A"/>
+          </a:solidFill>
+          <a:ln>
+            <a:solidFill>
+              <a:srgbClr val="44546A"/>
+            </a:solidFill>
+          </a:ln>
+        </p:spPr>
+        <p:style>
+          <a:lnRef idx="2">
+            <a:schemeClr val="accent1">
+              <a:shade val="50000"/>
+            </a:schemeClr>
+          </a:lnRef>
+          <a:fillRef idx="1">
+            <a:schemeClr val="accent1"/>
+          </a:fillRef>
+          <a:effectRef idx="0">
+            <a:schemeClr val="accent1"/>
+          </a:effectRef>
+          <a:fontRef idx="minor">
+            <a:schemeClr val="lt1"/>
+          </a:fontRef>
+        </p:style>
+        <p:txBody>
+          <a:bodyPr rtlCol="0" anchor="ctr"/>
+          <a:lstStyle/>
+          <a:p>
+            <a:pPr algn="ctr"/>
+            <a:endParaRPr lang="zh-CN" altLang="en-US"/>
+          </a:p>
+        </p:txBody>
+      </p:sp>
+      <p:sp>
+        <p:nvSpPr>
+          <p:cNvPr id="27" name="文本框 26"/>
+          <p:cNvSpPr txBox="1"/>
+          <p:nvPr/>
+        </p:nvSpPr>
+        <p:spPr>
+          <a:xfrm>
+            <a:off x="-466143" y="285750"/>
+            <a:ext cx="3669552" cy="507703"/>
+          </a:xfrm>
+          <a:prstGeom prst="rect">
+            <a:avLst/>
+          </a:prstGeom>
+          <a:noFill/>
+        </p:spPr>
+        <p:txBody>
+          <a:bodyPr wrap="square">
+            <a:spAutoFit/>
+          </a:bodyPr>
+          <a:lstStyle>
+            <a:defPPr>
+              <a:defRPr lang="zh-CN"/>
+            </a:defPPr>
+            <a:lvl1pPr algn="ctr">
+              <a:lnSpc>
+                <a:spcPct val="150000"/>
+              </a:lnSpc>
+              <a:defRPr sz="1400">
+                <a:gradFill>
+                  <a:gsLst>
+                    <a:gs pos="0">
+                      <a:srgbClr val="08AEEA"/>
+                    </a:gs>
+                    <a:gs pos="100000">
+                      <a:srgbClr val="2AF598"/>
+                    </a:gs>
+                  </a:gsLst>
+                  <a:lin ang="2700000" scaled="0"/>
+                </a:gradFill>
+                <a:latin typeface="微软雅黑" panose="020B0503020204020204" pitchFamily="34" charset="-122"/>
+                <a:ea typeface="微软雅黑" panose="020B0503020204020204" pitchFamily="34" charset="-122"/>
+              </a:defRPr>
+            </a:lvl1pPr>
+          </a:lstStyle>
+          <a:p>
+            <a:pPr>
+              <a:lnSpc>
+                <a:spcPct val="100000"/>
+              </a:lnSpc>
+              <a:defRPr/>
+            </a:pPr>
+            <a:r>
+              <a:rPr lang="en-US" altLang="zh-CN" sz="2699" b="1" dirty="0">
+                <a:solidFill>
+                  <a:schemeClr val="bg2">
+                    <a:lumMod val="50000"/>
+                  </a:schemeClr>
+                </a:solidFill>
+                <a:latin typeface="+mn-lt"/>
+                <a:ea typeface="+mn-ea"/>
+                <a:cs typeface="+mn-ea"/>
+                <a:sym typeface="+mn-lt"/>
+              </a:rPr>
+              <a:t>7.</a:t>
+            </a:r>
+            <a:r>
+              <a:rPr lang="zh-CN" altLang="en-US" sz="2699" b="1" dirty="0">
+                <a:solidFill>
+                  <a:schemeClr val="bg2">
+                    <a:lumMod val="50000"/>
+                  </a:schemeClr>
+                </a:solidFill>
+                <a:latin typeface="+mn-lt"/>
+                <a:ea typeface="+mn-ea"/>
+                <a:cs typeface="+mn-ea"/>
+                <a:sym typeface="+mn-lt"/>
+              </a:rPr>
+              <a:t>会议纪要</a:t>
+            </a:r>
+          </a:p>
+        </p:txBody>
+      </p:sp>
+      <p:pic>
+        <p:nvPicPr>
+          <p:cNvPr id="4" name="图片 3">
+            <a:extLst>
+              <a:ext uri="{FF2B5EF4-FFF2-40B4-BE49-F238E27FC236}">
+                <a16:creationId xmlns:a16="http://schemas.microsoft.com/office/drawing/2014/main" id="{D80A06C0-D3A1-4B6C-B6BF-D807A478FE17}"/>
+              </a:ext>
+            </a:extLst>
+          </p:cNvPr>
+          <p:cNvPicPr>
+            <a:picLocks noChangeAspect="1"/>
+          </p:cNvPicPr>
+          <p:nvPr/>
+        </p:nvPicPr>
+        <p:blipFill>
+          <a:blip r:embed="rId3"/>
+          <a:stretch>
+            <a:fillRect/>
+          </a:stretch>
+        </p:blipFill>
+        <p:spPr>
+          <a:xfrm>
+            <a:off x="1602025" y="1123950"/>
+            <a:ext cx="5939949" cy="3543854"/>
+          </a:xfrm>
+          <a:prstGeom prst="rect">
+            <a:avLst/>
+          </a:prstGeom>
+        </p:spPr>
+      </p:pic>
+    </p:spTree>
+    <p:extLst>
+      <p:ext uri="{BB962C8B-B14F-4D97-AF65-F5344CB8AC3E}">
+        <p14:creationId xmlns:p14="http://schemas.microsoft.com/office/powerpoint/2010/main" val="4239225287"/>
+      </p:ext>
+    </p:extLst>
+  </p:cSld>
+  <p:clrMapOvr>
+    <a:masterClrMapping/>
+  </p:clrMapOvr>
+  <mc:AlternateContent xmlns:mc="http://schemas.openxmlformats.org/markup-compatibility/2006" xmlns:p14="http://schemas.microsoft.com/office/powerpoint/2010/main">
+    <mc:Choice Requires="p14">
+      <p:transition spd="slow" p14:dur="1600">
+        <p14:gallery dir="l"/>
+      </p:transition>
+    </mc:Choice>
+    <mc:Fallback xmlns="">
+      <p:transition spd="slow">
+        <p:fade/>
+      </p:transition>
+    </mc:Fallback>
+  </mc:AlternateContent>
+</p:sld>
+</file>
+
+<file path=ppt/slides/slide17.xml><?xml version="1.0" encoding="utf-8"?>
+<p:sld xmlns:a="http://schemas.openxmlformats.org/drawingml/2006/main" xmlns:r="http://schemas.openxmlformats.org/officeDocument/2006/relationships" xmlns:p="http://schemas.openxmlformats.org/presentationml/2006/main">
+  <p:cSld>
+    <p:spTree>
+      <p:nvGrpSpPr>
+        <p:cNvPr id="1" name=""/>
+        <p:cNvGrpSpPr/>
+        <p:nvPr/>
+      </p:nvGrpSpPr>
+      <p:grpSpPr>
+        <a:xfrm>
+          <a:off x="0" y="0"/>
+          <a:ext cx="0" cy="0"/>
+          <a:chOff x="0" y="0"/>
+          <a:chExt cx="0" cy="0"/>
+        </a:xfrm>
+      </p:grpSpPr>
+      <p:sp>
+        <p:nvSpPr>
+          <p:cNvPr id="2" name="等腰三角形 1">
+            <a:extLst>
+              <a:ext uri="{FF2B5EF4-FFF2-40B4-BE49-F238E27FC236}">
+                <a16:creationId xmlns:a16="http://schemas.microsoft.com/office/drawing/2014/main" id="{04D61701-643F-4104-2892-F80CDBEBE2DD}"/>
+              </a:ext>
+            </a:extLst>
+          </p:cNvPr>
+          <p:cNvSpPr/>
+          <p:nvPr/>
+        </p:nvSpPr>
+        <p:spPr>
+          <a:xfrm rot="5400000">
+            <a:off x="3892677" y="-3898770"/>
+            <a:ext cx="1358647" cy="9144002"/>
+          </a:xfrm>
+          <a:prstGeom prst="triangle">
+            <a:avLst>
+              <a:gd name="adj" fmla="val 0"/>
+            </a:avLst>
+          </a:prstGeom>
+          <a:solidFill>
+            <a:srgbClr val="44546A"/>
+          </a:solidFill>
+          <a:ln>
+            <a:solidFill>
+              <a:srgbClr val="44546A"/>
+            </a:solidFill>
+          </a:ln>
+        </p:spPr>
+        <p:style>
+          <a:lnRef idx="2">
+            <a:schemeClr val="accent1">
+              <a:shade val="50000"/>
+            </a:schemeClr>
+          </a:lnRef>
+          <a:fillRef idx="1">
+            <a:schemeClr val="accent1"/>
+          </a:fillRef>
+          <a:effectRef idx="0">
+            <a:schemeClr val="accent1"/>
+          </a:effectRef>
+          <a:fontRef idx="minor">
+            <a:schemeClr val="lt1"/>
+          </a:fontRef>
+        </p:style>
+        <p:txBody>
+          <a:bodyPr rtlCol="0" anchor="ctr"/>
+          <a:lstStyle/>
+          <a:p>
+            <a:pPr algn="ctr"/>
+            <a:endParaRPr lang="zh-CN" altLang="en-US"/>
+          </a:p>
+        </p:txBody>
+      </p:sp>
+      <p:sp>
+        <p:nvSpPr>
+          <p:cNvPr id="27" name="文本框 26"/>
+          <p:cNvSpPr txBox="1"/>
+          <p:nvPr/>
+        </p:nvSpPr>
+        <p:spPr>
+          <a:xfrm>
+            <a:off x="-466143" y="285750"/>
+            <a:ext cx="3669552" cy="507703"/>
+          </a:xfrm>
+          <a:prstGeom prst="rect">
+            <a:avLst/>
+          </a:prstGeom>
+          <a:noFill/>
+        </p:spPr>
+        <p:txBody>
+          <a:bodyPr wrap="square">
+            <a:spAutoFit/>
+          </a:bodyPr>
+          <a:lstStyle>
+            <a:defPPr>
+              <a:defRPr lang="zh-CN"/>
+            </a:defPPr>
+            <a:lvl1pPr algn="ctr">
+              <a:lnSpc>
+                <a:spcPct val="150000"/>
+              </a:lnSpc>
+              <a:defRPr sz="1400">
+                <a:gradFill>
+                  <a:gsLst>
+                    <a:gs pos="0">
+                      <a:srgbClr val="08AEEA"/>
+                    </a:gs>
+                    <a:gs pos="100000">
+                      <a:srgbClr val="2AF598"/>
+                    </a:gs>
+                  </a:gsLst>
+                  <a:lin ang="2700000" scaled="0"/>
+                </a:gradFill>
+                <a:latin typeface="微软雅黑" panose="020B0503020204020204" pitchFamily="34" charset="-122"/>
+                <a:ea typeface="微软雅黑" panose="020B0503020204020204" pitchFamily="34" charset="-122"/>
+              </a:defRPr>
+            </a:lvl1pPr>
+          </a:lstStyle>
+          <a:p>
+            <a:pPr>
+              <a:lnSpc>
+                <a:spcPct val="100000"/>
+              </a:lnSpc>
+              <a:defRPr/>
+            </a:pPr>
+            <a:r>
+              <a:rPr lang="en-US" altLang="zh-CN" sz="2699" b="1" dirty="0">
+                <a:solidFill>
+                  <a:schemeClr val="bg2">
+                    <a:lumMod val="50000"/>
+                  </a:schemeClr>
+                </a:solidFill>
+                <a:latin typeface="+mn-lt"/>
+                <a:ea typeface="+mn-ea"/>
+                <a:cs typeface="+mn-ea"/>
+                <a:sym typeface="+mn-lt"/>
+              </a:rPr>
+              <a:t>7.</a:t>
+            </a:r>
+            <a:r>
+              <a:rPr lang="zh-CN" altLang="en-US" sz="2699" b="1" dirty="0">
+                <a:solidFill>
+                  <a:schemeClr val="bg2">
+                    <a:lumMod val="50000"/>
+                  </a:schemeClr>
+                </a:solidFill>
+                <a:latin typeface="+mn-lt"/>
+                <a:ea typeface="+mn-ea"/>
+                <a:cs typeface="+mn-ea"/>
+                <a:sym typeface="+mn-lt"/>
+              </a:rPr>
+              <a:t>会议纪要</a:t>
+            </a:r>
+          </a:p>
+        </p:txBody>
+      </p:sp>
+      <p:pic>
+        <p:nvPicPr>
+          <p:cNvPr id="9" name="图片 8">
+            <a:extLst>
+              <a:ext uri="{FF2B5EF4-FFF2-40B4-BE49-F238E27FC236}">
+                <a16:creationId xmlns:a16="http://schemas.microsoft.com/office/drawing/2014/main" id="{444C6131-B41D-888C-6A65-D5E30E6015D7}"/>
+              </a:ext>
+            </a:extLst>
+          </p:cNvPr>
+          <p:cNvPicPr>
+            <a:picLocks noChangeAspect="1"/>
+          </p:cNvPicPr>
+          <p:nvPr/>
+        </p:nvPicPr>
+        <p:blipFill>
+          <a:blip r:embed="rId3"/>
+          <a:stretch>
+            <a:fillRect/>
+          </a:stretch>
+        </p:blipFill>
+        <p:spPr>
+          <a:xfrm>
+            <a:off x="1361781" y="1504950"/>
+            <a:ext cx="6420438" cy="3195693"/>
+          </a:xfrm>
+          <a:prstGeom prst="rect">
+            <a:avLst/>
+          </a:prstGeom>
+        </p:spPr>
+      </p:pic>
+    </p:spTree>
+    <p:extLst>
+      <p:ext uri="{BB962C8B-B14F-4D97-AF65-F5344CB8AC3E}">
+        <p14:creationId xmlns:p14="http://schemas.microsoft.com/office/powerpoint/2010/main" val="153946233"/>
+      </p:ext>
+    </p:extLst>
+  </p:cSld>
+  <p:clrMapOvr>
+    <a:masterClrMapping/>
+  </p:clrMapOvr>
+  <mc:AlternateContent xmlns:mc="http://schemas.openxmlformats.org/markup-compatibility/2006" xmlns:p14="http://schemas.microsoft.com/office/powerpoint/2010/main">
+    <mc:Choice Requires="p14">
+      <p:transition spd="slow" p14:dur="1600">
+        <p14:gallery dir="l"/>
+      </p:transition>
+    </mc:Choice>
+    <mc:Fallback xmlns="">
+      <p:transition spd="slow">
+        <p:fade/>
+      </p:transition>
+    </mc:Fallback>
+  </mc:AlternateContent>
+</p:sld>
+</file>
+
+<file path=ppt/slides/slide18.xml><?xml version="1.0" encoding="utf-8"?>
+<p:sld xmlns:a="http://schemas.openxmlformats.org/drawingml/2006/main" xmlns:r="http://schemas.openxmlformats.org/officeDocument/2006/relationships" xmlns:p="http://schemas.openxmlformats.org/presentationml/2006/main">
+  <p:cSld>
+    <p:spTree>
+      <p:nvGrpSpPr>
+        <p:cNvPr id="1" name=""/>
+        <p:cNvGrpSpPr/>
+        <p:nvPr/>
+      </p:nvGrpSpPr>
+      <p:grpSpPr>
+        <a:xfrm>
+          <a:off x="0" y="0"/>
+          <a:ext cx="0" cy="0"/>
+          <a:chOff x="0" y="0"/>
+          <a:chExt cx="0" cy="0"/>
+        </a:xfrm>
+      </p:grpSpPr>
+      <p:sp>
+        <p:nvSpPr>
+          <p:cNvPr id="2" name="等腰三角形 1">
+            <a:extLst>
+              <a:ext uri="{FF2B5EF4-FFF2-40B4-BE49-F238E27FC236}">
+                <a16:creationId xmlns:a16="http://schemas.microsoft.com/office/drawing/2014/main" id="{04D61701-643F-4104-2892-F80CDBEBE2DD}"/>
+              </a:ext>
+            </a:extLst>
+          </p:cNvPr>
+          <p:cNvSpPr/>
+          <p:nvPr/>
+        </p:nvSpPr>
+        <p:spPr>
+          <a:xfrm rot="5400000">
+            <a:off x="3892677" y="-3898770"/>
+            <a:ext cx="1358647" cy="9144002"/>
+          </a:xfrm>
+          <a:prstGeom prst="triangle">
+            <a:avLst>
+              <a:gd name="adj" fmla="val 0"/>
+            </a:avLst>
+          </a:prstGeom>
+          <a:solidFill>
+            <a:srgbClr val="44546A"/>
+          </a:solidFill>
+          <a:ln>
+            <a:solidFill>
+              <a:srgbClr val="44546A"/>
+            </a:solidFill>
+          </a:ln>
+        </p:spPr>
+        <p:style>
+          <a:lnRef idx="2">
+            <a:schemeClr val="accent1">
+              <a:shade val="50000"/>
+            </a:schemeClr>
+          </a:lnRef>
+          <a:fillRef idx="1">
+            <a:schemeClr val="accent1"/>
+          </a:fillRef>
+          <a:effectRef idx="0">
+            <a:schemeClr val="accent1"/>
+          </a:effectRef>
+          <a:fontRef idx="minor">
+            <a:schemeClr val="lt1"/>
+          </a:fontRef>
+        </p:style>
+        <p:txBody>
+          <a:bodyPr rtlCol="0" anchor="ctr"/>
+          <a:lstStyle/>
+          <a:p>
+            <a:pPr algn="ctr"/>
+            <a:endParaRPr lang="zh-CN" altLang="en-US"/>
+          </a:p>
+        </p:txBody>
+      </p:sp>
+      <p:sp>
+        <p:nvSpPr>
+          <p:cNvPr id="27" name="文本框 26"/>
+          <p:cNvSpPr txBox="1"/>
+          <p:nvPr/>
+        </p:nvSpPr>
+        <p:spPr>
+          <a:xfrm>
+            <a:off x="-466143" y="285750"/>
+            <a:ext cx="3669552" cy="507703"/>
+          </a:xfrm>
+          <a:prstGeom prst="rect">
+            <a:avLst/>
+          </a:prstGeom>
+          <a:noFill/>
+        </p:spPr>
+        <p:txBody>
+          <a:bodyPr wrap="square">
+            <a:spAutoFit/>
+          </a:bodyPr>
+          <a:lstStyle>
+            <a:defPPr>
+              <a:defRPr lang="zh-CN"/>
+            </a:defPPr>
+            <a:lvl1pPr algn="ctr">
+              <a:lnSpc>
+                <a:spcPct val="150000"/>
+              </a:lnSpc>
+              <a:defRPr sz="1400">
+                <a:gradFill>
+                  <a:gsLst>
+                    <a:gs pos="0">
+                      <a:srgbClr val="08AEEA"/>
+                    </a:gs>
+                    <a:gs pos="100000">
+                      <a:srgbClr val="2AF598"/>
+                    </a:gs>
+                  </a:gsLst>
+                  <a:lin ang="2700000" scaled="0"/>
+                </a:gradFill>
+                <a:latin typeface="微软雅黑" panose="020B0503020204020204" pitchFamily="34" charset="-122"/>
+                <a:ea typeface="微软雅黑" panose="020B0503020204020204" pitchFamily="34" charset="-122"/>
+              </a:defRPr>
+            </a:lvl1pPr>
+          </a:lstStyle>
+          <a:p>
+            <a:pPr>
+              <a:lnSpc>
+                <a:spcPct val="100000"/>
+              </a:lnSpc>
+              <a:defRPr/>
+            </a:pPr>
+            <a:r>
+              <a:rPr lang="en-US" altLang="zh-CN" sz="2699" b="1" dirty="0">
+                <a:solidFill>
+                  <a:schemeClr val="bg2">
+                    <a:lumMod val="50000"/>
+                  </a:schemeClr>
+                </a:solidFill>
+                <a:latin typeface="+mn-lt"/>
+                <a:ea typeface="+mn-ea"/>
+                <a:cs typeface="+mn-ea"/>
+                <a:sym typeface="+mn-lt"/>
+              </a:rPr>
+              <a:t>7.</a:t>
+            </a:r>
+            <a:r>
+              <a:rPr lang="zh-CN" altLang="en-US" sz="2699" b="1" dirty="0">
+                <a:solidFill>
+                  <a:schemeClr val="bg2">
+                    <a:lumMod val="50000"/>
+                  </a:schemeClr>
+                </a:solidFill>
+                <a:latin typeface="+mn-lt"/>
+                <a:ea typeface="+mn-ea"/>
+                <a:cs typeface="+mn-ea"/>
+                <a:sym typeface="+mn-lt"/>
+              </a:rPr>
+              <a:t>会议纪要</a:t>
+            </a:r>
+          </a:p>
+        </p:txBody>
+      </p:sp>
+      <p:pic>
+        <p:nvPicPr>
+          <p:cNvPr id="5" name="图片 4">
+            <a:extLst>
+              <a:ext uri="{FF2B5EF4-FFF2-40B4-BE49-F238E27FC236}">
+                <a16:creationId xmlns:a16="http://schemas.microsoft.com/office/drawing/2014/main" id="{1E4FCE05-3099-74C3-FA08-257B1132C85B}"/>
+              </a:ext>
+            </a:extLst>
+          </p:cNvPr>
+          <p:cNvPicPr>
+            <a:picLocks noChangeAspect="1"/>
+          </p:cNvPicPr>
+          <p:nvPr/>
+        </p:nvPicPr>
+        <p:blipFill>
+          <a:blip r:embed="rId3"/>
+          <a:stretch>
+            <a:fillRect/>
+          </a:stretch>
+        </p:blipFill>
+        <p:spPr>
+          <a:xfrm>
+            <a:off x="1644357" y="1214078"/>
+            <a:ext cx="5855286" cy="3681228"/>
+          </a:xfrm>
+          <a:prstGeom prst="rect">
+            <a:avLst/>
+          </a:prstGeom>
+        </p:spPr>
+      </p:pic>
+    </p:spTree>
+    <p:extLst>
+      <p:ext uri="{BB962C8B-B14F-4D97-AF65-F5344CB8AC3E}">
+        <p14:creationId xmlns:p14="http://schemas.microsoft.com/office/powerpoint/2010/main" val="3534596662"/>
+      </p:ext>
+    </p:extLst>
+  </p:cSld>
+  <p:clrMapOvr>
+    <a:masterClrMapping/>
+  </p:clrMapOvr>
+  <mc:AlternateContent xmlns:mc="http://schemas.openxmlformats.org/markup-compatibility/2006" xmlns:p14="http://schemas.microsoft.com/office/powerpoint/2010/main">
+    <mc:Choice Requires="p14">
+      <p:transition spd="slow" p14:dur="1600">
+        <p14:gallery dir="l"/>
+      </p:transition>
+    </mc:Choice>
+    <mc:Fallback xmlns="">
+      <p:transition spd="slow">
+        <p:fade/>
+      </p:transition>
+    </mc:Fallback>
+  </mc:AlternateContent>
+</p:sld>
+</file>
+
+<file path=ppt/slides/slide19.xml><?xml version="1.0" encoding="utf-8"?>
+<p:sld xmlns:a="http://schemas.openxmlformats.org/drawingml/2006/main" xmlns:r="http://schemas.openxmlformats.org/officeDocument/2006/relationships" xmlns:p="http://schemas.openxmlformats.org/presentationml/2006/main">
+  <p:cSld>
+    <p:spTree>
+      <p:nvGrpSpPr>
+        <p:cNvPr id="1" name=""/>
+        <p:cNvGrpSpPr/>
+        <p:nvPr/>
+      </p:nvGrpSpPr>
+      <p:grpSpPr>
+        <a:xfrm>
+          <a:off x="0" y="0"/>
+          <a:ext cx="0" cy="0"/>
+          <a:chOff x="0" y="0"/>
+          <a:chExt cx="0" cy="0"/>
+        </a:xfrm>
+      </p:grpSpPr>
+      <p:sp>
+        <p:nvSpPr>
+          <p:cNvPr id="2" name="等腰三角形 1">
+            <a:extLst>
+              <a:ext uri="{FF2B5EF4-FFF2-40B4-BE49-F238E27FC236}">
+                <a16:creationId xmlns:a16="http://schemas.microsoft.com/office/drawing/2014/main" id="{04D61701-643F-4104-2892-F80CDBEBE2DD}"/>
+              </a:ext>
+            </a:extLst>
+          </p:cNvPr>
+          <p:cNvSpPr/>
+          <p:nvPr/>
+        </p:nvSpPr>
+        <p:spPr>
+          <a:xfrm rot="5400000">
+            <a:off x="3892677" y="-3898770"/>
+            <a:ext cx="1358647" cy="9144002"/>
+          </a:xfrm>
+          <a:prstGeom prst="triangle">
+            <a:avLst>
+              <a:gd name="adj" fmla="val 0"/>
+            </a:avLst>
+          </a:prstGeom>
+          <a:solidFill>
+            <a:srgbClr val="44546A"/>
+          </a:solidFill>
+          <a:ln>
+            <a:solidFill>
+              <a:srgbClr val="44546A"/>
+            </a:solidFill>
+          </a:ln>
+        </p:spPr>
+        <p:style>
+          <a:lnRef idx="2">
+            <a:schemeClr val="accent1">
+              <a:shade val="50000"/>
+            </a:schemeClr>
+          </a:lnRef>
+          <a:fillRef idx="1">
+            <a:schemeClr val="accent1"/>
+          </a:fillRef>
+          <a:effectRef idx="0">
+            <a:schemeClr val="accent1"/>
+          </a:effectRef>
+          <a:fontRef idx="minor">
+            <a:schemeClr val="lt1"/>
+          </a:fontRef>
+        </p:style>
+        <p:txBody>
+          <a:bodyPr rtlCol="0" anchor="ctr"/>
+          <a:lstStyle/>
+          <a:p>
+            <a:pPr algn="ctr"/>
+            <a:endParaRPr lang="zh-CN" altLang="en-US"/>
+          </a:p>
+        </p:txBody>
+      </p:sp>
+      <p:sp>
+        <p:nvSpPr>
+          <p:cNvPr id="27" name="文本框 26"/>
+          <p:cNvSpPr txBox="1"/>
+          <p:nvPr/>
+        </p:nvSpPr>
+        <p:spPr>
+          <a:xfrm>
+            <a:off x="-466143" y="285750"/>
+            <a:ext cx="3669552" cy="507703"/>
+          </a:xfrm>
+          <a:prstGeom prst="rect">
+            <a:avLst/>
+          </a:prstGeom>
+          <a:noFill/>
+        </p:spPr>
+        <p:txBody>
+          <a:bodyPr wrap="square">
+            <a:spAutoFit/>
+          </a:bodyPr>
+          <a:lstStyle>
+            <a:defPPr>
+              <a:defRPr lang="zh-CN"/>
+            </a:defPPr>
+            <a:lvl1pPr algn="ctr">
+              <a:lnSpc>
+                <a:spcPct val="150000"/>
+              </a:lnSpc>
+              <a:defRPr sz="1400">
+                <a:gradFill>
+                  <a:gsLst>
+                    <a:gs pos="0">
+                      <a:srgbClr val="08AEEA"/>
+                    </a:gs>
+                    <a:gs pos="100000">
+                      <a:srgbClr val="2AF598"/>
+                    </a:gs>
+                  </a:gsLst>
+                  <a:lin ang="2700000" scaled="0"/>
+                </a:gradFill>
+                <a:latin typeface="微软雅黑" panose="020B0503020204020204" pitchFamily="34" charset="-122"/>
+                <a:ea typeface="微软雅黑" panose="020B0503020204020204" pitchFamily="34" charset="-122"/>
+              </a:defRPr>
+            </a:lvl1pPr>
+          </a:lstStyle>
+          <a:p>
+            <a:pPr>
+              <a:lnSpc>
+                <a:spcPct val="100000"/>
+              </a:lnSpc>
+              <a:defRPr/>
+            </a:pPr>
+            <a:r>
+              <a:rPr lang="en-US" altLang="zh-CN" sz="2699" b="1" dirty="0">
+                <a:solidFill>
+                  <a:schemeClr val="bg2">
+                    <a:lumMod val="50000"/>
+                  </a:schemeClr>
+                </a:solidFill>
+                <a:latin typeface="+mn-lt"/>
+                <a:ea typeface="+mn-ea"/>
+                <a:cs typeface="+mn-ea"/>
+                <a:sym typeface="+mn-lt"/>
+              </a:rPr>
+              <a:t>8.</a:t>
+            </a:r>
+            <a:r>
+              <a:rPr lang="zh-CN" altLang="en-US" sz="2699" b="1" dirty="0">
+                <a:solidFill>
+                  <a:schemeClr val="bg2">
+                    <a:lumMod val="50000"/>
+                  </a:schemeClr>
+                </a:solidFill>
+                <a:latin typeface="+mn-lt"/>
+                <a:ea typeface="+mn-ea"/>
+                <a:cs typeface="+mn-ea"/>
+                <a:sym typeface="+mn-lt"/>
+              </a:rPr>
+              <a:t>参考资料</a:t>
+            </a:r>
+          </a:p>
+        </p:txBody>
+      </p:sp>
+      <p:sp>
+        <p:nvSpPr>
+          <p:cNvPr id="4" name="文本框 3">
+            <a:extLst>
+              <a:ext uri="{FF2B5EF4-FFF2-40B4-BE49-F238E27FC236}">
+                <a16:creationId xmlns:a16="http://schemas.microsoft.com/office/drawing/2014/main" id="{35765E2E-25DC-ED25-2ADC-63362511A5B0}"/>
+              </a:ext>
+            </a:extLst>
+          </p:cNvPr>
+          <p:cNvSpPr txBox="1"/>
+          <p:nvPr/>
+        </p:nvSpPr>
+        <p:spPr>
+          <a:xfrm>
+            <a:off x="533400" y="1352555"/>
+            <a:ext cx="4833256" cy="2053319"/>
+          </a:xfrm>
+          <a:prstGeom prst="rect">
+            <a:avLst/>
+          </a:prstGeom>
+          <a:noFill/>
+        </p:spPr>
+        <p:txBody>
+          <a:bodyPr wrap="square">
+            <a:spAutoFit/>
+          </a:bodyPr>
+          <a:lstStyle/>
+          <a:p>
+            <a:pPr algn="l" fontAlgn="auto">
+              <a:lnSpc>
+                <a:spcPct val="115000"/>
+              </a:lnSpc>
+              <a:spcBef>
+                <a:spcPts val="0"/>
+              </a:spcBef>
+              <a:spcAft>
+                <a:spcPts val="0"/>
+              </a:spcAft>
+              <a:buClrTx/>
+              <a:buSzTx/>
+              <a:buNone/>
+            </a:pPr>
+            <a:r>
+              <a:rPr lang="zh-CN" altLang="zh-CN" sz="1400" dirty="0">
+                <a:ea typeface="宋体" pitchFamily="2" charset="-122"/>
+                <a:cs typeface="Times New Roman" panose="02020603050405020304" charset="0"/>
+                <a:sym typeface="+mn-ea"/>
+              </a:rPr>
+              <a:t>[1] 软件项目管理（原书第8版）[M]北京：机械工业出版社</a:t>
+            </a:r>
+          </a:p>
+          <a:p>
+            <a:pPr algn="l" fontAlgn="auto">
+              <a:lnSpc>
+                <a:spcPct val="115000"/>
+              </a:lnSpc>
+              <a:spcBef>
+                <a:spcPts val="0"/>
+              </a:spcBef>
+              <a:spcAft>
+                <a:spcPts val="0"/>
+              </a:spcAft>
+              <a:buClrTx/>
+              <a:buSzTx/>
+              <a:buNone/>
+            </a:pPr>
+            <a:r>
+              <a:rPr lang="zh-CN" altLang="zh-CN" sz="1400" dirty="0">
+                <a:ea typeface="宋体" pitchFamily="2" charset="-122"/>
+                <a:cs typeface="Times New Roman" panose="02020603050405020304" charset="0"/>
+                <a:sym typeface="+mn-ea"/>
+              </a:rPr>
+              <a:t>[2] 软件需求（第3版）[M]北京：清华大学出版社</a:t>
+            </a:r>
+          </a:p>
+          <a:p>
+            <a:pPr algn="l" fontAlgn="auto">
+              <a:lnSpc>
+                <a:spcPct val="115000"/>
+              </a:lnSpc>
+              <a:spcBef>
+                <a:spcPts val="0"/>
+              </a:spcBef>
+              <a:spcAft>
+                <a:spcPts val="0"/>
+              </a:spcAft>
+              <a:buClrTx/>
+              <a:buSzTx/>
+              <a:buNone/>
+            </a:pPr>
+            <a:r>
+              <a:rPr lang="zh-CN" altLang="zh-CN" sz="1400" dirty="0">
+                <a:ea typeface="宋体" pitchFamily="2" charset="-122"/>
+                <a:cs typeface="Times New Roman" panose="02020603050405020304" charset="0"/>
+                <a:sym typeface="+mn-ea"/>
+              </a:rPr>
+              <a:t>[3] GB/T 8567-2006.国标《计算机软件文档编制规范》</a:t>
+            </a:r>
+          </a:p>
+          <a:p>
+            <a:pPr algn="l" fontAlgn="auto">
+              <a:lnSpc>
+                <a:spcPct val="115000"/>
+              </a:lnSpc>
+              <a:spcBef>
+                <a:spcPts val="0"/>
+              </a:spcBef>
+              <a:spcAft>
+                <a:spcPts val="0"/>
+              </a:spcAft>
+              <a:buClrTx/>
+              <a:buSzTx/>
+              <a:buNone/>
+            </a:pPr>
+            <a:r>
+              <a:rPr lang="zh-CN" altLang="zh-CN" sz="1400" dirty="0">
+                <a:ea typeface="宋体" pitchFamily="2" charset="-122"/>
+                <a:cs typeface="Times New Roman" panose="02020603050405020304" charset="0"/>
+                <a:sym typeface="+mn-ea"/>
+              </a:rPr>
+              <a:t>[4]</a:t>
+            </a:r>
+            <a:r>
+              <a:rPr lang="zh-CN" altLang="en-US" sz="1400" dirty="0">
+                <a:ea typeface="宋体" pitchFamily="2" charset="-122"/>
+                <a:cs typeface="Times New Roman" panose="02020603050405020304" charset="0"/>
+                <a:sym typeface="+mn-ea"/>
+              </a:rPr>
+              <a:t>软件需求规格说明</a:t>
+            </a:r>
+            <a:r>
+              <a:rPr lang="en-US" altLang="zh-CN" sz="1400" dirty="0">
+                <a:ea typeface="宋体" pitchFamily="2" charset="-122"/>
+                <a:cs typeface="Times New Roman" panose="02020603050405020304" charset="0"/>
+                <a:sym typeface="+mn-ea"/>
+              </a:rPr>
+              <a:t>v0.1.1</a:t>
+            </a:r>
+          </a:p>
+          <a:p>
+            <a:pPr algn="l" fontAlgn="auto">
+              <a:lnSpc>
+                <a:spcPct val="115000"/>
+              </a:lnSpc>
+              <a:spcBef>
+                <a:spcPts val="0"/>
+              </a:spcBef>
+              <a:spcAft>
+                <a:spcPts val="0"/>
+              </a:spcAft>
+              <a:buClrTx/>
+              <a:buSzTx/>
+              <a:buNone/>
+            </a:pPr>
+            <a:r>
+              <a:rPr lang="zh-CN" altLang="zh-CN" sz="1400" dirty="0">
+                <a:ea typeface="宋体" pitchFamily="2" charset="-122"/>
+                <a:cs typeface="Times New Roman" panose="02020603050405020304" charset="0"/>
+                <a:sym typeface="+mn-ea"/>
+              </a:rPr>
+              <a:t>[</a:t>
+            </a:r>
+            <a:r>
+              <a:rPr lang="en-US" altLang="zh-CN" sz="1400" dirty="0">
+                <a:ea typeface="宋体" pitchFamily="2" charset="-122"/>
+                <a:cs typeface="Times New Roman" panose="02020603050405020304" charset="0"/>
+                <a:sym typeface="+mn-ea"/>
+              </a:rPr>
+              <a:t>5</a:t>
+            </a:r>
+            <a:r>
+              <a:rPr lang="zh-CN" altLang="zh-CN" sz="1400" dirty="0">
+                <a:ea typeface="宋体" pitchFamily="2" charset="-122"/>
+                <a:cs typeface="Times New Roman" panose="02020603050405020304" charset="0"/>
+                <a:sym typeface="+mn-ea"/>
+              </a:rPr>
+              <a:t>]</a:t>
+            </a:r>
+            <a:r>
+              <a:rPr lang="en-US" altLang="zh-CN" sz="1400" dirty="0">
+                <a:ea typeface="宋体" pitchFamily="2" charset="-122"/>
+                <a:cs typeface="Times New Roman" panose="02020603050405020304" charset="0"/>
+                <a:sym typeface="+mn-ea"/>
+              </a:rPr>
+              <a:t> SE2022-G06-</a:t>
+            </a:r>
+            <a:r>
+              <a:rPr lang="zh-CN" altLang="en-US" sz="1400" dirty="0">
+                <a:ea typeface="宋体" pitchFamily="2" charset="-122"/>
+                <a:cs typeface="Times New Roman" panose="02020603050405020304" charset="0"/>
+                <a:sym typeface="+mn-ea"/>
+              </a:rPr>
+              <a:t>设计说明</a:t>
+            </a:r>
+            <a:r>
+              <a:rPr lang="en-US" altLang="zh-CN" sz="1400" dirty="0">
+                <a:ea typeface="宋体" pitchFamily="2" charset="-122"/>
+                <a:cs typeface="Times New Roman" panose="02020603050405020304" charset="0"/>
+                <a:sym typeface="+mn-ea"/>
+              </a:rPr>
+              <a:t>v0.0.1</a:t>
+            </a:r>
+            <a:endParaRPr lang="zh-CN" altLang="zh-CN" sz="1400" dirty="0">
+              <a:ea typeface="宋体" pitchFamily="2" charset="-122"/>
+              <a:cs typeface="Times New Roman" panose="02020603050405020304" charset="0"/>
+              <a:sym typeface="+mn-ea"/>
+            </a:endParaRPr>
+          </a:p>
+          <a:p>
+            <a:pPr algn="l" fontAlgn="auto">
+              <a:lnSpc>
+                <a:spcPct val="115000"/>
+              </a:lnSpc>
+              <a:spcBef>
+                <a:spcPts val="0"/>
+              </a:spcBef>
+              <a:spcAft>
+                <a:spcPts val="0"/>
+              </a:spcAft>
+              <a:buClrTx/>
+              <a:buSzTx/>
+              <a:buNone/>
+            </a:pPr>
+            <a:r>
+              <a:rPr lang="zh-CN" altLang="zh-CN" sz="1400" dirty="0">
+                <a:ea typeface="宋体" pitchFamily="2" charset="-122"/>
+                <a:cs typeface="Times New Roman" panose="02020603050405020304" charset="0"/>
+                <a:sym typeface="+mn-ea"/>
+              </a:rPr>
+              <a:t>[</a:t>
+            </a:r>
+            <a:r>
+              <a:rPr lang="en-US" altLang="zh-CN" sz="1400" dirty="0">
+                <a:ea typeface="宋体" pitchFamily="2" charset="-122"/>
+                <a:cs typeface="Times New Roman" panose="02020603050405020304" charset="0"/>
+                <a:sym typeface="+mn-ea"/>
+              </a:rPr>
+              <a:t>6</a:t>
+            </a:r>
+            <a:r>
+              <a:rPr lang="zh-CN" altLang="zh-CN" sz="1400" dirty="0">
+                <a:ea typeface="宋体" pitchFamily="2" charset="-122"/>
+                <a:cs typeface="Times New Roman" panose="02020603050405020304" charset="0"/>
+                <a:sym typeface="+mn-ea"/>
+              </a:rPr>
+              <a:t>]</a:t>
+            </a:r>
+            <a:r>
+              <a:rPr lang="zh-CN" altLang="en-US" sz="1400" dirty="0">
+                <a:ea typeface="宋体" pitchFamily="2" charset="-122"/>
+                <a:cs typeface="Times New Roman" panose="02020603050405020304" charset="0"/>
+                <a:sym typeface="+mn-ea"/>
+              </a:rPr>
+              <a:t>会议纪要</a:t>
+            </a:r>
+            <a:r>
+              <a:rPr lang="en-US" altLang="zh-CN" sz="1400" dirty="0">
+                <a:ea typeface="宋体" pitchFamily="2" charset="-122"/>
+                <a:cs typeface="Times New Roman" panose="02020603050405020304" charset="0"/>
+                <a:sym typeface="+mn-ea"/>
+              </a:rPr>
+              <a:t>2022-11-13</a:t>
+            </a:r>
+          </a:p>
+          <a:p>
+            <a:pPr algn="l" fontAlgn="auto">
+              <a:lnSpc>
+                <a:spcPct val="115000"/>
+              </a:lnSpc>
+              <a:spcBef>
+                <a:spcPts val="0"/>
+              </a:spcBef>
+              <a:spcAft>
+                <a:spcPts val="0"/>
+              </a:spcAft>
+              <a:buClrTx/>
+              <a:buSzTx/>
+              <a:buNone/>
+            </a:pPr>
+            <a:r>
+              <a:rPr lang="en-US" altLang="zh-CN" sz="1400" dirty="0">
+                <a:ea typeface="宋体" pitchFamily="2" charset="-122"/>
+                <a:cs typeface="Times New Roman" panose="02020603050405020304" charset="0"/>
+                <a:sym typeface="+mn-ea"/>
+              </a:rPr>
+              <a:t>[7]</a:t>
+            </a:r>
+            <a:r>
+              <a:rPr lang="zh-CN" altLang="en-US" sz="1400" dirty="0">
+                <a:ea typeface="宋体" pitchFamily="2" charset="-122"/>
+                <a:cs typeface="Times New Roman" panose="02020603050405020304" charset="0"/>
+                <a:sym typeface="+mn-ea"/>
+              </a:rPr>
+              <a:t>参考网站连接</a:t>
+            </a:r>
+            <a:r>
+              <a:rPr lang="en-US" altLang="zh-CN" sz="1400" dirty="0">
+                <a:ea typeface="宋体" pitchFamily="2" charset="-122"/>
+                <a:cs typeface="Times New Roman" panose="02020603050405020304" charset="0"/>
+                <a:sym typeface="+mn-ea"/>
+              </a:rPr>
+              <a:t>https://blog.csdn.net/daqiang012/article/details/120306128</a:t>
+            </a:r>
+          </a:p>
+        </p:txBody>
+      </p:sp>
+    </p:spTree>
+    <p:extLst>
+      <p:ext uri="{BB962C8B-B14F-4D97-AF65-F5344CB8AC3E}">
+        <p14:creationId xmlns:p14="http://schemas.microsoft.com/office/powerpoint/2010/main" val="1902494840"/>
+      </p:ext>
+    </p:extLst>
+  </p:cSld>
+  <p:clrMapOvr>
+    <a:masterClrMapping/>
+  </p:clrMapOvr>
+  <mc:AlternateContent xmlns:mc="http://schemas.openxmlformats.org/markup-compatibility/2006" xmlns:p14="http://schemas.microsoft.com/office/powerpoint/2010/main">
+    <mc:Choice Requires="p14">
+      <p:transition spd="slow" p14:dur="1600">
+        <p14:gallery dir="l"/>
+      </p:transition>
+    </mc:Choice>
+    <mc:Fallback xmlns="">
+      <p:transition spd="slow">
+        <p:fade/>
+      </p:transition>
+    </mc:Fallback>
+  </mc:AlternateContent>
 </p:sld>
 </file>
 
@@ -9622,14 +12144,14 @@
       </p:grpSpPr>
       <p:sp>
         <p:nvSpPr>
-          <p:cNvPr id="71" name="Text Placeholder 33"/>
+          <p:cNvPr id="85" name="Text Placeholder 33"/>
           <p:cNvSpPr txBox="1"/>
           <p:nvPr/>
         </p:nvSpPr>
         <p:spPr>
           <a:xfrm>
-            <a:off x="1743671" y="3975756"/>
-            <a:ext cx="1070477" cy="338426"/>
+            <a:off x="1743543" y="3684814"/>
+            <a:ext cx="1340651" cy="1224438"/>
           </a:xfrm>
           <a:prstGeom prst="rect">
             <a:avLst/>
@@ -9670,6 +12192,46 @@
               </a:lnSpc>
             </a:pPr>
             <a:r>
+              <a:rPr lang="en-US" altLang="zh-CN" sz="1599" dirty="0">
+                <a:solidFill>
+                  <a:schemeClr val="tx2"/>
+                </a:solidFill>
+                <a:latin typeface="Arial" panose="020B0604020202020204" pitchFamily="34" charset="0"/>
+                <a:ea typeface="Microsoft YaHei" panose="020B0503020204020204" pitchFamily="34" charset="-122"/>
+                <a:cs typeface="+mn-ea"/>
+                <a:sym typeface="Arial" panose="020B0604020202020204" pitchFamily="34" charset="0"/>
+              </a:rPr>
+              <a:t>HIPO</a:t>
+            </a:r>
+            <a:r>
+              <a:rPr lang="zh-CN" altLang="en-US" sz="1599" dirty="0">
+                <a:solidFill>
+                  <a:schemeClr val="tx2"/>
+                </a:solidFill>
+                <a:latin typeface="Arial" panose="020B0604020202020204" pitchFamily="34" charset="0"/>
+                <a:ea typeface="Microsoft YaHei" panose="020B0503020204020204" pitchFamily="34" charset="-122"/>
+                <a:cs typeface="+mn-ea"/>
+                <a:sym typeface="Arial" panose="020B0604020202020204" pitchFamily="34" charset="0"/>
+              </a:rPr>
+              <a:t>图</a:t>
+            </a:r>
+            <a:endParaRPr lang="en-US" altLang="zh-CN" sz="1599" dirty="0">
+              <a:solidFill>
+                <a:schemeClr val="tx2"/>
+              </a:solidFill>
+              <a:latin typeface="Arial" panose="020B0604020202020204" pitchFamily="34" charset="0"/>
+              <a:ea typeface="Microsoft YaHei" panose="020B0503020204020204" pitchFamily="34" charset="-122"/>
+              <a:cs typeface="+mn-ea"/>
+              <a:sym typeface="Arial" panose="020B0604020202020204" pitchFamily="34" charset="0"/>
+            </a:endParaRPr>
+          </a:p>
+          <a:p>
+            <a:pPr>
+              <a:lnSpc>
+                <a:spcPct val="100000"/>
+              </a:lnSpc>
+            </a:pPr>
+            <a:r>
               <a:rPr lang="zh-CN" altLang="en-US" sz="1599" dirty="0">
                 <a:solidFill>
                   <a:schemeClr val="tx2"/>
@@ -9681,7 +12243,7 @@
               </a:rPr>
               <a:t>层次图</a:t>
             </a:r>
-            <a:endParaRPr lang="en-AU" sz="1599" dirty="0">
+            <a:endParaRPr lang="en-AU" altLang="zh-CN" sz="1599" dirty="0">
               <a:solidFill>
                 <a:schemeClr val="tx2"/>
               </a:solidFill>
@@ -9691,69 +12253,12 @@
               <a:sym typeface="Arial" panose="020B0604020202020204" pitchFamily="34" charset="0"/>
             </a:endParaRPr>
           </a:p>
-        </p:txBody>
-      </p:sp>
-      <p:sp>
-        <p:nvSpPr>
-          <p:cNvPr id="85" name="Text Placeholder 33"/>
-          <p:cNvSpPr txBox="1"/>
-          <p:nvPr/>
-        </p:nvSpPr>
-        <p:spPr>
-          <a:xfrm>
-            <a:off x="1743671" y="2710972"/>
-            <a:ext cx="1070477" cy="338426"/>
-          </a:xfrm>
-          <a:prstGeom prst="rect">
-            <a:avLst/>
-          </a:prstGeom>
-          <a:noFill/>
-        </p:spPr>
-        <p:txBody>
-          <a:bodyPr wrap="square" rtlCol="0">
-            <a:spAutoFit/>
-          </a:bodyPr>
-          <a:lstStyle>
-            <a:defPPr>
-              <a:defRPr lang="zh-CN"/>
-            </a:defPPr>
-            <a:lvl1pPr defTabSz="1219078">
-              <a:lnSpc>
-                <a:spcPct val="150000"/>
-              </a:lnSpc>
-              <a:spcBef>
-                <a:spcPct val="20000"/>
-              </a:spcBef>
-              <a:defRPr sz="1400" b="1">
-                <a:solidFill>
-                  <a:schemeClr val="tx1">
-                    <a:lumMod val="75000"/>
-                    <a:lumOff val="25000"/>
-                  </a:schemeClr>
-                </a:solidFill>
-                <a:latin typeface="微软雅黑" panose="020B0503020204020204" pitchFamily="34" charset="-122"/>
-                <a:ea typeface="微软雅黑" panose="020B0503020204020204" pitchFamily="34" charset="-122"/>
-              </a:defRPr>
-            </a:lvl1pPr>
-          </a:lstStyle>
           <a:p>
             <a:pPr>
               <a:lnSpc>
                 <a:spcPct val="100000"/>
               </a:lnSpc>
             </a:pPr>
-            <a:r>
-              <a:rPr lang="en-US" altLang="zh-CN" sz="1599" dirty="0">
-                <a:solidFill>
-                  <a:schemeClr val="tx2"/>
-                </a:solidFill>
-                <a:latin typeface="Arial" panose="020B0604020202020204" pitchFamily="34" charset="0"/>
-                <a:ea typeface="Microsoft YaHei" panose="020B0503020204020204" pitchFamily="34" charset="-122"/>
-                <a:cs typeface="+mn-ea"/>
-                <a:sym typeface="Arial" panose="020B0604020202020204" pitchFamily="34" charset="0"/>
-              </a:rPr>
-              <a:t>HIPO</a:t>
-            </a:r>
             <a:r>
               <a:rPr lang="zh-CN" altLang="en-US" sz="1599" dirty="0">
                 <a:solidFill>
@@ -9764,8 +12269,24 @@
                 <a:cs typeface="+mn-ea"/>
                 <a:sym typeface="Arial" panose="020B0604020202020204" pitchFamily="34" charset="0"/>
               </a:rPr>
-              <a:t>图</a:t>
-            </a:r>
+              <a:t>业务流图</a:t>
+            </a:r>
+            <a:endParaRPr lang="en-AU" altLang="zh-CN" sz="1599" dirty="0">
+              <a:solidFill>
+                <a:schemeClr val="tx2"/>
+              </a:solidFill>
+              <a:latin typeface="Arial" panose="020B0604020202020204" pitchFamily="34" charset="0"/>
+              <a:ea typeface="Microsoft YaHei" panose="020B0503020204020204" pitchFamily="34" charset="-122"/>
+              <a:cs typeface="+mn-ea"/>
+              <a:sym typeface="Arial" panose="020B0604020202020204" pitchFamily="34" charset="0"/>
+            </a:endParaRPr>
+          </a:p>
+          <a:p>
+            <a:pPr>
+              <a:lnSpc>
+                <a:spcPct val="100000"/>
+              </a:lnSpc>
+            </a:pPr>
             <a:endParaRPr lang="en-AU" sz="1599" dirty="0">
               <a:solidFill>
                 <a:schemeClr val="tx2"/>
@@ -9859,7 +12380,7 @@
         </p:nvSpPr>
         <p:spPr>
           <a:xfrm>
-            <a:off x="4443466" y="2720784"/>
+            <a:off x="4477946" y="4006593"/>
             <a:ext cx="1404165" cy="338426"/>
           </a:xfrm>
           <a:prstGeom prst="rect">
@@ -9926,159 +12447,13 @@
       </p:sp>
       <p:sp>
         <p:nvSpPr>
-          <p:cNvPr id="117" name="Text Placeholder 33"/>
-          <p:cNvSpPr txBox="1"/>
-          <p:nvPr/>
-        </p:nvSpPr>
-        <p:spPr>
-          <a:xfrm>
-            <a:off x="4443466" y="1609217"/>
-            <a:ext cx="1335522" cy="338426"/>
-          </a:xfrm>
-          <a:prstGeom prst="rect">
-            <a:avLst/>
-          </a:prstGeom>
-          <a:noFill/>
-        </p:spPr>
-        <p:txBody>
-          <a:bodyPr wrap="square" rtlCol="0">
-            <a:spAutoFit/>
-          </a:bodyPr>
-          <a:lstStyle>
-            <a:defPPr>
-              <a:defRPr lang="zh-CN"/>
-            </a:defPPr>
-            <a:lvl1pPr defTabSz="1219078">
-              <a:lnSpc>
-                <a:spcPct val="150000"/>
-              </a:lnSpc>
-              <a:spcBef>
-                <a:spcPct val="20000"/>
-              </a:spcBef>
-              <a:defRPr sz="1400" b="1">
-                <a:solidFill>
-                  <a:schemeClr val="tx1">
-                    <a:lumMod val="75000"/>
-                    <a:lumOff val="25000"/>
-                  </a:schemeClr>
-                </a:solidFill>
-                <a:latin typeface="微软雅黑" panose="020B0503020204020204" pitchFamily="34" charset="-122"/>
-                <a:ea typeface="微软雅黑" panose="020B0503020204020204" pitchFamily="34" charset="-122"/>
-              </a:defRPr>
-            </a:lvl1pPr>
-          </a:lstStyle>
-          <a:p>
-            <a:pPr>
-              <a:lnSpc>
-                <a:spcPct val="100000"/>
-              </a:lnSpc>
-            </a:pPr>
-            <a:r>
-              <a:rPr lang="zh-CN" altLang="en-US" sz="1599" dirty="0">
-                <a:solidFill>
-                  <a:schemeClr val="tx2"/>
-                </a:solidFill>
-                <a:latin typeface="Arial" panose="020B0604020202020204" pitchFamily="34" charset="0"/>
-                <a:ea typeface="Microsoft YaHei" panose="020B0503020204020204" pitchFamily="34" charset="-122"/>
-                <a:cs typeface="+mn-ea"/>
-                <a:sym typeface="Arial" panose="020B0604020202020204" pitchFamily="34" charset="0"/>
-              </a:rPr>
-              <a:t>业务流图</a:t>
-            </a:r>
-            <a:endParaRPr lang="en-AU" sz="1599" dirty="0">
-              <a:solidFill>
-                <a:schemeClr val="tx2"/>
-              </a:solidFill>
-              <a:latin typeface="Arial" panose="020B0604020202020204" pitchFamily="34" charset="0"/>
-              <a:ea typeface="Microsoft YaHei" panose="020B0503020204020204" pitchFamily="34" charset="-122"/>
-              <a:cs typeface="+mn-ea"/>
-              <a:sym typeface="Arial" panose="020B0604020202020204" pitchFamily="34" charset="0"/>
-            </a:endParaRPr>
-          </a:p>
-        </p:txBody>
-      </p:sp>
-      <p:sp>
-        <p:nvSpPr>
-          <p:cNvPr id="119" name="Text Placeholder 33"/>
-          <p:cNvSpPr txBox="1"/>
-          <p:nvPr/>
-        </p:nvSpPr>
-        <p:spPr>
-          <a:xfrm>
-            <a:off x="7123229" y="2741228"/>
-            <a:ext cx="1766044" cy="338426"/>
-          </a:xfrm>
-          <a:prstGeom prst="rect">
-            <a:avLst/>
-          </a:prstGeom>
-          <a:noFill/>
-        </p:spPr>
-        <p:txBody>
-          <a:bodyPr wrap="square" rtlCol="0">
-            <a:spAutoFit/>
-          </a:bodyPr>
-          <a:lstStyle>
-            <a:defPPr>
-              <a:defRPr lang="zh-CN"/>
-            </a:defPPr>
-            <a:lvl1pPr defTabSz="1219078">
-              <a:lnSpc>
-                <a:spcPct val="150000"/>
-              </a:lnSpc>
-              <a:spcBef>
-                <a:spcPct val="20000"/>
-              </a:spcBef>
-              <a:defRPr sz="1400" b="1">
-                <a:solidFill>
-                  <a:schemeClr val="tx1">
-                    <a:lumMod val="75000"/>
-                    <a:lumOff val="25000"/>
-                  </a:schemeClr>
-                </a:solidFill>
-                <a:latin typeface="微软雅黑" panose="020B0503020204020204" pitchFamily="34" charset="-122"/>
-                <a:ea typeface="微软雅黑" panose="020B0503020204020204" pitchFamily="34" charset="-122"/>
-              </a:defRPr>
-            </a:lvl1pPr>
-          </a:lstStyle>
-          <a:p>
-            <a:pPr>
-              <a:lnSpc>
-                <a:spcPct val="100000"/>
-              </a:lnSpc>
-            </a:pPr>
-            <a:r>
-              <a:rPr lang="zh-CN" altLang="en-US" sz="1599" dirty="0">
-                <a:solidFill>
-                  <a:schemeClr val="tx2"/>
-                </a:solidFill>
-                <a:latin typeface="Arial" panose="020B0604020202020204" pitchFamily="34" charset="0"/>
-                <a:ea typeface="Microsoft YaHei" panose="020B0503020204020204" pitchFamily="34" charset="-122"/>
-                <a:cs typeface="+mn-ea"/>
-                <a:sym typeface="Arial" panose="020B0604020202020204" pitchFamily="34" charset="0"/>
-              </a:rPr>
-              <a:t>小组分工及评价</a:t>
-            </a:r>
-            <a:endParaRPr lang="en-AU" sz="1599" dirty="0">
-              <a:solidFill>
-                <a:schemeClr val="tx2"/>
-              </a:solidFill>
-              <a:latin typeface="Arial" panose="020B0604020202020204" pitchFamily="34" charset="0"/>
-              <a:ea typeface="Microsoft YaHei" panose="020B0503020204020204" pitchFamily="34" charset="-122"/>
-              <a:cs typeface="+mn-ea"/>
-              <a:sym typeface="Arial" panose="020B0604020202020204" pitchFamily="34" charset="0"/>
-            </a:endParaRPr>
-          </a:p>
-        </p:txBody>
-      </p:sp>
-      <p:sp>
-        <p:nvSpPr>
           <p:cNvPr id="121" name="Text Placeholder 33"/>
           <p:cNvSpPr txBox="1"/>
           <p:nvPr/>
         </p:nvSpPr>
         <p:spPr>
           <a:xfrm>
-            <a:off x="7123229" y="1452450"/>
+            <a:off x="7191103" y="2764543"/>
             <a:ext cx="1487371" cy="338426"/>
           </a:xfrm>
           <a:prstGeom prst="rect">
@@ -10151,7 +12526,7 @@
         </p:nvSpPr>
         <p:spPr>
           <a:xfrm>
-            <a:off x="4473592" y="4006593"/>
+            <a:off x="7180217" y="1561242"/>
             <a:ext cx="1070477" cy="338426"/>
           </a:xfrm>
           <a:prstGeom prst="rect">
@@ -10646,6 +13021,365 @@
         </p:blipFill>
         <p:spPr/>
       </p:pic>
+      <p:pic>
+        <p:nvPicPr>
+          <p:cNvPr id="2" name="图片占位符 28">
+            <a:extLst>
+              <a:ext uri="{FF2B5EF4-FFF2-40B4-BE49-F238E27FC236}">
+                <a16:creationId xmlns:a16="http://schemas.microsoft.com/office/drawing/2014/main" id="{FA8BCA2E-9FDE-29B2-85BC-86535758AD56}"/>
+              </a:ext>
+            </a:extLst>
+          </p:cNvPr>
+          <p:cNvPicPr>
+            <a:picLocks noGrp="1" noChangeAspect="1"/>
+          </p:cNvPicPr>
+          <p:nvPr>
+            <p:ph type="pic" sz="quarter" idx="28"/>
+          </p:nvPr>
+        </p:nvPicPr>
+        <p:blipFill>
+          <a:blip r:embed="rId10" cstate="print">
+            <a:extLst>
+              <a:ext uri="{28A0092B-C50C-407E-A947-70E740481C1C}">
+                <a14:useLocalDpi xmlns:a14="http://schemas.microsoft.com/office/drawing/2010/main" val="0"/>
+              </a:ext>
+            </a:extLst>
+          </a:blip>
+          <a:srcRect t="18321" b="18321"/>
+          <a:stretch>
+            <a:fillRect/>
+          </a:stretch>
+        </p:blipFill>
+        <p:spPr>
+          <a:xfrm>
+            <a:off x="6059679" y="3714750"/>
+            <a:ext cx="999783" cy="843847"/>
+          </a:xfrm>
+        </p:spPr>
+      </p:pic>
+      <p:sp>
+        <p:nvSpPr>
+          <p:cNvPr id="3" name="Text Placeholder 33">
+            <a:extLst>
+              <a:ext uri="{FF2B5EF4-FFF2-40B4-BE49-F238E27FC236}">
+                <a16:creationId xmlns:a16="http://schemas.microsoft.com/office/drawing/2014/main" id="{58D4D6C5-74AA-F956-670B-F084992B148D}"/>
+              </a:ext>
+            </a:extLst>
+          </p:cNvPr>
+          <p:cNvSpPr txBox="1"/>
+          <p:nvPr/>
+        </p:nvSpPr>
+        <p:spPr>
+          <a:xfrm>
+            <a:off x="1756643" y="2772707"/>
+            <a:ext cx="1340651" cy="338426"/>
+          </a:xfrm>
+          <a:prstGeom prst="rect">
+            <a:avLst/>
+          </a:prstGeom>
+          <a:noFill/>
+        </p:spPr>
+        <p:txBody>
+          <a:bodyPr wrap="square" rtlCol="0">
+            <a:spAutoFit/>
+          </a:bodyPr>
+          <a:lstStyle>
+            <a:defPPr>
+              <a:defRPr lang="zh-CN"/>
+            </a:defPPr>
+            <a:lvl1pPr defTabSz="1219078">
+              <a:lnSpc>
+                <a:spcPct val="150000"/>
+              </a:lnSpc>
+              <a:spcBef>
+                <a:spcPct val="20000"/>
+              </a:spcBef>
+              <a:defRPr sz="1400" b="1">
+                <a:solidFill>
+                  <a:schemeClr val="tx1">
+                    <a:lumMod val="75000"/>
+                    <a:lumOff val="25000"/>
+                  </a:schemeClr>
+                </a:solidFill>
+                <a:latin typeface="微软雅黑" panose="020B0503020204020204" pitchFamily="34" charset="-122"/>
+                <a:ea typeface="微软雅黑" panose="020B0503020204020204" pitchFamily="34" charset="-122"/>
+              </a:defRPr>
+            </a:lvl1pPr>
+          </a:lstStyle>
+          <a:p>
+            <a:pPr>
+              <a:lnSpc>
+                <a:spcPct val="100000"/>
+              </a:lnSpc>
+            </a:pPr>
+            <a:r>
+              <a:rPr lang="zh-CN" altLang="en-US" sz="1599" dirty="0">
+                <a:solidFill>
+                  <a:schemeClr val="tx2"/>
+                </a:solidFill>
+                <a:latin typeface="Arial" panose="020B0604020202020204" pitchFamily="34" charset="0"/>
+                <a:ea typeface="Microsoft YaHei" panose="020B0503020204020204" pitchFamily="34" charset="-122"/>
+                <a:cs typeface="+mn-ea"/>
+                <a:sym typeface="Arial" panose="020B0604020202020204" pitchFamily="34" charset="0"/>
+              </a:rPr>
+              <a:t>界面设计</a:t>
+            </a:r>
+            <a:endParaRPr lang="en-AU" sz="1599" dirty="0">
+              <a:solidFill>
+                <a:schemeClr val="tx2"/>
+              </a:solidFill>
+              <a:latin typeface="Arial" panose="020B0604020202020204" pitchFamily="34" charset="0"/>
+              <a:ea typeface="Microsoft YaHei" panose="020B0503020204020204" pitchFamily="34" charset="-122"/>
+              <a:cs typeface="+mn-ea"/>
+              <a:sym typeface="Arial" panose="020B0604020202020204" pitchFamily="34" charset="0"/>
+            </a:endParaRPr>
+          </a:p>
+        </p:txBody>
+      </p:sp>
+      <p:sp>
+        <p:nvSpPr>
+          <p:cNvPr id="4" name="Text Placeholder 33">
+            <a:extLst>
+              <a:ext uri="{FF2B5EF4-FFF2-40B4-BE49-F238E27FC236}">
+                <a16:creationId xmlns:a16="http://schemas.microsoft.com/office/drawing/2014/main" id="{83596D1F-A255-D14B-201A-C52E87DE40BA}"/>
+              </a:ext>
+            </a:extLst>
+          </p:cNvPr>
+          <p:cNvSpPr txBox="1"/>
+          <p:nvPr/>
+        </p:nvSpPr>
+        <p:spPr>
+          <a:xfrm>
+            <a:off x="4473592" y="1571820"/>
+            <a:ext cx="1340651" cy="338426"/>
+          </a:xfrm>
+          <a:prstGeom prst="rect">
+            <a:avLst/>
+          </a:prstGeom>
+          <a:noFill/>
+        </p:spPr>
+        <p:txBody>
+          <a:bodyPr wrap="square" rtlCol="0">
+            <a:spAutoFit/>
+          </a:bodyPr>
+          <a:lstStyle>
+            <a:defPPr>
+              <a:defRPr lang="zh-CN"/>
+            </a:defPPr>
+            <a:lvl1pPr defTabSz="1219078">
+              <a:lnSpc>
+                <a:spcPct val="150000"/>
+              </a:lnSpc>
+              <a:spcBef>
+                <a:spcPct val="20000"/>
+              </a:spcBef>
+              <a:defRPr sz="1400" b="1">
+                <a:solidFill>
+                  <a:schemeClr val="tx1">
+                    <a:lumMod val="75000"/>
+                    <a:lumOff val="25000"/>
+                  </a:schemeClr>
+                </a:solidFill>
+                <a:latin typeface="微软雅黑" panose="020B0503020204020204" pitchFamily="34" charset="-122"/>
+                <a:ea typeface="微软雅黑" panose="020B0503020204020204" pitchFamily="34" charset="-122"/>
+              </a:defRPr>
+            </a:lvl1pPr>
+          </a:lstStyle>
+          <a:p>
+            <a:pPr>
+              <a:lnSpc>
+                <a:spcPct val="100000"/>
+              </a:lnSpc>
+            </a:pPr>
+            <a:r>
+              <a:rPr lang="zh-CN" altLang="en-US" sz="1599" dirty="0">
+                <a:solidFill>
+                  <a:schemeClr val="tx2"/>
+                </a:solidFill>
+                <a:latin typeface="Arial" panose="020B0604020202020204" pitchFamily="34" charset="0"/>
+                <a:ea typeface="Microsoft YaHei" panose="020B0503020204020204" pitchFamily="34" charset="-122"/>
+                <a:cs typeface="+mn-ea"/>
+                <a:sym typeface="Arial" panose="020B0604020202020204" pitchFamily="34" charset="0"/>
+              </a:rPr>
+              <a:t>数据库设计</a:t>
+            </a:r>
+            <a:endParaRPr lang="en-AU" sz="1599" dirty="0">
+              <a:solidFill>
+                <a:schemeClr val="tx2"/>
+              </a:solidFill>
+              <a:latin typeface="Arial" panose="020B0604020202020204" pitchFamily="34" charset="0"/>
+              <a:ea typeface="Microsoft YaHei" panose="020B0503020204020204" pitchFamily="34" charset="-122"/>
+              <a:cs typeface="+mn-ea"/>
+              <a:sym typeface="Arial" panose="020B0604020202020204" pitchFamily="34" charset="0"/>
+            </a:endParaRPr>
+          </a:p>
+        </p:txBody>
+      </p:sp>
+      <p:sp>
+        <p:nvSpPr>
+          <p:cNvPr id="5" name="Text Placeholder 33">
+            <a:extLst>
+              <a:ext uri="{FF2B5EF4-FFF2-40B4-BE49-F238E27FC236}">
+                <a16:creationId xmlns:a16="http://schemas.microsoft.com/office/drawing/2014/main" id="{2BDD0E78-CFC2-0A30-0ADB-2E5B2397D3B0}"/>
+              </a:ext>
+            </a:extLst>
+          </p:cNvPr>
+          <p:cNvSpPr txBox="1"/>
+          <p:nvPr/>
+        </p:nvSpPr>
+        <p:spPr>
+          <a:xfrm>
+            <a:off x="4473592" y="2782620"/>
+            <a:ext cx="1340651" cy="338426"/>
+          </a:xfrm>
+          <a:prstGeom prst="rect">
+            <a:avLst/>
+          </a:prstGeom>
+          <a:noFill/>
+        </p:spPr>
+        <p:txBody>
+          <a:bodyPr wrap="square" rtlCol="0">
+            <a:spAutoFit/>
+          </a:bodyPr>
+          <a:lstStyle>
+            <a:defPPr>
+              <a:defRPr lang="zh-CN"/>
+            </a:defPPr>
+            <a:lvl1pPr defTabSz="1219078">
+              <a:lnSpc>
+                <a:spcPct val="150000"/>
+              </a:lnSpc>
+              <a:spcBef>
+                <a:spcPct val="20000"/>
+              </a:spcBef>
+              <a:defRPr sz="1400" b="1">
+                <a:solidFill>
+                  <a:schemeClr val="tx1">
+                    <a:lumMod val="75000"/>
+                    <a:lumOff val="25000"/>
+                  </a:schemeClr>
+                </a:solidFill>
+                <a:latin typeface="微软雅黑" panose="020B0503020204020204" pitchFamily="34" charset="-122"/>
+                <a:ea typeface="微软雅黑" panose="020B0503020204020204" pitchFamily="34" charset="-122"/>
+              </a:defRPr>
+            </a:lvl1pPr>
+          </a:lstStyle>
+          <a:p>
+            <a:pPr>
+              <a:lnSpc>
+                <a:spcPct val="100000"/>
+              </a:lnSpc>
+            </a:pPr>
+            <a:r>
+              <a:rPr lang="zh-CN" altLang="en-US" sz="1599" dirty="0">
+                <a:solidFill>
+                  <a:schemeClr val="tx2"/>
+                </a:solidFill>
+                <a:latin typeface="Arial" panose="020B0604020202020204" pitchFamily="34" charset="0"/>
+                <a:ea typeface="Microsoft YaHei" panose="020B0503020204020204" pitchFamily="34" charset="-122"/>
+                <a:cs typeface="+mn-ea"/>
+                <a:sym typeface="Arial" panose="020B0604020202020204" pitchFamily="34" charset="0"/>
+              </a:rPr>
+              <a:t>算法设计</a:t>
+            </a:r>
+            <a:endParaRPr lang="en-AU" sz="1599" dirty="0">
+              <a:solidFill>
+                <a:schemeClr val="tx2"/>
+              </a:solidFill>
+              <a:latin typeface="Arial" panose="020B0604020202020204" pitchFamily="34" charset="0"/>
+              <a:ea typeface="Microsoft YaHei" panose="020B0503020204020204" pitchFamily="34" charset="-122"/>
+              <a:cs typeface="+mn-ea"/>
+              <a:sym typeface="Arial" panose="020B0604020202020204" pitchFamily="34" charset="0"/>
+            </a:endParaRPr>
+          </a:p>
+        </p:txBody>
+      </p:sp>
+      <p:sp>
+        <p:nvSpPr>
+          <p:cNvPr id="8" name="Text Placeholder 33">
+            <a:extLst>
+              <a:ext uri="{FF2B5EF4-FFF2-40B4-BE49-F238E27FC236}">
+                <a16:creationId xmlns:a16="http://schemas.microsoft.com/office/drawing/2014/main" id="{816D323E-E192-2F65-7585-4FBE713F5993}"/>
+              </a:ext>
+            </a:extLst>
+          </p:cNvPr>
+          <p:cNvSpPr txBox="1"/>
+          <p:nvPr/>
+        </p:nvSpPr>
+        <p:spPr>
+          <a:xfrm>
+            <a:off x="7188926" y="3967844"/>
+            <a:ext cx="1487371" cy="879856"/>
+          </a:xfrm>
+          <a:prstGeom prst="rect">
+            <a:avLst/>
+          </a:prstGeom>
+          <a:noFill/>
+        </p:spPr>
+        <p:txBody>
+          <a:bodyPr wrap="square" rtlCol="0">
+            <a:spAutoFit/>
+          </a:bodyPr>
+          <a:lstStyle>
+            <a:defPPr>
+              <a:defRPr lang="zh-CN"/>
+            </a:defPPr>
+            <a:lvl1pPr defTabSz="1219078">
+              <a:lnSpc>
+                <a:spcPct val="150000"/>
+              </a:lnSpc>
+              <a:spcBef>
+                <a:spcPct val="20000"/>
+              </a:spcBef>
+              <a:defRPr sz="1400" b="1">
+                <a:solidFill>
+                  <a:schemeClr val="tx1">
+                    <a:lumMod val="75000"/>
+                    <a:lumOff val="25000"/>
+                  </a:schemeClr>
+                </a:solidFill>
+                <a:latin typeface="微软雅黑" panose="020B0503020204020204" pitchFamily="34" charset="-122"/>
+                <a:ea typeface="微软雅黑" panose="020B0503020204020204" pitchFamily="34" charset="-122"/>
+              </a:defRPr>
+            </a:lvl1pPr>
+          </a:lstStyle>
+          <a:p>
+            <a:pPr>
+              <a:lnSpc>
+                <a:spcPct val="100000"/>
+              </a:lnSpc>
+            </a:pPr>
+            <a:r>
+              <a:rPr lang="zh-CN" altLang="en-US" sz="1599" dirty="0">
+                <a:solidFill>
+                  <a:schemeClr val="tx2"/>
+                </a:solidFill>
+                <a:latin typeface="Arial" panose="020B0604020202020204" pitchFamily="34" charset="0"/>
+                <a:ea typeface="Microsoft YaHei" panose="020B0503020204020204" pitchFamily="34" charset="-122"/>
+                <a:cs typeface="+mn-ea"/>
+                <a:sym typeface="Arial" panose="020B0604020202020204" pitchFamily="34" charset="0"/>
+              </a:rPr>
+              <a:t>小组分工及评价、提交说明</a:t>
+            </a:r>
+          </a:p>
+          <a:p>
+            <a:pPr>
+              <a:lnSpc>
+                <a:spcPct val="100000"/>
+              </a:lnSpc>
+            </a:pPr>
+            <a:endParaRPr lang="en-AU" sz="1599" dirty="0">
+              <a:solidFill>
+                <a:schemeClr val="tx2"/>
+              </a:solidFill>
+              <a:latin typeface="Arial" panose="020B0604020202020204" pitchFamily="34" charset="0"/>
+              <a:ea typeface="Microsoft YaHei" panose="020B0503020204020204" pitchFamily="34" charset="-122"/>
+              <a:cs typeface="+mn-ea"/>
+              <a:sym typeface="Arial" panose="020B0604020202020204" pitchFamily="34" charset="0"/>
+            </a:endParaRPr>
+          </a:p>
+        </p:txBody>
+      </p:sp>
     </p:spTree>
     <p:extLst>
       <p:ext uri="{BB962C8B-B14F-4D97-AF65-F5344CB8AC3E}">
@@ -10757,6 +13491,1231 @@
 </p:sld>
 </file>
 
+<file path=ppt/slides/slide20.xml><?xml version="1.0" encoding="utf-8"?>
+<p:sld xmlns:a="http://schemas.openxmlformats.org/drawingml/2006/main" xmlns:r="http://schemas.openxmlformats.org/officeDocument/2006/relationships" xmlns:p="http://schemas.openxmlformats.org/presentationml/2006/main">
+  <p:cSld>
+    <p:spTree>
+      <p:nvGrpSpPr>
+        <p:cNvPr id="1" name=""/>
+        <p:cNvGrpSpPr/>
+        <p:nvPr/>
+      </p:nvGrpSpPr>
+      <p:grpSpPr>
+        <a:xfrm>
+          <a:off x="0" y="0"/>
+          <a:ext cx="0" cy="0"/>
+          <a:chOff x="0" y="0"/>
+          <a:chExt cx="0" cy="0"/>
+        </a:xfrm>
+      </p:grpSpPr>
+      <p:sp>
+        <p:nvSpPr>
+          <p:cNvPr id="2" name="等腰三角形 1">
+            <a:extLst>
+              <a:ext uri="{FF2B5EF4-FFF2-40B4-BE49-F238E27FC236}">
+                <a16:creationId xmlns:a16="http://schemas.microsoft.com/office/drawing/2014/main" id="{04D61701-643F-4104-2892-F80CDBEBE2DD}"/>
+              </a:ext>
+            </a:extLst>
+          </p:cNvPr>
+          <p:cNvSpPr/>
+          <p:nvPr/>
+        </p:nvSpPr>
+        <p:spPr>
+          <a:xfrm rot="5400000">
+            <a:off x="3892677" y="-3898770"/>
+            <a:ext cx="1358647" cy="9144002"/>
+          </a:xfrm>
+          <a:prstGeom prst="triangle">
+            <a:avLst>
+              <a:gd name="adj" fmla="val 0"/>
+            </a:avLst>
+          </a:prstGeom>
+          <a:solidFill>
+            <a:srgbClr val="44546A"/>
+          </a:solidFill>
+          <a:ln>
+            <a:solidFill>
+              <a:srgbClr val="44546A"/>
+            </a:solidFill>
+          </a:ln>
+        </p:spPr>
+        <p:style>
+          <a:lnRef idx="2">
+            <a:schemeClr val="accent1">
+              <a:shade val="50000"/>
+            </a:schemeClr>
+          </a:lnRef>
+          <a:fillRef idx="1">
+            <a:schemeClr val="accent1"/>
+          </a:fillRef>
+          <a:effectRef idx="0">
+            <a:schemeClr val="accent1"/>
+          </a:effectRef>
+          <a:fontRef idx="minor">
+            <a:schemeClr val="lt1"/>
+          </a:fontRef>
+        </p:style>
+        <p:txBody>
+          <a:bodyPr rtlCol="0" anchor="ctr"/>
+          <a:lstStyle/>
+          <a:p>
+            <a:pPr algn="ctr"/>
+            <a:endParaRPr lang="zh-CN" altLang="en-US"/>
+          </a:p>
+        </p:txBody>
+      </p:sp>
+      <p:sp>
+        <p:nvSpPr>
+          <p:cNvPr id="27" name="文本框 26"/>
+          <p:cNvSpPr txBox="1"/>
+          <p:nvPr/>
+        </p:nvSpPr>
+        <p:spPr>
+          <a:xfrm>
+            <a:off x="-76200" y="118645"/>
+            <a:ext cx="5144589" cy="507703"/>
+          </a:xfrm>
+          <a:prstGeom prst="rect">
+            <a:avLst/>
+          </a:prstGeom>
+          <a:noFill/>
+        </p:spPr>
+        <p:txBody>
+          <a:bodyPr wrap="square">
+            <a:spAutoFit/>
+          </a:bodyPr>
+          <a:lstStyle>
+            <a:defPPr>
+              <a:defRPr lang="zh-CN"/>
+            </a:defPPr>
+            <a:lvl1pPr algn="ctr">
+              <a:lnSpc>
+                <a:spcPct val="150000"/>
+              </a:lnSpc>
+              <a:defRPr sz="1400">
+                <a:gradFill>
+                  <a:gsLst>
+                    <a:gs pos="0">
+                      <a:srgbClr val="08AEEA"/>
+                    </a:gs>
+                    <a:gs pos="100000">
+                      <a:srgbClr val="2AF598"/>
+                    </a:gs>
+                  </a:gsLst>
+                  <a:lin ang="2700000" scaled="0"/>
+                </a:gradFill>
+                <a:latin typeface="微软雅黑" panose="020B0503020204020204" pitchFamily="34" charset="-122"/>
+                <a:ea typeface="微软雅黑" panose="020B0503020204020204" pitchFamily="34" charset="-122"/>
+              </a:defRPr>
+            </a:lvl1pPr>
+          </a:lstStyle>
+          <a:p>
+            <a:pPr>
+              <a:lnSpc>
+                <a:spcPct val="100000"/>
+              </a:lnSpc>
+              <a:defRPr/>
+            </a:pPr>
+            <a:r>
+              <a:rPr lang="en-US" altLang="zh-CN" sz="2699" b="1" dirty="0">
+                <a:solidFill>
+                  <a:schemeClr val="bg2">
+                    <a:lumMod val="50000"/>
+                  </a:schemeClr>
+                </a:solidFill>
+                <a:latin typeface="+mn-lt"/>
+                <a:ea typeface="+mn-ea"/>
+                <a:cs typeface="+mn-ea"/>
+                <a:sym typeface="+mn-lt"/>
+              </a:rPr>
+              <a:t>9.</a:t>
+            </a:r>
+            <a:r>
+              <a:rPr lang="zh-CN" altLang="en-US" sz="2699" b="1" dirty="0">
+                <a:solidFill>
+                  <a:schemeClr val="bg2">
+                    <a:lumMod val="50000"/>
+                  </a:schemeClr>
+                </a:solidFill>
+                <a:latin typeface="+mn-lt"/>
+                <a:ea typeface="+mn-ea"/>
+                <a:cs typeface="+mn-ea"/>
+                <a:sym typeface="+mn-lt"/>
+              </a:rPr>
+              <a:t>小组分工及评价、 提交说明</a:t>
+            </a:r>
+          </a:p>
+        </p:txBody>
+      </p:sp>
+      <p:pic>
+        <p:nvPicPr>
+          <p:cNvPr id="5" name="图片 4">
+            <a:extLst>
+              <a:ext uri="{FF2B5EF4-FFF2-40B4-BE49-F238E27FC236}">
+                <a16:creationId xmlns:a16="http://schemas.microsoft.com/office/drawing/2014/main" id="{96F36265-0A11-482C-AF2C-873BCA46D327}"/>
+              </a:ext>
+            </a:extLst>
+          </p:cNvPr>
+          <p:cNvPicPr>
+            <a:picLocks noChangeAspect="1"/>
+          </p:cNvPicPr>
+          <p:nvPr/>
+        </p:nvPicPr>
+        <p:blipFill>
+          <a:blip r:embed="rId3"/>
+          <a:stretch>
+            <a:fillRect/>
+          </a:stretch>
+        </p:blipFill>
+        <p:spPr>
+          <a:xfrm>
+            <a:off x="119302" y="1499609"/>
+            <a:ext cx="4028089" cy="2824741"/>
+          </a:xfrm>
+          <a:prstGeom prst="rect">
+            <a:avLst/>
+          </a:prstGeom>
+        </p:spPr>
+      </p:pic>
+      <p:sp>
+        <p:nvSpPr>
+          <p:cNvPr id="3" name="Rectangle 1">
+            <a:extLst>
+              <a:ext uri="{FF2B5EF4-FFF2-40B4-BE49-F238E27FC236}">
+                <a16:creationId xmlns:a16="http://schemas.microsoft.com/office/drawing/2014/main" id="{60FF20B4-7B97-7234-AC3A-027056DDF720}"/>
+              </a:ext>
+            </a:extLst>
+          </p:cNvPr>
+          <p:cNvSpPr>
+            <a:spLocks noChangeArrowheads="1"/>
+          </p:cNvSpPr>
+          <p:nvPr/>
+        </p:nvSpPr>
+        <p:spPr bwMode="auto">
+          <a:xfrm>
+            <a:off x="5409939" y="3389174"/>
+            <a:ext cx="2743200" cy="1754326"/>
+          </a:xfrm>
+          <a:prstGeom prst="rect">
+            <a:avLst/>
+          </a:prstGeom>
+          <a:noFill/>
+          <a:ln>
+            <a:noFill/>
+          </a:ln>
+          <a:effectLst/>
+          <a:extLst>
+            <a:ext uri="{909E8E84-426E-40DD-AFC4-6F175D3DCCD1}">
+              <a14:hiddenFill xmlns:a14="http://schemas.microsoft.com/office/drawing/2010/main">
+                <a:solidFill>
+                  <a:schemeClr val="accent1"/>
+                </a:solidFill>
+              </a14:hiddenFill>
+            </a:ext>
+            <a:ext uri="{91240B29-F687-4F45-9708-019B960494DF}">
+              <a14:hiddenLine xmlns:a14="http://schemas.microsoft.com/office/drawing/2010/main" w="9525">
+                <a:solidFill>
+                  <a:schemeClr val="tx1"/>
+                </a:solidFill>
+                <a:miter lim="800000"/>
+                <a:headEnd/>
+                <a:tailEnd/>
+              </a14:hiddenLine>
+            </a:ext>
+            <a:ext uri="{AF507438-7753-43E0-B8FC-AC1667EBCBE1}">
+              <a14:hiddenEffects xmlns:a14="http://schemas.microsoft.com/office/drawing/2010/main">
+                <a:effectLst>
+                  <a:outerShdw dist="35921" dir="2700000" algn="ctr" rotWithShape="0">
+                    <a:schemeClr val="bg2"/>
+                  </a:outerShdw>
+                </a:effectLst>
+              </a14:hiddenEffects>
+            </a:ext>
+          </a:extLst>
+        </p:spPr>
+        <p:txBody>
+          <a:bodyPr vert="horz" wrap="square" lIns="91440" tIns="45720" rIns="91440" bIns="45720" numCol="1" anchor="ctr" anchorCtr="0" compatLnSpc="1">
+            <a:prstTxWarp prst="textNoShape">
+              <a:avLst/>
+            </a:prstTxWarp>
+            <a:spAutoFit/>
+          </a:bodyPr>
+          <a:lstStyle>
+            <a:lvl1pPr indent="400050" eaLnBrk="0" fontAlgn="base" hangingPunct="0">
+              <a:spcBef>
+                <a:spcPct val="0"/>
+              </a:spcBef>
+              <a:spcAft>
+                <a:spcPct val="0"/>
+              </a:spcAft>
+              <a:defRPr>
+                <a:solidFill>
+                  <a:schemeClr val="tx1"/>
+                </a:solidFill>
+                <a:latin typeface="Arial" panose="020B0604020202020204" pitchFamily="34" charset="0"/>
+              </a:defRPr>
+            </a:lvl1pPr>
+            <a:lvl2pPr eaLnBrk="0" fontAlgn="base" hangingPunct="0">
+              <a:spcBef>
+                <a:spcPct val="0"/>
+              </a:spcBef>
+              <a:spcAft>
+                <a:spcPct val="0"/>
+              </a:spcAft>
+              <a:defRPr>
+                <a:solidFill>
+                  <a:schemeClr val="tx1"/>
+                </a:solidFill>
+                <a:latin typeface="Arial" panose="020B0604020202020204" pitchFamily="34" charset="0"/>
+              </a:defRPr>
+            </a:lvl2pPr>
+            <a:lvl3pPr eaLnBrk="0" fontAlgn="base" hangingPunct="0">
+              <a:spcBef>
+                <a:spcPct val="0"/>
+              </a:spcBef>
+              <a:spcAft>
+                <a:spcPct val="0"/>
+              </a:spcAft>
+              <a:defRPr>
+                <a:solidFill>
+                  <a:schemeClr val="tx1"/>
+                </a:solidFill>
+                <a:latin typeface="Arial" panose="020B0604020202020204" pitchFamily="34" charset="0"/>
+              </a:defRPr>
+            </a:lvl3pPr>
+            <a:lvl4pPr eaLnBrk="0" fontAlgn="base" hangingPunct="0">
+              <a:spcBef>
+                <a:spcPct val="0"/>
+              </a:spcBef>
+              <a:spcAft>
+                <a:spcPct val="0"/>
+              </a:spcAft>
+              <a:defRPr>
+                <a:solidFill>
+                  <a:schemeClr val="tx1"/>
+                </a:solidFill>
+                <a:latin typeface="Arial" panose="020B0604020202020204" pitchFamily="34" charset="0"/>
+              </a:defRPr>
+            </a:lvl4pPr>
+            <a:lvl5pPr eaLnBrk="0" fontAlgn="base" hangingPunct="0">
+              <a:spcBef>
+                <a:spcPct val="0"/>
+              </a:spcBef>
+              <a:spcAft>
+                <a:spcPct val="0"/>
+              </a:spcAft>
+              <a:defRPr>
+                <a:solidFill>
+                  <a:schemeClr val="tx1"/>
+                </a:solidFill>
+                <a:latin typeface="Arial" panose="020B0604020202020204" pitchFamily="34" charset="0"/>
+              </a:defRPr>
+            </a:lvl5pPr>
+            <a:lvl6pPr eaLnBrk="0" fontAlgn="base" hangingPunct="0">
+              <a:spcBef>
+                <a:spcPct val="0"/>
+              </a:spcBef>
+              <a:spcAft>
+                <a:spcPct val="0"/>
+              </a:spcAft>
+              <a:defRPr>
+                <a:solidFill>
+                  <a:schemeClr val="tx1"/>
+                </a:solidFill>
+                <a:latin typeface="Arial" panose="020B0604020202020204" pitchFamily="34" charset="0"/>
+              </a:defRPr>
+            </a:lvl6pPr>
+            <a:lvl7pPr eaLnBrk="0" fontAlgn="base" hangingPunct="0">
+              <a:spcBef>
+                <a:spcPct val="0"/>
+              </a:spcBef>
+              <a:spcAft>
+                <a:spcPct val="0"/>
+              </a:spcAft>
+              <a:defRPr>
+                <a:solidFill>
+                  <a:schemeClr val="tx1"/>
+                </a:solidFill>
+                <a:latin typeface="Arial" panose="020B0604020202020204" pitchFamily="34" charset="0"/>
+              </a:defRPr>
+            </a:lvl7pPr>
+            <a:lvl8pPr eaLnBrk="0" fontAlgn="base" hangingPunct="0">
+              <a:spcBef>
+                <a:spcPct val="0"/>
+              </a:spcBef>
+              <a:spcAft>
+                <a:spcPct val="0"/>
+              </a:spcAft>
+              <a:defRPr>
+                <a:solidFill>
+                  <a:schemeClr val="tx1"/>
+                </a:solidFill>
+                <a:latin typeface="Arial" panose="020B0604020202020204" pitchFamily="34" charset="0"/>
+              </a:defRPr>
+            </a:lvl8pPr>
+            <a:lvl9pPr eaLnBrk="0" fontAlgn="base" hangingPunct="0">
+              <a:spcBef>
+                <a:spcPct val="0"/>
+              </a:spcBef>
+              <a:spcAft>
+                <a:spcPct val="0"/>
+              </a:spcAft>
+              <a:defRPr>
+                <a:solidFill>
+                  <a:schemeClr val="tx1"/>
+                </a:solidFill>
+                <a:latin typeface="Arial" panose="020B0604020202020204" pitchFamily="34" charset="0"/>
+              </a:defRPr>
+            </a:lvl9pPr>
+          </a:lstStyle>
+          <a:p>
+            <a:pPr algn="l"/>
+            <a:r>
+              <a:rPr lang="zh-CN" altLang="en-US" b="1" dirty="0"/>
+              <a:t>提交说明：</a:t>
+            </a:r>
+            <a:endParaRPr lang="en-US" altLang="zh-CN" b="1" dirty="0"/>
+          </a:p>
+          <a:p>
+            <a:pPr algn="l"/>
+            <a:endParaRPr lang="en-US" altLang="zh-CN" dirty="0"/>
+          </a:p>
+          <a:p>
+            <a:pPr algn="l"/>
+            <a:r>
+              <a:rPr lang="zh-CN" altLang="en-US" dirty="0"/>
+              <a:t>小组已</a:t>
+            </a:r>
+            <a:r>
+              <a:rPr lang="zh-CN" altLang="en-US" b="0" i="0" dirty="0">
+                <a:effectLst/>
+                <a:latin typeface="Arial" panose="020B0604020202020204" pitchFamily="34" charset="0"/>
+              </a:rPr>
+              <a:t>按照项目进度和课程要求提交了全部的阶段成果</a:t>
+            </a:r>
+          </a:p>
+          <a:p>
+            <a:pPr marL="0" marR="0" lvl="0" indent="400050" algn="l" defTabSz="914400" rtl="0" eaLnBrk="0" fontAlgn="base" latinLnBrk="0" hangingPunct="0">
+              <a:lnSpc>
+                <a:spcPct val="100000"/>
+              </a:lnSpc>
+              <a:spcBef>
+                <a:spcPct val="0"/>
+              </a:spcBef>
+              <a:spcAft>
+                <a:spcPct val="0"/>
+              </a:spcAft>
+              <a:buClrTx/>
+              <a:buSzTx/>
+              <a:buFontTx/>
+              <a:buNone/>
+              <a:tabLst/>
+            </a:pPr>
+            <a:endParaRPr kumimoji="0" lang="zh-CN" altLang="en-US" sz="1800" b="0" i="0" u="none" strike="noStrike" cap="none" normalizeH="0" baseline="0" dirty="0">
+              <a:ln>
+                <a:noFill/>
+              </a:ln>
+              <a:solidFill>
+                <a:schemeClr val="tx1"/>
+              </a:solidFill>
+              <a:effectLst/>
+              <a:latin typeface="Arial" panose="020B0604020202020204" pitchFamily="34" charset="0"/>
+            </a:endParaRPr>
+          </a:p>
+        </p:txBody>
+      </p:sp>
+      <p:pic>
+        <p:nvPicPr>
+          <p:cNvPr id="6" name="图片 5">
+            <a:extLst>
+              <a:ext uri="{FF2B5EF4-FFF2-40B4-BE49-F238E27FC236}">
+                <a16:creationId xmlns:a16="http://schemas.microsoft.com/office/drawing/2014/main" id="{DAE81FC7-B11C-861F-7B75-9018507571D5}"/>
+              </a:ext>
+            </a:extLst>
+          </p:cNvPr>
+          <p:cNvPicPr>
+            <a:picLocks noChangeAspect="1"/>
+          </p:cNvPicPr>
+          <p:nvPr/>
+        </p:nvPicPr>
+        <p:blipFill>
+          <a:blip r:embed="rId4"/>
+          <a:stretch>
+            <a:fillRect/>
+          </a:stretch>
+        </p:blipFill>
+        <p:spPr>
+          <a:xfrm>
+            <a:off x="4419079" y="751086"/>
+            <a:ext cx="4724921" cy="2597501"/>
+          </a:xfrm>
+          <a:prstGeom prst="rect">
+            <a:avLst/>
+          </a:prstGeom>
+        </p:spPr>
+      </p:pic>
+    </p:spTree>
+    <p:extLst>
+      <p:ext uri="{BB962C8B-B14F-4D97-AF65-F5344CB8AC3E}">
+        <p14:creationId xmlns:p14="http://schemas.microsoft.com/office/powerpoint/2010/main" val="605336132"/>
+      </p:ext>
+    </p:extLst>
+  </p:cSld>
+  <p:clrMapOvr>
+    <a:masterClrMapping/>
+  </p:clrMapOvr>
+  <mc:AlternateContent xmlns:mc="http://schemas.openxmlformats.org/markup-compatibility/2006" xmlns:p14="http://schemas.microsoft.com/office/powerpoint/2010/main">
+    <mc:Choice Requires="p14">
+      <p:transition spd="slow" p14:dur="1600">
+        <p14:gallery dir="l"/>
+      </p:transition>
+    </mc:Choice>
+    <mc:Fallback xmlns="">
+      <p:transition spd="slow">
+        <p:fade/>
+      </p:transition>
+    </mc:Fallback>
+  </mc:AlternateContent>
+</p:sld>
+</file>
+
+<file path=ppt/slides/slide21.xml><?xml version="1.0" encoding="utf-8"?>
+<p:sld xmlns:a="http://schemas.openxmlformats.org/drawingml/2006/main" xmlns:r="http://schemas.openxmlformats.org/officeDocument/2006/relationships" xmlns:p="http://schemas.openxmlformats.org/presentationml/2006/main">
+  <p:cSld>
+    <p:spTree>
+      <p:nvGrpSpPr>
+        <p:cNvPr id="1" name=""/>
+        <p:cNvGrpSpPr/>
+        <p:nvPr/>
+      </p:nvGrpSpPr>
+      <p:grpSpPr>
+        <a:xfrm>
+          <a:off x="0" y="0"/>
+          <a:ext cx="0" cy="0"/>
+          <a:chOff x="0" y="0"/>
+          <a:chExt cx="0" cy="0"/>
+        </a:xfrm>
+      </p:grpSpPr>
+      <p:sp>
+        <p:nvSpPr>
+          <p:cNvPr id="2" name="灯片编号占位符 1">
+            <a:extLst>
+              <a:ext uri="{FF2B5EF4-FFF2-40B4-BE49-F238E27FC236}">
+                <a16:creationId xmlns:a16="http://schemas.microsoft.com/office/drawing/2014/main" id="{64C4F8D2-752F-1FD6-6328-62BF4EBA7AB9}"/>
+              </a:ext>
+            </a:extLst>
+          </p:cNvPr>
+          <p:cNvSpPr>
+            <a:spLocks noGrp="1"/>
+          </p:cNvSpPr>
+          <p:nvPr>
+            <p:ph type="sldNum" sz="quarter" idx="12"/>
+          </p:nvPr>
+        </p:nvSpPr>
+        <p:spPr/>
+        <p:txBody>
+          <a:bodyPr/>
+          <a:lstStyle/>
+          <a:p>
+            <a:fld id="{0C913308-F349-4B6D-A68A-DD1791B4A57B}" type="slidenum">
+              <a:rPr lang="zh-CN" altLang="en-US" smtClean="0">
+                <a:solidFill>
+                  <a:prstClr val="black">
+                    <a:tint val="75000"/>
+                  </a:prstClr>
+                </a:solidFill>
+              </a:rPr>
+              <a:pPr/>
+              <a:t>21</a:t>
+            </a:fld>
+            <a:endParaRPr lang="zh-CN" altLang="en-US">
+              <a:solidFill>
+                <a:prstClr val="black">
+                  <a:tint val="75000"/>
+                </a:prstClr>
+              </a:solidFill>
+            </a:endParaRPr>
+          </a:p>
+        </p:txBody>
+      </p:sp>
+      <p:pic>
+        <p:nvPicPr>
+          <p:cNvPr id="3" name="图片占位符 2">
+            <a:extLst>
+              <a:ext uri="{FF2B5EF4-FFF2-40B4-BE49-F238E27FC236}">
+                <a16:creationId xmlns:a16="http://schemas.microsoft.com/office/drawing/2014/main" id="{77B157F5-49F1-D8EC-22F1-476BE049A184}"/>
+              </a:ext>
+            </a:extLst>
+          </p:cNvPr>
+          <p:cNvPicPr>
+            <a:picLocks noChangeAspect="1"/>
+          </p:cNvPicPr>
+          <p:nvPr/>
+        </p:nvPicPr>
+        <p:blipFill>
+          <a:blip r:embed="rId2">
+            <a:extLst>
+              <a:ext uri="{28A0092B-C50C-407E-A947-70E740481C1C}">
+                <a14:useLocalDpi xmlns:a14="http://schemas.microsoft.com/office/drawing/2010/main" val="0"/>
+              </a:ext>
+            </a:extLst>
+          </a:blip>
+          <a:srcRect t="3125" b="3125"/>
+          <a:stretch>
+            <a:fillRect/>
+          </a:stretch>
+        </p:blipFill>
+        <p:spPr>
+          <a:xfrm>
+            <a:off x="0" y="0"/>
+            <a:ext cx="9144000" cy="5143500"/>
+          </a:xfrm>
+          <a:prstGeom prst="rect">
+            <a:avLst/>
+          </a:prstGeom>
+        </p:spPr>
+      </p:pic>
+      <p:sp>
+        <p:nvSpPr>
+          <p:cNvPr id="5" name="圆角矩形 4">
+            <a:extLst>
+              <a:ext uri="{FF2B5EF4-FFF2-40B4-BE49-F238E27FC236}">
+                <a16:creationId xmlns:a16="http://schemas.microsoft.com/office/drawing/2014/main" id="{52671DF5-D36A-91CC-1CEF-663DBCD0AA9E}"/>
+              </a:ext>
+            </a:extLst>
+          </p:cNvPr>
+          <p:cNvSpPr/>
+          <p:nvPr/>
+        </p:nvSpPr>
+        <p:spPr>
+          <a:xfrm>
+            <a:off x="4419600" y="3269258"/>
+            <a:ext cx="4572000" cy="563290"/>
+          </a:xfrm>
+          <a:prstGeom prst="roundRect">
+            <a:avLst>
+              <a:gd name="adj" fmla="val 50000"/>
+            </a:avLst>
+          </a:prstGeom>
+          <a:noFill/>
+          <a:ln w="6350">
+            <a:solidFill>
+              <a:schemeClr val="bg1"/>
+            </a:solidFill>
+          </a:ln>
+        </p:spPr>
+        <p:style>
+          <a:lnRef idx="2">
+            <a:schemeClr val="accent1">
+              <a:shade val="50000"/>
+            </a:schemeClr>
+          </a:lnRef>
+          <a:fillRef idx="1">
+            <a:schemeClr val="accent1"/>
+          </a:fillRef>
+          <a:effectRef idx="0">
+            <a:schemeClr val="accent1"/>
+          </a:effectRef>
+          <a:fontRef idx="minor">
+            <a:schemeClr val="lt1"/>
+          </a:fontRef>
+        </p:style>
+        <p:txBody>
+          <a:bodyPr rtlCol="0" anchor="ctr"/>
+          <a:lstStyle/>
+          <a:p>
+            <a:pPr algn="ctr"/>
+            <a:r>
+              <a:rPr lang="en-US" altLang="zh-CN" sz="825" spc="450" dirty="0">
+                <a:solidFill>
+                  <a:prstClr val="white"/>
+                </a:solidFill>
+                <a:cs typeface="+mn-ea"/>
+                <a:sym typeface="+mn-lt"/>
+              </a:rPr>
+              <a:t>G06</a:t>
+            </a:r>
+          </a:p>
+          <a:p>
+            <a:pPr algn="ctr"/>
+            <a:r>
+              <a:rPr lang="zh-CN" altLang="en-US" sz="825" spc="450" dirty="0">
+                <a:solidFill>
+                  <a:prstClr val="white"/>
+                </a:solidFill>
+                <a:cs typeface="+mn-ea"/>
+                <a:sym typeface="+mn-lt"/>
+              </a:rPr>
+              <a:t>组长：胡晨炘</a:t>
+            </a:r>
+            <a:r>
+              <a:rPr lang="en-US" altLang="zh-CN" sz="825" spc="450" dirty="0">
+                <a:solidFill>
+                  <a:prstClr val="white"/>
+                </a:solidFill>
+                <a:cs typeface="+mn-ea"/>
+                <a:sym typeface="+mn-lt"/>
+              </a:rPr>
+              <a:t>	</a:t>
+            </a:r>
+            <a:r>
+              <a:rPr lang="zh-CN" altLang="en-US" sz="825" spc="450" dirty="0">
+                <a:solidFill>
+                  <a:prstClr val="white"/>
+                </a:solidFill>
+                <a:cs typeface="+mn-ea"/>
+                <a:sym typeface="+mn-lt"/>
+              </a:rPr>
+              <a:t>组员：邹雨哲</a:t>
+            </a:r>
+            <a:r>
+              <a:rPr lang="en-US" altLang="zh-CN" sz="825" spc="450" dirty="0">
+                <a:solidFill>
+                  <a:prstClr val="white"/>
+                </a:solidFill>
+                <a:cs typeface="+mn-ea"/>
+                <a:sym typeface="+mn-lt"/>
+              </a:rPr>
+              <a:t>	</a:t>
+            </a:r>
+            <a:r>
+              <a:rPr lang="zh-CN" altLang="en-US" sz="825" spc="450" dirty="0">
+                <a:solidFill>
+                  <a:prstClr val="white"/>
+                </a:solidFill>
+                <a:cs typeface="+mn-ea"/>
+                <a:sym typeface="+mn-lt"/>
+              </a:rPr>
+              <a:t>姚杰昇</a:t>
+            </a:r>
+          </a:p>
+        </p:txBody>
+      </p:sp>
+      <p:sp>
+        <p:nvSpPr>
+          <p:cNvPr id="6" name="矩形 259">
+            <a:extLst>
+              <a:ext uri="{FF2B5EF4-FFF2-40B4-BE49-F238E27FC236}">
+                <a16:creationId xmlns:a16="http://schemas.microsoft.com/office/drawing/2014/main" id="{DFE1FF59-5792-49E7-FB45-6E06078C686E}"/>
+              </a:ext>
+            </a:extLst>
+          </p:cNvPr>
+          <p:cNvSpPr>
+            <a:spLocks noChangeArrowheads="1"/>
+          </p:cNvSpPr>
+          <p:nvPr/>
+        </p:nvSpPr>
+        <p:spPr bwMode="auto">
+          <a:xfrm>
+            <a:off x="4954644" y="1496641"/>
+            <a:ext cx="3501911" cy="923330"/>
+          </a:xfrm>
+          <a:prstGeom prst="rect">
+            <a:avLst/>
+          </a:prstGeom>
+          <a:noFill/>
+          <a:ln>
+            <a:noFill/>
+          </a:ln>
+          <a:effectLst/>
+          <a:extLst>
+            <a:ext uri="{909E8E84-426E-40DD-AFC4-6F175D3DCCD1}">
+              <a14:hiddenFill xmlns:a14="http://schemas.microsoft.com/office/drawing/2010/main">
+                <a:solidFill>
+                  <a:srgbClr val="FFFFFF"/>
+                </a:solidFill>
+              </a14:hiddenFill>
+            </a:ext>
+            <a:ext uri="{91240B29-F687-4F45-9708-019B960494DF}">
+              <a14:hiddenLine xmlns:a14="http://schemas.microsoft.com/office/drawing/2010/main" w="9525">
+                <a:solidFill>
+                  <a:srgbClr val="000000"/>
+                </a:solidFill>
+                <a:miter lim="800000"/>
+                <a:headEnd/>
+                <a:tailEnd/>
+              </a14:hiddenLine>
+            </a:ext>
+          </a:extLst>
+        </p:spPr>
+        <p:txBody>
+          <a:bodyPr wrap="square" lIns="0" tIns="0" rIns="0" bIns="0">
+            <a:spAutoFit/>
+          </a:bodyPr>
+          <a:lstStyle>
+            <a:lvl1pPr>
+              <a:spcBef>
+                <a:spcPct val="20000"/>
+              </a:spcBef>
+              <a:buFont typeface="Arial" panose="020B0604020202020204" pitchFamily="34" charset="0"/>
+              <a:buChar char="•"/>
+              <a:defRPr sz="3200">
+                <a:solidFill>
+                  <a:schemeClr val="tx1"/>
+                </a:solidFill>
+                <a:latin typeface="微软雅黑" panose="020B0503020204020204" pitchFamily="34" charset="-122"/>
+                <a:ea typeface="微软雅黑" panose="020B0503020204020204" pitchFamily="34" charset="-122"/>
+                <a:sym typeface="Calibri" panose="020F0502020204030204" pitchFamily="34" charset="0"/>
+              </a:defRPr>
+            </a:lvl1pPr>
+            <a:lvl2pPr marL="742950" indent="-285750">
+              <a:spcBef>
+                <a:spcPct val="20000"/>
+              </a:spcBef>
+              <a:buFont typeface="Arial" panose="020B0604020202020204" pitchFamily="34" charset="0"/>
+              <a:buChar char="–"/>
+              <a:defRPr sz="2800">
+                <a:solidFill>
+                  <a:schemeClr val="tx1"/>
+                </a:solidFill>
+                <a:latin typeface="微软雅黑" panose="020B0503020204020204" pitchFamily="34" charset="-122"/>
+                <a:ea typeface="微软雅黑" panose="020B0503020204020204" pitchFamily="34" charset="-122"/>
+                <a:sym typeface="Calibri" panose="020F0502020204030204" pitchFamily="34" charset="0"/>
+              </a:defRPr>
+            </a:lvl2pPr>
+            <a:lvl3pPr marL="1143000" indent="-228600">
+              <a:spcBef>
+                <a:spcPct val="20000"/>
+              </a:spcBef>
+              <a:buFont typeface="Arial" panose="020B0604020202020204" pitchFamily="34" charset="0"/>
+              <a:buChar char="•"/>
+              <a:defRPr sz="2400">
+                <a:solidFill>
+                  <a:schemeClr val="tx1"/>
+                </a:solidFill>
+                <a:latin typeface="微软雅黑" panose="020B0503020204020204" pitchFamily="34" charset="-122"/>
+                <a:ea typeface="微软雅黑" panose="020B0503020204020204" pitchFamily="34" charset="-122"/>
+                <a:sym typeface="Calibri" panose="020F0502020204030204" pitchFamily="34" charset="0"/>
+              </a:defRPr>
+            </a:lvl3pPr>
+            <a:lvl4pPr marL="1600200" indent="-228600">
+              <a:spcBef>
+                <a:spcPct val="20000"/>
+              </a:spcBef>
+              <a:buFont typeface="Arial" panose="020B0604020202020204" pitchFamily="34" charset="0"/>
+              <a:buChar char="–"/>
+              <a:defRPr sz="2000">
+                <a:solidFill>
+                  <a:schemeClr val="tx1"/>
+                </a:solidFill>
+                <a:latin typeface="微软雅黑" panose="020B0503020204020204" pitchFamily="34" charset="-122"/>
+                <a:ea typeface="微软雅黑" panose="020B0503020204020204" pitchFamily="34" charset="-122"/>
+                <a:sym typeface="Calibri" panose="020F0502020204030204" pitchFamily="34" charset="0"/>
+              </a:defRPr>
+            </a:lvl4pPr>
+            <a:lvl5pPr marL="2057400" indent="-228600">
+              <a:spcBef>
+                <a:spcPct val="20000"/>
+              </a:spcBef>
+              <a:buFont typeface="Arial" panose="020B0604020202020204" pitchFamily="34" charset="0"/>
+              <a:buChar char="»"/>
+              <a:defRPr sz="2000">
+                <a:solidFill>
+                  <a:schemeClr val="tx1"/>
+                </a:solidFill>
+                <a:latin typeface="微软雅黑" panose="020B0503020204020204" pitchFamily="34" charset="-122"/>
+                <a:ea typeface="微软雅黑" panose="020B0503020204020204" pitchFamily="34" charset="-122"/>
+                <a:sym typeface="Calibri" panose="020F0502020204030204" pitchFamily="34" charset="0"/>
+              </a:defRPr>
+            </a:lvl5pPr>
+            <a:lvl6pPr marL="2514600" indent="-228600" eaLnBrk="0" fontAlgn="base" hangingPunct="0">
+              <a:spcBef>
+                <a:spcPct val="20000"/>
+              </a:spcBef>
+              <a:spcAft>
+                <a:spcPct val="0"/>
+              </a:spcAft>
+              <a:buFont typeface="Arial" panose="020B0604020202020204" pitchFamily="34" charset="0"/>
+              <a:buChar char="»"/>
+              <a:defRPr sz="2000">
+                <a:solidFill>
+                  <a:schemeClr val="tx1"/>
+                </a:solidFill>
+                <a:latin typeface="微软雅黑" panose="020B0503020204020204" pitchFamily="34" charset="-122"/>
+                <a:ea typeface="微软雅黑" panose="020B0503020204020204" pitchFamily="34" charset="-122"/>
+                <a:sym typeface="Calibri" panose="020F0502020204030204" pitchFamily="34" charset="0"/>
+              </a:defRPr>
+            </a:lvl6pPr>
+            <a:lvl7pPr marL="2971800" indent="-228600" eaLnBrk="0" fontAlgn="base" hangingPunct="0">
+              <a:spcBef>
+                <a:spcPct val="20000"/>
+              </a:spcBef>
+              <a:spcAft>
+                <a:spcPct val="0"/>
+              </a:spcAft>
+              <a:buFont typeface="Arial" panose="020B0604020202020204" pitchFamily="34" charset="0"/>
+              <a:buChar char="»"/>
+              <a:defRPr sz="2000">
+                <a:solidFill>
+                  <a:schemeClr val="tx1"/>
+                </a:solidFill>
+                <a:latin typeface="微软雅黑" panose="020B0503020204020204" pitchFamily="34" charset="-122"/>
+                <a:ea typeface="微软雅黑" panose="020B0503020204020204" pitchFamily="34" charset="-122"/>
+                <a:sym typeface="Calibri" panose="020F0502020204030204" pitchFamily="34" charset="0"/>
+              </a:defRPr>
+            </a:lvl7pPr>
+            <a:lvl8pPr marL="3429000" indent="-228600" eaLnBrk="0" fontAlgn="base" hangingPunct="0">
+              <a:spcBef>
+                <a:spcPct val="20000"/>
+              </a:spcBef>
+              <a:spcAft>
+                <a:spcPct val="0"/>
+              </a:spcAft>
+              <a:buFont typeface="Arial" panose="020B0604020202020204" pitchFamily="34" charset="0"/>
+              <a:buChar char="»"/>
+              <a:defRPr sz="2000">
+                <a:solidFill>
+                  <a:schemeClr val="tx1"/>
+                </a:solidFill>
+                <a:latin typeface="微软雅黑" panose="020B0503020204020204" pitchFamily="34" charset="-122"/>
+                <a:ea typeface="微软雅黑" panose="020B0503020204020204" pitchFamily="34" charset="-122"/>
+                <a:sym typeface="Calibri" panose="020F0502020204030204" pitchFamily="34" charset="0"/>
+              </a:defRPr>
+            </a:lvl8pPr>
+            <a:lvl9pPr marL="3886200" indent="-228600" eaLnBrk="0" fontAlgn="base" hangingPunct="0">
+              <a:spcBef>
+                <a:spcPct val="20000"/>
+              </a:spcBef>
+              <a:spcAft>
+                <a:spcPct val="0"/>
+              </a:spcAft>
+              <a:buFont typeface="Arial" panose="020B0604020202020204" pitchFamily="34" charset="0"/>
+              <a:buChar char="»"/>
+              <a:defRPr sz="2000">
+                <a:solidFill>
+                  <a:schemeClr val="tx1"/>
+                </a:solidFill>
+                <a:latin typeface="微软雅黑" panose="020B0503020204020204" pitchFamily="34" charset="-122"/>
+                <a:ea typeface="微软雅黑" panose="020B0503020204020204" pitchFamily="34" charset="-122"/>
+                <a:sym typeface="Calibri" panose="020F0502020204030204" pitchFamily="34" charset="0"/>
+              </a:defRPr>
+            </a:lvl9pPr>
+          </a:lstStyle>
+          <a:p>
+            <a:pPr algn="dist">
+              <a:buFont typeface="Arial" panose="020B0604020202020204" pitchFamily="34" charset="0"/>
+              <a:buNone/>
+            </a:pPr>
+            <a:r>
+              <a:rPr lang="en-US" altLang="zh-CN" sz="6000" b="1" cap="all" dirty="0">
+                <a:solidFill>
+                  <a:prstClr val="white"/>
+                </a:solidFill>
+                <a:latin typeface="Arial"/>
+                <a:ea typeface="Microsoft YaHei"/>
+                <a:cs typeface="+mn-ea"/>
+                <a:sym typeface="+mn-lt"/>
+              </a:rPr>
+              <a:t>Thanks</a:t>
+            </a:r>
+            <a:endParaRPr lang="zh-CN" altLang="en-US" sz="6000" b="1" cap="all" dirty="0">
+              <a:solidFill>
+                <a:prstClr val="white"/>
+              </a:solidFill>
+              <a:latin typeface="Arial"/>
+              <a:ea typeface="Microsoft YaHei"/>
+              <a:cs typeface="+mn-ea"/>
+              <a:sym typeface="+mn-lt"/>
+            </a:endParaRPr>
+          </a:p>
+        </p:txBody>
+      </p:sp>
+    </p:spTree>
+    <p:extLst>
+      <p:ext uri="{BB962C8B-B14F-4D97-AF65-F5344CB8AC3E}">
+        <p14:creationId xmlns:p14="http://schemas.microsoft.com/office/powerpoint/2010/main" val="4231583448"/>
+      </p:ext>
+    </p:extLst>
+  </p:cSld>
+  <p:clrMapOvr>
+    <a:masterClrMapping/>
+  </p:clrMapOvr>
+  <p:timing>
+    <p:tnLst>
+      <p:par>
+        <p:cTn id="1" dur="indefinite" restart="never" nodeType="tmRoot">
+          <p:childTnLst>
+            <p:seq concurrent="1" nextAc="seek">
+              <p:cTn id="2" dur="indefinite" nodeType="mainSeq">
+                <p:childTnLst>
+                  <p:par>
+                    <p:cTn id="3" fill="hold">
+                      <p:stCondLst>
+                        <p:cond delay="indefinite"/>
+                        <p:cond evt="onBegin" delay="0">
+                          <p:tn val="2"/>
+                        </p:cond>
+                      </p:stCondLst>
+                      <p:childTnLst>
+                        <p:par>
+                          <p:cTn id="4" fill="hold">
+                            <p:stCondLst>
+                              <p:cond delay="0"/>
+                            </p:stCondLst>
+                            <p:childTnLst>
+                              <p:par>
+                                <p:cTn id="5" presetID="41" presetClass="entr" presetSubtype="0" fill="hold" grpId="0" nodeType="afterEffect">
+                                  <p:stCondLst>
+                                    <p:cond delay="0"/>
+                                  </p:stCondLst>
+                                  <p:iterate type="lt">
+                                    <p:tmPct val="10000"/>
+                                  </p:iterate>
+                                  <p:childTnLst>
+                                    <p:set>
+                                      <p:cBhvr>
+                                        <p:cTn id="6" dur="1" fill="hold">
+                                          <p:stCondLst>
+                                            <p:cond delay="0"/>
+                                          </p:stCondLst>
+                                        </p:cTn>
+                                        <p:tgtEl>
+                                          <p:spTgt spid="6"/>
+                                        </p:tgtEl>
+                                        <p:attrNameLst>
+                                          <p:attrName>style.visibility</p:attrName>
+                                        </p:attrNameLst>
+                                      </p:cBhvr>
+                                      <p:to>
+                                        <p:strVal val="visible"/>
+                                      </p:to>
+                                    </p:set>
+                                    <p:anim calcmode="lin" valueType="num">
+                                      <p:cBhvr>
+                                        <p:cTn id="7" dur="500" fill="hold"/>
+                                        <p:tgtEl>
+                                          <p:spTgt spid="6"/>
+                                        </p:tgtEl>
+                                        <p:attrNameLst>
+                                          <p:attrName>ppt_x</p:attrName>
+                                        </p:attrNameLst>
+                                      </p:cBhvr>
+                                      <p:tavLst>
+                                        <p:tav tm="0">
+                                          <p:val>
+                                            <p:strVal val="#ppt_x"/>
+                                          </p:val>
+                                        </p:tav>
+                                        <p:tav tm="50000">
+                                          <p:val>
+                                            <p:strVal val="#ppt_x+.1"/>
+                                          </p:val>
+                                        </p:tav>
+                                        <p:tav tm="100000">
+                                          <p:val>
+                                            <p:strVal val="#ppt_x"/>
+                                          </p:val>
+                                        </p:tav>
+                                      </p:tavLst>
+                                    </p:anim>
+                                    <p:anim calcmode="lin" valueType="num">
+                                      <p:cBhvr>
+                                        <p:cTn id="8" dur="500" fill="hold"/>
+                                        <p:tgtEl>
+                                          <p:spTgt spid="6"/>
+                                        </p:tgtEl>
+                                        <p:attrNameLst>
+                                          <p:attrName>ppt_y</p:attrName>
+                                        </p:attrNameLst>
+                                      </p:cBhvr>
+                                      <p:tavLst>
+                                        <p:tav tm="0">
+                                          <p:val>
+                                            <p:strVal val="#ppt_y"/>
+                                          </p:val>
+                                        </p:tav>
+                                        <p:tav tm="100000">
+                                          <p:val>
+                                            <p:strVal val="#ppt_y"/>
+                                          </p:val>
+                                        </p:tav>
+                                      </p:tavLst>
+                                    </p:anim>
+                                    <p:anim calcmode="lin" valueType="num">
+                                      <p:cBhvr>
+                                        <p:cTn id="9" dur="500" fill="hold"/>
+                                        <p:tgtEl>
+                                          <p:spTgt spid="6"/>
+                                        </p:tgtEl>
+                                        <p:attrNameLst>
+                                          <p:attrName>ppt_h</p:attrName>
+                                        </p:attrNameLst>
+                                      </p:cBhvr>
+                                      <p:tavLst>
+                                        <p:tav tm="0">
+                                          <p:val>
+                                            <p:strVal val="#ppt_h/10"/>
+                                          </p:val>
+                                        </p:tav>
+                                        <p:tav tm="50000">
+                                          <p:val>
+                                            <p:strVal val="#ppt_h+.01"/>
+                                          </p:val>
+                                        </p:tav>
+                                        <p:tav tm="100000">
+                                          <p:val>
+                                            <p:strVal val="#ppt_h"/>
+                                          </p:val>
+                                        </p:tav>
+                                      </p:tavLst>
+                                    </p:anim>
+                                    <p:anim calcmode="lin" valueType="num">
+                                      <p:cBhvr>
+                                        <p:cTn id="10" dur="500" fill="hold"/>
+                                        <p:tgtEl>
+                                          <p:spTgt spid="6"/>
+                                        </p:tgtEl>
+                                        <p:attrNameLst>
+                                          <p:attrName>ppt_w</p:attrName>
+                                        </p:attrNameLst>
+                                      </p:cBhvr>
+                                      <p:tavLst>
+                                        <p:tav tm="0">
+                                          <p:val>
+                                            <p:strVal val="#ppt_w/10"/>
+                                          </p:val>
+                                        </p:tav>
+                                        <p:tav tm="50000">
+                                          <p:val>
+                                            <p:strVal val="#ppt_w+.01"/>
+                                          </p:val>
+                                        </p:tav>
+                                        <p:tav tm="100000">
+                                          <p:val>
+                                            <p:strVal val="#ppt_w"/>
+                                          </p:val>
+                                        </p:tav>
+                                      </p:tavLst>
+                                    </p:anim>
+                                    <p:animEffect transition="in" filter="fade">
+                                      <p:cBhvr>
+                                        <p:cTn id="11" dur="500" tmFilter="0,0; .5, 1; 1, 1"/>
+                                        <p:tgtEl>
+                                          <p:spTgt spid="6"/>
+                                        </p:tgtEl>
+                                      </p:cBhvr>
+                                    </p:animEffect>
+                                  </p:childTnLst>
+                                </p:cTn>
+                              </p:par>
+                            </p:childTnLst>
+                          </p:cTn>
+                        </p:par>
+                        <p:par>
+                          <p:cTn id="12" fill="hold">
+                            <p:stCondLst>
+                              <p:cond delay="750"/>
+                            </p:stCondLst>
+                            <p:childTnLst>
+                              <p:par>
+                                <p:cTn id="13" presetID="26" presetClass="emph" presetSubtype="0" fill="hold" grpId="1" nodeType="afterEffect">
+                                  <p:stCondLst>
+                                    <p:cond delay="0"/>
+                                  </p:stCondLst>
+                                  <p:iterate type="lt">
+                                    <p:tmPct val="0"/>
+                                  </p:iterate>
+                                  <p:childTnLst>
+                                    <p:animEffect transition="out" filter="fade">
+                                      <p:cBhvr>
+                                        <p:cTn id="14" dur="500" tmFilter="0, 0; .2, .5; .8, .5; 1, 0"/>
+                                        <p:tgtEl>
+                                          <p:spTgt spid="6"/>
+                                        </p:tgtEl>
+                                      </p:cBhvr>
+                                    </p:animEffect>
+                                    <p:animScale>
+                                      <p:cBhvr>
+                                        <p:cTn id="15" dur="250" autoRev="1" fill="hold"/>
+                                        <p:tgtEl>
+                                          <p:spTgt spid="6"/>
+                                        </p:tgtEl>
+                                      </p:cBhvr>
+                                      <p:by x="105000" y="105000"/>
+                                    </p:animScale>
+                                  </p:childTnLst>
+                                </p:cTn>
+                              </p:par>
+                            </p:childTnLst>
+                          </p:cTn>
+                        </p:par>
+                        <p:par>
+                          <p:cTn id="16" fill="hold">
+                            <p:stCondLst>
+                              <p:cond delay="1250"/>
+                            </p:stCondLst>
+                            <p:childTnLst>
+                              <p:par>
+                                <p:cTn id="17" presetID="6" presetClass="entr" presetSubtype="16" fill="hold" grpId="0" nodeType="afterEffect">
+                                  <p:stCondLst>
+                                    <p:cond delay="0"/>
+                                  </p:stCondLst>
+                                  <p:childTnLst>
+                                    <p:set>
+                                      <p:cBhvr>
+                                        <p:cTn id="18" dur="1" fill="hold">
+                                          <p:stCondLst>
+                                            <p:cond delay="0"/>
+                                          </p:stCondLst>
+                                        </p:cTn>
+                                        <p:tgtEl>
+                                          <p:spTgt spid="5"/>
+                                        </p:tgtEl>
+                                        <p:attrNameLst>
+                                          <p:attrName>style.visibility</p:attrName>
+                                        </p:attrNameLst>
+                                      </p:cBhvr>
+                                      <p:to>
+                                        <p:strVal val="visible"/>
+                                      </p:to>
+                                    </p:set>
+                                    <p:animEffect transition="in" filter="circle(in)">
+                                      <p:cBhvr>
+                                        <p:cTn id="19" dur="2000"/>
+                                        <p:tgtEl>
+                                          <p:spTgt spid="5"/>
+                                        </p:tgtEl>
+                                      </p:cBhvr>
+                                    </p:animEffect>
+                                  </p:childTnLst>
+                                </p:cTn>
+                              </p:par>
+                            </p:childTnLst>
+                          </p:cTn>
+                        </p:par>
+                      </p:childTnLst>
+                    </p:cTn>
+                  </p:par>
+                </p:childTnLst>
+              </p:cTn>
+              <p:prevCondLst>
+                <p:cond evt="onPrev" delay="0">
+                  <p:tgtEl>
+                    <p:sldTgt/>
+                  </p:tgtEl>
+                </p:cond>
+              </p:prevCondLst>
+              <p:nextCondLst>
+                <p:cond evt="onNext" delay="0">
+                  <p:tgtEl>
+                    <p:sldTgt/>
+                  </p:tgtEl>
+                </p:cond>
+              </p:nextCondLst>
+            </p:seq>
+          </p:childTnLst>
+        </p:cTn>
+      </p:par>
+    </p:tnLst>
+    <p:bldLst>
+      <p:bldP spid="5" grpId="0" animBg="1"/>
+      <p:bldP spid="6" grpId="0"/>
+      <p:bldP spid="6" grpId="1"/>
+    </p:bldLst>
+  </p:timing>
+</p:sld>
+</file>
+
 <file path=ppt/slides/slide3.xml><?xml version="1.0" encoding="utf-8"?>
 <p:sld xmlns:a="http://schemas.openxmlformats.org/drawingml/2006/main" xmlns:r="http://schemas.openxmlformats.org/officeDocument/2006/relationships" xmlns:p="http://schemas.openxmlformats.org/presentationml/2006/main">
   <p:cSld>
@@ -10910,6 +14869,116 @@
               </a:rPr>
               <a:t>设计概述</a:t>
             </a:r>
+          </a:p>
+        </p:txBody>
+      </p:sp>
+      <p:sp>
+        <p:nvSpPr>
+          <p:cNvPr id="4" name="文本框 3">
+            <a:extLst>
+              <a:ext uri="{FF2B5EF4-FFF2-40B4-BE49-F238E27FC236}">
+                <a16:creationId xmlns:a16="http://schemas.microsoft.com/office/drawing/2014/main" id="{2F3CF6BD-A63C-1114-3C7B-049E110C646D}"/>
+              </a:ext>
+            </a:extLst>
+          </p:cNvPr>
+          <p:cNvSpPr txBox="1"/>
+          <p:nvPr/>
+        </p:nvSpPr>
+        <p:spPr>
+          <a:xfrm>
+            <a:off x="0" y="1428750"/>
+            <a:ext cx="8915400" cy="2031325"/>
+          </a:xfrm>
+          <a:prstGeom prst="rect">
+            <a:avLst/>
+          </a:prstGeom>
+          <a:noFill/>
+        </p:spPr>
+        <p:txBody>
+          <a:bodyPr wrap="square">
+            <a:spAutoFit/>
+          </a:bodyPr>
+          <a:lstStyle/>
+          <a:p>
+            <a:pPr marL="552450" indent="-285750" algn="just">
+              <a:buFont typeface="Arial" panose="020B0604020202020204" pitchFamily="34" charset="0"/>
+              <a:buChar char="•"/>
+            </a:pPr>
+            <a:r>
+              <a:rPr lang="zh-CN" altLang="zh-CN" sz="1800" kern="100" dirty="0">
+                <a:effectLst/>
+                <a:latin typeface="等线" panose="02010600030101010101" pitchFamily="2" charset="-122"/>
+                <a:ea typeface="宋体" panose="02010600030101010101" pitchFamily="2" charset="-122"/>
+                <a:cs typeface="宋体" panose="02010600030101010101" pitchFamily="2" charset="-122"/>
+              </a:rPr>
+              <a:t>用户登录：用户可以通过“微信账号授权”的方式登录到小程序，经过登陆验证的用户可以使用小程序的所有功能</a:t>
+            </a:r>
+            <a:endParaRPr lang="en-US" altLang="zh-CN" sz="1400" kern="100" dirty="0">
+              <a:latin typeface="等线" panose="02010600030101010101" pitchFamily="2" charset="-122"/>
+              <a:ea typeface="等线" panose="02010600030101010101" pitchFamily="2" charset="-122"/>
+              <a:cs typeface="Times New Roman" panose="02020603050405020304" pitchFamily="18" charset="0"/>
+            </a:endParaRPr>
+          </a:p>
+          <a:p>
+            <a:pPr marL="552450" indent="-285750" algn="just">
+              <a:buFont typeface="Arial" panose="020B0604020202020204" pitchFamily="34" charset="0"/>
+              <a:buChar char="•"/>
+            </a:pPr>
+            <a:r>
+              <a:rPr lang="zh-CN" altLang="zh-CN" sz="1800" kern="100" dirty="0">
+                <a:effectLst/>
+                <a:latin typeface="等线" panose="02010600030101010101" pitchFamily="2" charset="-122"/>
+                <a:ea typeface="宋体" panose="02010600030101010101" pitchFamily="2" charset="-122"/>
+                <a:cs typeface="宋体" panose="02010600030101010101" pitchFamily="2" charset="-122"/>
+              </a:rPr>
+              <a:t>用户信息修改：用户可以修改自己的头像和昵称</a:t>
+            </a:r>
+            <a:endParaRPr lang="en-US" altLang="zh-CN" sz="1400" kern="100" dirty="0">
+              <a:latin typeface="等线" panose="02010600030101010101" pitchFamily="2" charset="-122"/>
+              <a:ea typeface="等线" panose="02010600030101010101" pitchFamily="2" charset="-122"/>
+              <a:cs typeface="Times New Roman" panose="02020603050405020304" pitchFamily="18" charset="0"/>
+            </a:endParaRPr>
+          </a:p>
+          <a:p>
+            <a:pPr marL="552450" indent="-285750" algn="just">
+              <a:buFont typeface="Arial" panose="020B0604020202020204" pitchFamily="34" charset="0"/>
+              <a:buChar char="•"/>
+            </a:pPr>
+            <a:r>
+              <a:rPr lang="zh-CN" altLang="zh-CN" sz="1800" kern="100" dirty="0">
+                <a:effectLst/>
+                <a:latin typeface="等线" panose="02010600030101010101" pitchFamily="2" charset="-122"/>
+                <a:ea typeface="宋体" panose="02010600030101010101" pitchFamily="2" charset="-122"/>
+                <a:cs typeface="宋体" panose="02010600030101010101" pitchFamily="2" charset="-122"/>
+              </a:rPr>
+              <a:t>用户测试：用户可以进行反应力的测试，并且可以选择是否将本次测试的成绩提交至服务器保存，提交至服务器的成绩会计入全部用户以及个人用户的统计</a:t>
+            </a:r>
+            <a:endParaRPr lang="en-US" altLang="zh-CN" sz="1400" kern="100" dirty="0">
+              <a:latin typeface="等线" panose="02010600030101010101" pitchFamily="2" charset="-122"/>
+              <a:ea typeface="等线" panose="02010600030101010101" pitchFamily="2" charset="-122"/>
+              <a:cs typeface="Times New Roman" panose="02020603050405020304" pitchFamily="18" charset="0"/>
+            </a:endParaRPr>
+          </a:p>
+          <a:p>
+            <a:pPr marL="552450" indent="-285750" algn="just">
+              <a:buFont typeface="Arial" panose="020B0604020202020204" pitchFamily="34" charset="0"/>
+              <a:buChar char="•"/>
+            </a:pPr>
+            <a:r>
+              <a:rPr lang="zh-CN" altLang="zh-CN" sz="1800" kern="100" dirty="0">
+                <a:effectLst/>
+                <a:latin typeface="等线" panose="02010600030101010101" pitchFamily="2" charset="-122"/>
+                <a:ea typeface="宋体" panose="02010600030101010101" pitchFamily="2" charset="-122"/>
+                <a:cs typeface="宋体" panose="02010600030101010101" pitchFamily="2" charset="-122"/>
+              </a:rPr>
+              <a:t>数据统计：统计服务器内保存的所有成绩记录，用户可以查看自己在全体用户中的排名，并且查看自己相较于历史记录的提升</a:t>
+            </a:r>
+            <a:endParaRPr lang="zh-CN" altLang="zh-CN" sz="1400" kern="100" dirty="0">
+              <a:effectLst/>
+              <a:latin typeface="等线" panose="02010600030101010101" pitchFamily="2" charset="-122"/>
+              <a:ea typeface="等线" panose="02010600030101010101" pitchFamily="2" charset="-122"/>
+              <a:cs typeface="Times New Roman" panose="02020603050405020304" pitchFamily="18" charset="0"/>
+            </a:endParaRPr>
           </a:p>
         </p:txBody>
       </p:sp>
@@ -11094,6 +15163,110 @@
           </a:p>
         </p:txBody>
       </p:sp>
+      <p:pic>
+        <p:nvPicPr>
+          <p:cNvPr id="3" name="图片 2" descr="排名界面">
+            <a:extLst>
+              <a:ext uri="{FF2B5EF4-FFF2-40B4-BE49-F238E27FC236}">
+                <a16:creationId xmlns:a16="http://schemas.microsoft.com/office/drawing/2014/main" id="{2D6782DF-77F0-CF66-4F80-5B8F28F454DD}"/>
+              </a:ext>
+            </a:extLst>
+          </p:cNvPr>
+          <p:cNvPicPr>
+            <a:picLocks noChangeAspect="1"/>
+          </p:cNvPicPr>
+          <p:nvPr/>
+        </p:nvPicPr>
+        <p:blipFill rotWithShape="1">
+          <a:blip r:embed="rId3"/>
+          <a:srcRect r="4916" b="1536"/>
+          <a:stretch/>
+        </p:blipFill>
+        <p:spPr bwMode="auto">
+          <a:xfrm>
+            <a:off x="6629401" y="928213"/>
+            <a:ext cx="2179138" cy="3811314"/>
+          </a:xfrm>
+          <a:prstGeom prst="rect">
+            <a:avLst/>
+          </a:prstGeom>
+          <a:ln>
+            <a:noFill/>
+          </a:ln>
+          <a:extLst>
+            <a:ext uri="{53640926-AAD7-44D8-BBD7-CCE9431645EC}">
+              <a14:shadowObscured xmlns:a14="http://schemas.microsoft.com/office/drawing/2010/main"/>
+            </a:ext>
+          </a:extLst>
+        </p:spPr>
+      </p:pic>
+      <p:pic>
+        <p:nvPicPr>
+          <p:cNvPr id="4" name="图片 3" descr="测试界面">
+            <a:extLst>
+              <a:ext uri="{FF2B5EF4-FFF2-40B4-BE49-F238E27FC236}">
+                <a16:creationId xmlns:a16="http://schemas.microsoft.com/office/drawing/2014/main" id="{0AC6EAAD-423B-9EAF-FD74-817745D28775}"/>
+              </a:ext>
+            </a:extLst>
+          </p:cNvPr>
+          <p:cNvPicPr>
+            <a:picLocks noChangeAspect="1"/>
+          </p:cNvPicPr>
+          <p:nvPr/>
+        </p:nvPicPr>
+        <p:blipFill rotWithShape="1">
+          <a:blip r:embed="rId4"/>
+          <a:srcRect r="5562" b="1918"/>
+          <a:stretch/>
+        </p:blipFill>
+        <p:spPr bwMode="auto">
+          <a:xfrm>
+            <a:off x="3482430" y="962503"/>
+            <a:ext cx="2179139" cy="3822539"/>
+          </a:xfrm>
+          <a:prstGeom prst="rect">
+            <a:avLst/>
+          </a:prstGeom>
+          <a:ln>
+            <a:noFill/>
+          </a:ln>
+          <a:extLst>
+            <a:ext uri="{53640926-AAD7-44D8-BBD7-CCE9431645EC}">
+              <a14:shadowObscured xmlns:a14="http://schemas.microsoft.com/office/drawing/2010/main"/>
+            </a:ext>
+          </a:extLst>
+        </p:spPr>
+      </p:pic>
+      <p:pic>
+        <p:nvPicPr>
+          <p:cNvPr id="5" name="图片 4" descr="登陆界面">
+            <a:extLst>
+              <a:ext uri="{FF2B5EF4-FFF2-40B4-BE49-F238E27FC236}">
+                <a16:creationId xmlns:a16="http://schemas.microsoft.com/office/drawing/2014/main" id="{BDE73338-1741-E2D7-E403-E2C272E0573F}"/>
+              </a:ext>
+            </a:extLst>
+          </p:cNvPr>
+          <p:cNvPicPr>
+            <a:picLocks noChangeAspect="1"/>
+          </p:cNvPicPr>
+          <p:nvPr/>
+        </p:nvPicPr>
+        <p:blipFill>
+          <a:blip r:embed="rId5"/>
+          <a:stretch>
+            <a:fillRect/>
+          </a:stretch>
+        </p:blipFill>
+        <p:spPr>
+          <a:xfrm>
+            <a:off x="335461" y="971549"/>
+            <a:ext cx="2179139" cy="3813493"/>
+          </a:xfrm>
+          <a:prstGeom prst="rect">
+            <a:avLst/>
+          </a:prstGeom>
+        </p:spPr>
+      </p:pic>
     </p:spTree>
     <p:extLst>
       <p:ext uri="{BB962C8B-B14F-4D97-AF65-F5344CB8AC3E}">
@@ -11275,6 +15448,103 @@
           </a:p>
         </p:txBody>
       </p:sp>
+      <p:pic>
+        <p:nvPicPr>
+          <p:cNvPr id="3" name="图片 2" descr="个人界面">
+            <a:extLst>
+              <a:ext uri="{FF2B5EF4-FFF2-40B4-BE49-F238E27FC236}">
+                <a16:creationId xmlns:a16="http://schemas.microsoft.com/office/drawing/2014/main" id="{0130193B-C55D-DE90-6B87-712AFC568541}"/>
+              </a:ext>
+            </a:extLst>
+          </p:cNvPr>
+          <p:cNvPicPr>
+            <a:picLocks noChangeAspect="1"/>
+          </p:cNvPicPr>
+          <p:nvPr/>
+        </p:nvPicPr>
+        <p:blipFill rotWithShape="1">
+          <a:blip r:embed="rId3"/>
+          <a:srcRect r="4916" b="1664"/>
+          <a:stretch/>
+        </p:blipFill>
+        <p:spPr bwMode="auto">
+          <a:xfrm>
+            <a:off x="381000" y="971550"/>
+            <a:ext cx="2343716" cy="4093696"/>
+          </a:xfrm>
+          <a:prstGeom prst="rect">
+            <a:avLst/>
+          </a:prstGeom>
+          <a:ln>
+            <a:noFill/>
+          </a:ln>
+          <a:extLst>
+            <a:ext uri="{53640926-AAD7-44D8-BBD7-CCE9431645EC}">
+              <a14:shadowObscured xmlns:a14="http://schemas.microsoft.com/office/drawing/2010/main"/>
+            </a:ext>
+          </a:extLst>
+        </p:spPr>
+      </p:pic>
+      <p:pic>
+        <p:nvPicPr>
+          <p:cNvPr id="4" name="图片 3" descr="头像修改界面">
+            <a:extLst>
+              <a:ext uri="{FF2B5EF4-FFF2-40B4-BE49-F238E27FC236}">
+                <a16:creationId xmlns:a16="http://schemas.microsoft.com/office/drawing/2014/main" id="{DCD98F2A-C2B6-CD44-1E99-56754E3E34F7}"/>
+              </a:ext>
+            </a:extLst>
+          </p:cNvPr>
+          <p:cNvPicPr>
+            <a:picLocks noChangeAspect="1"/>
+          </p:cNvPicPr>
+          <p:nvPr/>
+        </p:nvPicPr>
+        <p:blipFill>
+          <a:blip r:embed="rId4"/>
+          <a:stretch>
+            <a:fillRect/>
+          </a:stretch>
+        </p:blipFill>
+        <p:spPr>
+          <a:xfrm>
+            <a:off x="3400142" y="957756"/>
+            <a:ext cx="2343716" cy="4101503"/>
+          </a:xfrm>
+          <a:prstGeom prst="rect">
+            <a:avLst/>
+          </a:prstGeom>
+        </p:spPr>
+      </p:pic>
+      <p:pic>
+        <p:nvPicPr>
+          <p:cNvPr id="5" name="图片 4" descr="昵称修改界面">
+            <a:extLst>
+              <a:ext uri="{FF2B5EF4-FFF2-40B4-BE49-F238E27FC236}">
+                <a16:creationId xmlns:a16="http://schemas.microsoft.com/office/drawing/2014/main" id="{E08C713E-D9C0-0AE7-97D0-0C21EE428672}"/>
+              </a:ext>
+            </a:extLst>
+          </p:cNvPr>
+          <p:cNvPicPr>
+            <a:picLocks noChangeAspect="1"/>
+          </p:cNvPicPr>
+          <p:nvPr/>
+        </p:nvPicPr>
+        <p:blipFill>
+          <a:blip r:embed="rId5"/>
+          <a:stretch>
+            <a:fillRect/>
+          </a:stretch>
+        </p:blipFill>
+        <p:spPr>
+          <a:xfrm>
+            <a:off x="6553200" y="957754"/>
+            <a:ext cx="2343716" cy="4101504"/>
+          </a:xfrm>
+          <a:prstGeom prst="rect">
+            <a:avLst/>
+          </a:prstGeom>
+        </p:spPr>
+      </p:pic>
     </p:spTree>
     <p:extLst>
       <p:ext uri="{BB962C8B-B14F-4D97-AF65-F5344CB8AC3E}">
@@ -11437,7 +15707,7 @@
                 <a:cs typeface="+mn-ea"/>
                 <a:sym typeface="+mn-lt"/>
               </a:rPr>
-              <a:t>2.HIPO</a:t>
+              <a:t>3.HIPO</a:t>
             </a:r>
             <a:r>
               <a:rPr lang="zh-CN" altLang="en-US" sz="2699" b="1" dirty="0">
@@ -11871,7 +16141,7 @@
                 <a:cs typeface="+mn-ea"/>
                 <a:sym typeface="+mn-lt"/>
               </a:rPr>
-              <a:t>4.</a:t>
+              <a:t>3.</a:t>
             </a:r>
             <a:r>
               <a:rPr lang="zh-CN" altLang="en-US" sz="2699" b="1" dirty="0">
@@ -12088,7 +16358,7 @@
                 <a:cs typeface="+mn-ea"/>
                 <a:sym typeface="+mn-lt"/>
               </a:rPr>
-              <a:t>5.</a:t>
+              <a:t>4.</a:t>
             </a:r>
             <a:r>
               <a:rPr lang="zh-CN" altLang="en-US" sz="2699" b="1" dirty="0">
